--- a/latex/popl2024/architecture_overview.pptx
+++ b/latex/popl2024/architecture_overview.pptx
@@ -2,7 +2,7 @@
 <file path=ppt/presentation.xml><?xml version="1.0" encoding="utf-8"?>
 <p:presentation xmlns:a="http://schemas.openxmlformats.org/drawingml/2006/main" xmlns:r="http://schemas.openxmlformats.org/officeDocument/2006/relationships" xmlns:p="http://schemas.openxmlformats.org/presentationml/2006/main" saveSubsetFonts="1" autoCompressPictures="0">
   <p:sldMasterIdLst>
-    <p:sldMasterId id="2147483648" r:id="rId1"/>
+    <p:sldMasterId id="2147483696" r:id="rId1"/>
   </p:sldMasterIdLst>
   <p:notesMasterIdLst>
     <p:notesMasterId r:id="rId3"/>
@@ -10,13 +10,13 @@
   <p:sldIdLst>
     <p:sldId id="256" r:id="rId2"/>
   </p:sldIdLst>
-  <p:sldSz cx="12192000" cy="6858000"/>
+  <p:sldSz cx="14630400" cy="6858000"/>
   <p:notesSz cx="6858000" cy="9144000"/>
   <p:defaultTextStyle>
     <a:defPPr>
       <a:defRPr lang="en-US"/>
     </a:defPPr>
-    <a:lvl1pPr marL="0" algn="l" defTabSz="914400" rtl="0" eaLnBrk="1" latinLnBrk="0" hangingPunct="1">
+    <a:lvl1pPr marL="0" algn="l" defTabSz="457200" rtl="0" eaLnBrk="1" latinLnBrk="0" hangingPunct="1">
       <a:defRPr sz="1800" kern="1200">
         <a:solidFill>
           <a:schemeClr val="tx1"/>
@@ -26,7 +26,7 @@
         <a:cs typeface="+mn-cs"/>
       </a:defRPr>
     </a:lvl1pPr>
-    <a:lvl2pPr marL="457200" algn="l" defTabSz="914400" rtl="0" eaLnBrk="1" latinLnBrk="0" hangingPunct="1">
+    <a:lvl2pPr marL="457200" algn="l" defTabSz="457200" rtl="0" eaLnBrk="1" latinLnBrk="0" hangingPunct="1">
       <a:defRPr sz="1800" kern="1200">
         <a:solidFill>
           <a:schemeClr val="tx1"/>
@@ -36,7 +36,7 @@
         <a:cs typeface="+mn-cs"/>
       </a:defRPr>
     </a:lvl2pPr>
-    <a:lvl3pPr marL="914400" algn="l" defTabSz="914400" rtl="0" eaLnBrk="1" latinLnBrk="0" hangingPunct="1">
+    <a:lvl3pPr marL="914400" algn="l" defTabSz="457200" rtl="0" eaLnBrk="1" latinLnBrk="0" hangingPunct="1">
       <a:defRPr sz="1800" kern="1200">
         <a:solidFill>
           <a:schemeClr val="tx1"/>
@@ -46,7 +46,7 @@
         <a:cs typeface="+mn-cs"/>
       </a:defRPr>
     </a:lvl3pPr>
-    <a:lvl4pPr marL="1371600" algn="l" defTabSz="914400" rtl="0" eaLnBrk="1" latinLnBrk="0" hangingPunct="1">
+    <a:lvl4pPr marL="1371600" algn="l" defTabSz="457200" rtl="0" eaLnBrk="1" latinLnBrk="0" hangingPunct="1">
       <a:defRPr sz="1800" kern="1200">
         <a:solidFill>
           <a:schemeClr val="tx1"/>
@@ -56,7 +56,7 @@
         <a:cs typeface="+mn-cs"/>
       </a:defRPr>
     </a:lvl4pPr>
-    <a:lvl5pPr marL="1828800" algn="l" defTabSz="914400" rtl="0" eaLnBrk="1" latinLnBrk="0" hangingPunct="1">
+    <a:lvl5pPr marL="1828800" algn="l" defTabSz="457200" rtl="0" eaLnBrk="1" latinLnBrk="0" hangingPunct="1">
       <a:defRPr sz="1800" kern="1200">
         <a:solidFill>
           <a:schemeClr val="tx1"/>
@@ -66,7 +66,7 @@
         <a:cs typeface="+mn-cs"/>
       </a:defRPr>
     </a:lvl5pPr>
-    <a:lvl6pPr marL="2286000" algn="l" defTabSz="914400" rtl="0" eaLnBrk="1" latinLnBrk="0" hangingPunct="1">
+    <a:lvl6pPr marL="2286000" algn="l" defTabSz="457200" rtl="0" eaLnBrk="1" latinLnBrk="0" hangingPunct="1">
       <a:defRPr sz="1800" kern="1200">
         <a:solidFill>
           <a:schemeClr val="tx1"/>
@@ -76,7 +76,7 @@
         <a:cs typeface="+mn-cs"/>
       </a:defRPr>
     </a:lvl6pPr>
-    <a:lvl7pPr marL="2743200" algn="l" defTabSz="914400" rtl="0" eaLnBrk="1" latinLnBrk="0" hangingPunct="1">
+    <a:lvl7pPr marL="2743200" algn="l" defTabSz="457200" rtl="0" eaLnBrk="1" latinLnBrk="0" hangingPunct="1">
       <a:defRPr sz="1800" kern="1200">
         <a:solidFill>
           <a:schemeClr val="tx1"/>
@@ -86,7 +86,7 @@
         <a:cs typeface="+mn-cs"/>
       </a:defRPr>
     </a:lvl7pPr>
-    <a:lvl8pPr marL="3200400" algn="l" defTabSz="914400" rtl="0" eaLnBrk="1" latinLnBrk="0" hangingPunct="1">
+    <a:lvl8pPr marL="3200400" algn="l" defTabSz="457200" rtl="0" eaLnBrk="1" latinLnBrk="0" hangingPunct="1">
       <a:defRPr sz="1800" kern="1200">
         <a:solidFill>
           <a:schemeClr val="tx1"/>
@@ -96,7 +96,7 @@
         <a:cs typeface="+mn-cs"/>
       </a:defRPr>
     </a:lvl8pPr>
-    <a:lvl9pPr marL="3657600" algn="l" defTabSz="914400" rtl="0" eaLnBrk="1" latinLnBrk="0" hangingPunct="1">
+    <a:lvl9pPr marL="3657600" algn="l" defTabSz="457200" rtl="0" eaLnBrk="1" latinLnBrk="0" hangingPunct="1">
       <a:defRPr sz="1800" kern="1200">
         <a:solidFill>
           <a:schemeClr val="tx1"/>
@@ -197,7 +197,7 @@
           <a:p>
             <a:fld id="{4BCF36D4-1A3D-FF49-BD9D-8E92502A3136}" type="datetimeFigureOut">
               <a:rPr lang="en-US" smtClean="0"/>
-              <a:t>3/9/23</a:t>
+              <a:t>7/3/23</a:t>
             </a:fld>
             <a:endParaRPr lang="en-US"/>
           </a:p>
@@ -215,8 +215,8 @@
         </p:nvSpPr>
         <p:spPr>
           <a:xfrm>
-            <a:off x="685800" y="1143000"/>
-            <a:ext cx="5486400" cy="3086100"/>
+            <a:off x="136525" y="1143000"/>
+            <a:ext cx="6584950" cy="3086100"/>
           </a:xfrm>
           <a:prstGeom prst="rect">
             <a:avLst/>
@@ -491,7 +491,12 @@
             <p:ph type="sldImg"/>
           </p:nvPr>
         </p:nvSpPr>
-        <p:spPr/>
+        <p:spPr>
+          <a:xfrm>
+            <a:off x="136525" y="1143000"/>
+            <a:ext cx="6584950" cy="3086100"/>
+          </a:xfrm>
+        </p:spPr>
       </p:sp>
       <p:sp>
         <p:nvSpPr>
@@ -567,13 +572,7 @@
       </p:grpSpPr>
       <p:sp>
         <p:nvSpPr>
-          <p:cNvPr id="2" name="Title 1">
-            <a:extLst>
-              <a:ext uri="{FF2B5EF4-FFF2-40B4-BE49-F238E27FC236}">
-                <a16:creationId xmlns:a16="http://schemas.microsoft.com/office/drawing/2014/main" id="{FEBDB110-03A1-A1C1-B719-1E2FA34B162D}"/>
-              </a:ext>
-            </a:extLst>
-          </p:cNvPr>
+          <p:cNvPr id="2" name="Title 1"/>
           <p:cNvSpPr>
             <a:spLocks noGrp="1"/>
           </p:cNvSpPr>
@@ -583,8 +582,8 @@
         </p:nvSpPr>
         <p:spPr>
           <a:xfrm>
-            <a:off x="1524000" y="1122363"/>
-            <a:ext cx="9144000" cy="2387600"/>
+            <a:off x="1828800" y="1122363"/>
+            <a:ext cx="10972800" cy="2387600"/>
           </a:xfrm>
         </p:spPr>
         <p:txBody>
@@ -599,18 +598,13 @@
               <a:rPr lang="en-US"/>
               <a:t>Click to edit Master title style</a:t>
             </a:r>
-          </a:p>
-        </p:txBody>
-      </p:sp>
-      <p:sp>
-        <p:nvSpPr>
-          <p:cNvPr id="3" name="Subtitle 2">
-            <a:extLst>
-              <a:ext uri="{FF2B5EF4-FFF2-40B4-BE49-F238E27FC236}">
-                <a16:creationId xmlns:a16="http://schemas.microsoft.com/office/drawing/2014/main" id="{154532C9-5B89-2733-C1C2-B741C13A391E}"/>
-              </a:ext>
-            </a:extLst>
-          </p:cNvPr>
+            <a:endParaRPr lang="en-US" dirty="0"/>
+          </a:p>
+        </p:txBody>
+      </p:sp>
+      <p:sp>
+        <p:nvSpPr>
+          <p:cNvPr id="3" name="Subtitle 2"/>
           <p:cNvSpPr>
             <a:spLocks noGrp="1"/>
           </p:cNvSpPr>
@@ -620,8 +614,8 @@
         </p:nvSpPr>
         <p:spPr>
           <a:xfrm>
-            <a:off x="1524000" y="3602038"/>
-            <a:ext cx="9144000" cy="1655762"/>
+            <a:off x="1828800" y="3602038"/>
+            <a:ext cx="10972800" cy="1655762"/>
           </a:xfrm>
         </p:spPr>
         <p:txBody>
@@ -669,18 +663,13 @@
               <a:rPr lang="en-US"/>
               <a:t>Click to edit Master subtitle style</a:t>
             </a:r>
-          </a:p>
-        </p:txBody>
-      </p:sp>
-      <p:sp>
-        <p:nvSpPr>
-          <p:cNvPr id="4" name="Date Placeholder 3">
-            <a:extLst>
-              <a:ext uri="{FF2B5EF4-FFF2-40B4-BE49-F238E27FC236}">
-                <a16:creationId xmlns:a16="http://schemas.microsoft.com/office/drawing/2014/main" id="{DE4D1752-6657-4D1A-5B52-03FD2E80FDD2}"/>
-              </a:ext>
-            </a:extLst>
-          </p:cNvPr>
+            <a:endParaRPr lang="en-US" dirty="0"/>
+          </a:p>
+        </p:txBody>
+      </p:sp>
+      <p:sp>
+        <p:nvSpPr>
+          <p:cNvPr id="4" name="Date Placeholder 3"/>
           <p:cNvSpPr>
             <a:spLocks noGrp="1"/>
           </p:cNvSpPr>
@@ -695,7 +684,7 @@
           <a:p>
             <a:fld id="{4B75BEB6-BBAC-A946-9A0D-CADA25585596}" type="datetimeFigureOut">
               <a:rPr lang="en-US" smtClean="0"/>
-              <a:t>3/9/23</a:t>
+              <a:t>7/3/23</a:t>
             </a:fld>
             <a:endParaRPr lang="en-US"/>
           </a:p>
@@ -703,13 +692,7 @@
       </p:sp>
       <p:sp>
         <p:nvSpPr>
-          <p:cNvPr id="5" name="Footer Placeholder 4">
-            <a:extLst>
-              <a:ext uri="{FF2B5EF4-FFF2-40B4-BE49-F238E27FC236}">
-                <a16:creationId xmlns:a16="http://schemas.microsoft.com/office/drawing/2014/main" id="{90E45876-9853-2272-D3E8-62AEE3097E33}"/>
-              </a:ext>
-            </a:extLst>
-          </p:cNvPr>
+          <p:cNvPr id="5" name="Footer Placeholder 4"/>
           <p:cNvSpPr>
             <a:spLocks noGrp="1"/>
           </p:cNvSpPr>
@@ -728,13 +711,7 @@
       </p:sp>
       <p:sp>
         <p:nvSpPr>
-          <p:cNvPr id="6" name="Slide Number Placeholder 5">
-            <a:extLst>
-              <a:ext uri="{FF2B5EF4-FFF2-40B4-BE49-F238E27FC236}">
-                <a16:creationId xmlns:a16="http://schemas.microsoft.com/office/drawing/2014/main" id="{3F982CB7-E970-DE10-B32D-B3AEE0053BE2}"/>
-              </a:ext>
-            </a:extLst>
-          </p:cNvPr>
+          <p:cNvPr id="6" name="Slide Number Placeholder 5"/>
           <p:cNvSpPr>
             <a:spLocks noGrp="1"/>
           </p:cNvSpPr>
@@ -758,7 +735,7 @@
     </p:spTree>
     <p:extLst>
       <p:ext uri="{BB962C8B-B14F-4D97-AF65-F5344CB8AC3E}">
-        <p14:creationId xmlns:p14="http://schemas.microsoft.com/office/powerpoint/2010/main" val="4289835709"/>
+        <p14:creationId xmlns:p14="http://schemas.microsoft.com/office/powerpoint/2010/main" val="2764947026"/>
       </p:ext>
     </p:extLst>
   </p:cSld>
@@ -787,13 +764,7 @@
       </p:grpSpPr>
       <p:sp>
         <p:nvSpPr>
-          <p:cNvPr id="2" name="Title 1">
-            <a:extLst>
-              <a:ext uri="{FF2B5EF4-FFF2-40B4-BE49-F238E27FC236}">
-                <a16:creationId xmlns:a16="http://schemas.microsoft.com/office/drawing/2014/main" id="{2B14CFC7-4EB8-9256-99E8-C922CFB4424F}"/>
-              </a:ext>
-            </a:extLst>
-          </p:cNvPr>
+          <p:cNvPr id="2" name="Title 1"/>
           <p:cNvSpPr>
             <a:spLocks noGrp="1"/>
           </p:cNvSpPr>
@@ -810,18 +781,13 @@
               <a:rPr lang="en-US"/>
               <a:t>Click to edit Master title style</a:t>
             </a:r>
-          </a:p>
-        </p:txBody>
-      </p:sp>
-      <p:sp>
-        <p:nvSpPr>
-          <p:cNvPr id="3" name="Vertical Text Placeholder 2">
-            <a:extLst>
-              <a:ext uri="{FF2B5EF4-FFF2-40B4-BE49-F238E27FC236}">
-                <a16:creationId xmlns:a16="http://schemas.microsoft.com/office/drawing/2014/main" id="{A94E5AC9-56E5-F8CE-3716-3F97F99C46DD}"/>
-              </a:ext>
-            </a:extLst>
-          </p:cNvPr>
+            <a:endParaRPr lang="en-US" dirty="0"/>
+          </a:p>
+        </p:txBody>
+      </p:sp>
+      <p:sp>
+        <p:nvSpPr>
+          <p:cNvPr id="3" name="Vertical Text Placeholder 2"/>
           <p:cNvSpPr>
             <a:spLocks noGrp="1"/>
           </p:cNvSpPr>
@@ -867,18 +833,13 @@
               <a:rPr lang="en-US"/>
               <a:t>Fifth level</a:t>
             </a:r>
-          </a:p>
-        </p:txBody>
-      </p:sp>
-      <p:sp>
-        <p:nvSpPr>
-          <p:cNvPr id="4" name="Date Placeholder 3">
-            <a:extLst>
-              <a:ext uri="{FF2B5EF4-FFF2-40B4-BE49-F238E27FC236}">
-                <a16:creationId xmlns:a16="http://schemas.microsoft.com/office/drawing/2014/main" id="{9F8DE2BB-68A0-CCA5-C444-F0B2D014897F}"/>
-              </a:ext>
-            </a:extLst>
-          </p:cNvPr>
+            <a:endParaRPr lang="en-US" dirty="0"/>
+          </a:p>
+        </p:txBody>
+      </p:sp>
+      <p:sp>
+        <p:nvSpPr>
+          <p:cNvPr id="4" name="Date Placeholder 3"/>
           <p:cNvSpPr>
             <a:spLocks noGrp="1"/>
           </p:cNvSpPr>
@@ -893,7 +854,7 @@
           <a:p>
             <a:fld id="{4B75BEB6-BBAC-A946-9A0D-CADA25585596}" type="datetimeFigureOut">
               <a:rPr lang="en-US" smtClean="0"/>
-              <a:t>3/9/23</a:t>
+              <a:t>7/3/23</a:t>
             </a:fld>
             <a:endParaRPr lang="en-US"/>
           </a:p>
@@ -901,13 +862,7 @@
       </p:sp>
       <p:sp>
         <p:nvSpPr>
-          <p:cNvPr id="5" name="Footer Placeholder 4">
-            <a:extLst>
-              <a:ext uri="{FF2B5EF4-FFF2-40B4-BE49-F238E27FC236}">
-                <a16:creationId xmlns:a16="http://schemas.microsoft.com/office/drawing/2014/main" id="{31934F26-643B-F331-643A-690F336EB85E}"/>
-              </a:ext>
-            </a:extLst>
-          </p:cNvPr>
+          <p:cNvPr id="5" name="Footer Placeholder 4"/>
           <p:cNvSpPr>
             <a:spLocks noGrp="1"/>
           </p:cNvSpPr>
@@ -926,13 +881,7 @@
       </p:sp>
       <p:sp>
         <p:nvSpPr>
-          <p:cNvPr id="6" name="Slide Number Placeholder 5">
-            <a:extLst>
-              <a:ext uri="{FF2B5EF4-FFF2-40B4-BE49-F238E27FC236}">
-                <a16:creationId xmlns:a16="http://schemas.microsoft.com/office/drawing/2014/main" id="{246F4C4D-E3CF-B0D5-6E37-4405E4FF9A3E}"/>
-              </a:ext>
-            </a:extLst>
-          </p:cNvPr>
+          <p:cNvPr id="6" name="Slide Number Placeholder 5"/>
           <p:cNvSpPr>
             <a:spLocks noGrp="1"/>
           </p:cNvSpPr>
@@ -956,7 +905,7 @@
     </p:spTree>
     <p:extLst>
       <p:ext uri="{BB962C8B-B14F-4D97-AF65-F5344CB8AC3E}">
-        <p14:creationId xmlns:p14="http://schemas.microsoft.com/office/powerpoint/2010/main" val="3245360915"/>
+        <p14:creationId xmlns:p14="http://schemas.microsoft.com/office/powerpoint/2010/main" val="2202841410"/>
       </p:ext>
     </p:extLst>
   </p:cSld>
@@ -985,13 +934,7 @@
       </p:grpSpPr>
       <p:sp>
         <p:nvSpPr>
-          <p:cNvPr id="2" name="Vertical Title 1">
-            <a:extLst>
-              <a:ext uri="{FF2B5EF4-FFF2-40B4-BE49-F238E27FC236}">
-                <a16:creationId xmlns:a16="http://schemas.microsoft.com/office/drawing/2014/main" id="{AE0ED6C4-EBE6-76FB-6577-DE63385055EF}"/>
-              </a:ext>
-            </a:extLst>
-          </p:cNvPr>
+          <p:cNvPr id="2" name="Vertical Title 1"/>
           <p:cNvSpPr>
             <a:spLocks noGrp="1"/>
           </p:cNvSpPr>
@@ -1001,8 +944,8 @@
         </p:nvSpPr>
         <p:spPr>
           <a:xfrm>
-            <a:off x="8724900" y="365125"/>
-            <a:ext cx="2628900" cy="5811838"/>
+            <a:off x="10469880" y="365125"/>
+            <a:ext cx="3154680" cy="5811838"/>
           </a:xfrm>
         </p:spPr>
         <p:txBody>
@@ -1013,18 +956,13 @@
               <a:rPr lang="en-US"/>
               <a:t>Click to edit Master title style</a:t>
             </a:r>
-          </a:p>
-        </p:txBody>
-      </p:sp>
-      <p:sp>
-        <p:nvSpPr>
-          <p:cNvPr id="3" name="Vertical Text Placeholder 2">
-            <a:extLst>
-              <a:ext uri="{FF2B5EF4-FFF2-40B4-BE49-F238E27FC236}">
-                <a16:creationId xmlns:a16="http://schemas.microsoft.com/office/drawing/2014/main" id="{4070B16E-30ED-01A7-112C-6402020262F0}"/>
-              </a:ext>
-            </a:extLst>
-          </p:cNvPr>
+            <a:endParaRPr lang="en-US" dirty="0"/>
+          </a:p>
+        </p:txBody>
+      </p:sp>
+      <p:sp>
+        <p:nvSpPr>
+          <p:cNvPr id="3" name="Vertical Text Placeholder 2"/>
           <p:cNvSpPr>
             <a:spLocks noGrp="1"/>
           </p:cNvSpPr>
@@ -1034,8 +972,8 @@
         </p:nvSpPr>
         <p:spPr>
           <a:xfrm>
-            <a:off x="838200" y="365125"/>
-            <a:ext cx="7734300" cy="5811838"/>
+            <a:off x="1005840" y="365125"/>
+            <a:ext cx="9281160" cy="5811838"/>
           </a:xfrm>
         </p:spPr>
         <p:txBody>
@@ -1075,18 +1013,13 @@
               <a:rPr lang="en-US"/>
               <a:t>Fifth level</a:t>
             </a:r>
-          </a:p>
-        </p:txBody>
-      </p:sp>
-      <p:sp>
-        <p:nvSpPr>
-          <p:cNvPr id="4" name="Date Placeholder 3">
-            <a:extLst>
-              <a:ext uri="{FF2B5EF4-FFF2-40B4-BE49-F238E27FC236}">
-                <a16:creationId xmlns:a16="http://schemas.microsoft.com/office/drawing/2014/main" id="{292CB29E-7785-3DA7-5D19-DF46EE5F5840}"/>
-              </a:ext>
-            </a:extLst>
-          </p:cNvPr>
+            <a:endParaRPr lang="en-US" dirty="0"/>
+          </a:p>
+        </p:txBody>
+      </p:sp>
+      <p:sp>
+        <p:nvSpPr>
+          <p:cNvPr id="4" name="Date Placeholder 3"/>
           <p:cNvSpPr>
             <a:spLocks noGrp="1"/>
           </p:cNvSpPr>
@@ -1101,7 +1034,7 @@
           <a:p>
             <a:fld id="{4B75BEB6-BBAC-A946-9A0D-CADA25585596}" type="datetimeFigureOut">
               <a:rPr lang="en-US" smtClean="0"/>
-              <a:t>3/9/23</a:t>
+              <a:t>7/3/23</a:t>
             </a:fld>
             <a:endParaRPr lang="en-US"/>
           </a:p>
@@ -1109,13 +1042,7 @@
       </p:sp>
       <p:sp>
         <p:nvSpPr>
-          <p:cNvPr id="5" name="Footer Placeholder 4">
-            <a:extLst>
-              <a:ext uri="{FF2B5EF4-FFF2-40B4-BE49-F238E27FC236}">
-                <a16:creationId xmlns:a16="http://schemas.microsoft.com/office/drawing/2014/main" id="{87D41DDE-89DB-6340-E157-EA66273C2528}"/>
-              </a:ext>
-            </a:extLst>
-          </p:cNvPr>
+          <p:cNvPr id="5" name="Footer Placeholder 4"/>
           <p:cNvSpPr>
             <a:spLocks noGrp="1"/>
           </p:cNvSpPr>
@@ -1134,13 +1061,7 @@
       </p:sp>
       <p:sp>
         <p:nvSpPr>
-          <p:cNvPr id="6" name="Slide Number Placeholder 5">
-            <a:extLst>
-              <a:ext uri="{FF2B5EF4-FFF2-40B4-BE49-F238E27FC236}">
-                <a16:creationId xmlns:a16="http://schemas.microsoft.com/office/drawing/2014/main" id="{2619182C-8137-B72F-9A79-8C9664F17569}"/>
-              </a:ext>
-            </a:extLst>
-          </p:cNvPr>
+          <p:cNvPr id="6" name="Slide Number Placeholder 5"/>
           <p:cNvSpPr>
             <a:spLocks noGrp="1"/>
           </p:cNvSpPr>
@@ -1164,7 +1085,7 @@
     </p:spTree>
     <p:extLst>
       <p:ext uri="{BB962C8B-B14F-4D97-AF65-F5344CB8AC3E}">
-        <p14:creationId xmlns:p14="http://schemas.microsoft.com/office/powerpoint/2010/main" val="1987654501"/>
+        <p14:creationId xmlns:p14="http://schemas.microsoft.com/office/powerpoint/2010/main" val="1907012343"/>
       </p:ext>
     </p:extLst>
   </p:cSld>
@@ -1193,13 +1114,7 @@
       </p:grpSpPr>
       <p:sp>
         <p:nvSpPr>
-          <p:cNvPr id="2" name="Title 1">
-            <a:extLst>
-              <a:ext uri="{FF2B5EF4-FFF2-40B4-BE49-F238E27FC236}">
-                <a16:creationId xmlns:a16="http://schemas.microsoft.com/office/drawing/2014/main" id="{07709EE3-2C87-4D02-F975-02363E9AF46D}"/>
-              </a:ext>
-            </a:extLst>
-          </p:cNvPr>
+          <p:cNvPr id="2" name="Title 1"/>
           <p:cNvSpPr>
             <a:spLocks noGrp="1"/>
           </p:cNvSpPr>
@@ -1216,18 +1131,13 @@
               <a:rPr lang="en-US"/>
               <a:t>Click to edit Master title style</a:t>
             </a:r>
-          </a:p>
-        </p:txBody>
-      </p:sp>
-      <p:sp>
-        <p:nvSpPr>
-          <p:cNvPr id="3" name="Content Placeholder 2">
-            <a:extLst>
-              <a:ext uri="{FF2B5EF4-FFF2-40B4-BE49-F238E27FC236}">
-                <a16:creationId xmlns:a16="http://schemas.microsoft.com/office/drawing/2014/main" id="{9CABFCF4-7368-AADA-19C1-EC73C034A72D}"/>
-              </a:ext>
-            </a:extLst>
-          </p:cNvPr>
+            <a:endParaRPr lang="en-US" dirty="0"/>
+          </a:p>
+        </p:txBody>
+      </p:sp>
+      <p:sp>
+        <p:nvSpPr>
+          <p:cNvPr id="3" name="Content Placeholder 2"/>
           <p:cNvSpPr>
             <a:spLocks noGrp="1"/>
           </p:cNvSpPr>
@@ -1273,18 +1183,13 @@
               <a:rPr lang="en-US"/>
               <a:t>Fifth level</a:t>
             </a:r>
-          </a:p>
-        </p:txBody>
-      </p:sp>
-      <p:sp>
-        <p:nvSpPr>
-          <p:cNvPr id="4" name="Date Placeholder 3">
-            <a:extLst>
-              <a:ext uri="{FF2B5EF4-FFF2-40B4-BE49-F238E27FC236}">
-                <a16:creationId xmlns:a16="http://schemas.microsoft.com/office/drawing/2014/main" id="{3EB3EE12-17BB-85AC-3D85-4043D837BB79}"/>
-              </a:ext>
-            </a:extLst>
-          </p:cNvPr>
+            <a:endParaRPr lang="en-US" dirty="0"/>
+          </a:p>
+        </p:txBody>
+      </p:sp>
+      <p:sp>
+        <p:nvSpPr>
+          <p:cNvPr id="4" name="Date Placeholder 3"/>
           <p:cNvSpPr>
             <a:spLocks noGrp="1"/>
           </p:cNvSpPr>
@@ -1299,7 +1204,7 @@
           <a:p>
             <a:fld id="{4B75BEB6-BBAC-A946-9A0D-CADA25585596}" type="datetimeFigureOut">
               <a:rPr lang="en-US" smtClean="0"/>
-              <a:t>3/9/23</a:t>
+              <a:t>7/3/23</a:t>
             </a:fld>
             <a:endParaRPr lang="en-US"/>
           </a:p>
@@ -1307,13 +1212,7 @@
       </p:sp>
       <p:sp>
         <p:nvSpPr>
-          <p:cNvPr id="5" name="Footer Placeholder 4">
-            <a:extLst>
-              <a:ext uri="{FF2B5EF4-FFF2-40B4-BE49-F238E27FC236}">
-                <a16:creationId xmlns:a16="http://schemas.microsoft.com/office/drawing/2014/main" id="{4A7A7122-151D-00E7-F51C-3B1855F70AA3}"/>
-              </a:ext>
-            </a:extLst>
-          </p:cNvPr>
+          <p:cNvPr id="5" name="Footer Placeholder 4"/>
           <p:cNvSpPr>
             <a:spLocks noGrp="1"/>
           </p:cNvSpPr>
@@ -1332,13 +1231,7 @@
       </p:sp>
       <p:sp>
         <p:nvSpPr>
-          <p:cNvPr id="6" name="Slide Number Placeholder 5">
-            <a:extLst>
-              <a:ext uri="{FF2B5EF4-FFF2-40B4-BE49-F238E27FC236}">
-                <a16:creationId xmlns:a16="http://schemas.microsoft.com/office/drawing/2014/main" id="{279B6934-CA6B-E6FE-E89B-36EC1819FBF0}"/>
-              </a:ext>
-            </a:extLst>
-          </p:cNvPr>
+          <p:cNvPr id="6" name="Slide Number Placeholder 5"/>
           <p:cNvSpPr>
             <a:spLocks noGrp="1"/>
           </p:cNvSpPr>
@@ -1362,7 +1255,7 @@
     </p:spTree>
     <p:extLst>
       <p:ext uri="{BB962C8B-B14F-4D97-AF65-F5344CB8AC3E}">
-        <p14:creationId xmlns:p14="http://schemas.microsoft.com/office/powerpoint/2010/main" val="4127190961"/>
+        <p14:creationId xmlns:p14="http://schemas.microsoft.com/office/powerpoint/2010/main" val="332005715"/>
       </p:ext>
     </p:extLst>
   </p:cSld>
@@ -1391,13 +1284,7 @@
       </p:grpSpPr>
       <p:sp>
         <p:nvSpPr>
-          <p:cNvPr id="2" name="Title 1">
-            <a:extLst>
-              <a:ext uri="{FF2B5EF4-FFF2-40B4-BE49-F238E27FC236}">
-                <a16:creationId xmlns:a16="http://schemas.microsoft.com/office/drawing/2014/main" id="{E5A2D358-D0D5-E9FD-6405-8E7A43917888}"/>
-              </a:ext>
-            </a:extLst>
-          </p:cNvPr>
+          <p:cNvPr id="2" name="Title 1"/>
           <p:cNvSpPr>
             <a:spLocks noGrp="1"/>
           </p:cNvSpPr>
@@ -1407,8 +1294,8 @@
         </p:nvSpPr>
         <p:spPr>
           <a:xfrm>
-            <a:off x="831850" y="1709738"/>
-            <a:ext cx="10515600" cy="2852737"/>
+            <a:off x="998220" y="1709738"/>
+            <a:ext cx="12618720" cy="2852737"/>
           </a:xfrm>
         </p:spPr>
         <p:txBody>
@@ -1423,18 +1310,13 @@
               <a:rPr lang="en-US"/>
               <a:t>Click to edit Master title style</a:t>
             </a:r>
-          </a:p>
-        </p:txBody>
-      </p:sp>
-      <p:sp>
-        <p:nvSpPr>
-          <p:cNvPr id="3" name="Text Placeholder 2">
-            <a:extLst>
-              <a:ext uri="{FF2B5EF4-FFF2-40B4-BE49-F238E27FC236}">
-                <a16:creationId xmlns:a16="http://schemas.microsoft.com/office/drawing/2014/main" id="{C3E5A98E-64A7-255C-F565-CB1DD9C08085}"/>
-              </a:ext>
-            </a:extLst>
-          </p:cNvPr>
+            <a:endParaRPr lang="en-US" dirty="0"/>
+          </a:p>
+        </p:txBody>
+      </p:sp>
+      <p:sp>
+        <p:nvSpPr>
+          <p:cNvPr id="3" name="Text Placeholder 2"/>
           <p:cNvSpPr>
             <a:spLocks noGrp="1"/>
           </p:cNvSpPr>
@@ -1444,8 +1326,8 @@
         </p:nvSpPr>
         <p:spPr>
           <a:xfrm>
-            <a:off x="831850" y="4589463"/>
-            <a:ext cx="10515600" cy="1500187"/>
+            <a:off x="998220" y="4589464"/>
+            <a:ext cx="12618720" cy="1500187"/>
           </a:xfrm>
         </p:spPr>
         <p:txBody>
@@ -1553,13 +1435,7 @@
       </p:sp>
       <p:sp>
         <p:nvSpPr>
-          <p:cNvPr id="4" name="Date Placeholder 3">
-            <a:extLst>
-              <a:ext uri="{FF2B5EF4-FFF2-40B4-BE49-F238E27FC236}">
-                <a16:creationId xmlns:a16="http://schemas.microsoft.com/office/drawing/2014/main" id="{527373EB-27DD-5F08-0BF8-47701DF4D006}"/>
-              </a:ext>
-            </a:extLst>
-          </p:cNvPr>
+          <p:cNvPr id="4" name="Date Placeholder 3"/>
           <p:cNvSpPr>
             <a:spLocks noGrp="1"/>
           </p:cNvSpPr>
@@ -1574,7 +1450,7 @@
           <a:p>
             <a:fld id="{4B75BEB6-BBAC-A946-9A0D-CADA25585596}" type="datetimeFigureOut">
               <a:rPr lang="en-US" smtClean="0"/>
-              <a:t>3/9/23</a:t>
+              <a:t>7/3/23</a:t>
             </a:fld>
             <a:endParaRPr lang="en-US"/>
           </a:p>
@@ -1582,13 +1458,7 @@
       </p:sp>
       <p:sp>
         <p:nvSpPr>
-          <p:cNvPr id="5" name="Footer Placeholder 4">
-            <a:extLst>
-              <a:ext uri="{FF2B5EF4-FFF2-40B4-BE49-F238E27FC236}">
-                <a16:creationId xmlns:a16="http://schemas.microsoft.com/office/drawing/2014/main" id="{E8C64156-788C-F2FD-252A-6340A125F30C}"/>
-              </a:ext>
-            </a:extLst>
-          </p:cNvPr>
+          <p:cNvPr id="5" name="Footer Placeholder 4"/>
           <p:cNvSpPr>
             <a:spLocks noGrp="1"/>
           </p:cNvSpPr>
@@ -1607,13 +1477,7 @@
       </p:sp>
       <p:sp>
         <p:nvSpPr>
-          <p:cNvPr id="6" name="Slide Number Placeholder 5">
-            <a:extLst>
-              <a:ext uri="{FF2B5EF4-FFF2-40B4-BE49-F238E27FC236}">
-                <a16:creationId xmlns:a16="http://schemas.microsoft.com/office/drawing/2014/main" id="{EFF26434-0146-67BB-45A9-FCD035A1B8A7}"/>
-              </a:ext>
-            </a:extLst>
-          </p:cNvPr>
+          <p:cNvPr id="6" name="Slide Number Placeholder 5"/>
           <p:cNvSpPr>
             <a:spLocks noGrp="1"/>
           </p:cNvSpPr>
@@ -1637,7 +1501,7 @@
     </p:spTree>
     <p:extLst>
       <p:ext uri="{BB962C8B-B14F-4D97-AF65-F5344CB8AC3E}">
-        <p14:creationId xmlns:p14="http://schemas.microsoft.com/office/powerpoint/2010/main" val="2893801652"/>
+        <p14:creationId xmlns:p14="http://schemas.microsoft.com/office/powerpoint/2010/main" val="2416814896"/>
       </p:ext>
     </p:extLst>
   </p:cSld>
@@ -1666,13 +1530,7 @@
       </p:grpSpPr>
       <p:sp>
         <p:nvSpPr>
-          <p:cNvPr id="2" name="Title 1">
-            <a:extLst>
-              <a:ext uri="{FF2B5EF4-FFF2-40B4-BE49-F238E27FC236}">
-                <a16:creationId xmlns:a16="http://schemas.microsoft.com/office/drawing/2014/main" id="{C6CD2FF3-EB19-5E80-F768-1F4B0B5F20C4}"/>
-              </a:ext>
-            </a:extLst>
-          </p:cNvPr>
+          <p:cNvPr id="2" name="Title 1"/>
           <p:cNvSpPr>
             <a:spLocks noGrp="1"/>
           </p:cNvSpPr>
@@ -1689,18 +1547,13 @@
               <a:rPr lang="en-US"/>
               <a:t>Click to edit Master title style</a:t>
             </a:r>
-          </a:p>
-        </p:txBody>
-      </p:sp>
-      <p:sp>
-        <p:nvSpPr>
-          <p:cNvPr id="3" name="Content Placeholder 2">
-            <a:extLst>
-              <a:ext uri="{FF2B5EF4-FFF2-40B4-BE49-F238E27FC236}">
-                <a16:creationId xmlns:a16="http://schemas.microsoft.com/office/drawing/2014/main" id="{EDBC68B7-B742-4699-F2F0-B52823D2FFE8}"/>
-              </a:ext>
-            </a:extLst>
-          </p:cNvPr>
+            <a:endParaRPr lang="en-US" dirty="0"/>
+          </a:p>
+        </p:txBody>
+      </p:sp>
+      <p:sp>
+        <p:nvSpPr>
+          <p:cNvPr id="3" name="Content Placeholder 2"/>
           <p:cNvSpPr>
             <a:spLocks noGrp="1"/>
           </p:cNvSpPr>
@@ -1710,8 +1563,8 @@
         </p:nvSpPr>
         <p:spPr>
           <a:xfrm>
-            <a:off x="838200" y="1825625"/>
-            <a:ext cx="5181600" cy="4351338"/>
+            <a:off x="1005840" y="1825625"/>
+            <a:ext cx="6217920" cy="4351338"/>
           </a:xfrm>
         </p:spPr>
         <p:txBody>
@@ -1751,18 +1604,13 @@
               <a:rPr lang="en-US"/>
               <a:t>Fifth level</a:t>
             </a:r>
-          </a:p>
-        </p:txBody>
-      </p:sp>
-      <p:sp>
-        <p:nvSpPr>
-          <p:cNvPr id="4" name="Content Placeholder 3">
-            <a:extLst>
-              <a:ext uri="{FF2B5EF4-FFF2-40B4-BE49-F238E27FC236}">
-                <a16:creationId xmlns:a16="http://schemas.microsoft.com/office/drawing/2014/main" id="{2049D0DC-40A0-A9DD-B038-792461933C8F}"/>
-              </a:ext>
-            </a:extLst>
-          </p:cNvPr>
+            <a:endParaRPr lang="en-US" dirty="0"/>
+          </a:p>
+        </p:txBody>
+      </p:sp>
+      <p:sp>
+        <p:nvSpPr>
+          <p:cNvPr id="4" name="Content Placeholder 3"/>
           <p:cNvSpPr>
             <a:spLocks noGrp="1"/>
           </p:cNvSpPr>
@@ -1772,8 +1620,8 @@
         </p:nvSpPr>
         <p:spPr>
           <a:xfrm>
-            <a:off x="6172200" y="1825625"/>
-            <a:ext cx="5181600" cy="4351338"/>
+            <a:off x="7406640" y="1825625"/>
+            <a:ext cx="6217920" cy="4351338"/>
           </a:xfrm>
         </p:spPr>
         <p:txBody>
@@ -1813,18 +1661,13 @@
               <a:rPr lang="en-US"/>
               <a:t>Fifth level</a:t>
             </a:r>
-          </a:p>
-        </p:txBody>
-      </p:sp>
-      <p:sp>
-        <p:nvSpPr>
-          <p:cNvPr id="5" name="Date Placeholder 4">
-            <a:extLst>
-              <a:ext uri="{FF2B5EF4-FFF2-40B4-BE49-F238E27FC236}">
-                <a16:creationId xmlns:a16="http://schemas.microsoft.com/office/drawing/2014/main" id="{4496C956-79A3-AF7A-05F5-F9F473EFBFDC}"/>
-              </a:ext>
-            </a:extLst>
-          </p:cNvPr>
+            <a:endParaRPr lang="en-US" dirty="0"/>
+          </a:p>
+        </p:txBody>
+      </p:sp>
+      <p:sp>
+        <p:nvSpPr>
+          <p:cNvPr id="5" name="Date Placeholder 4"/>
           <p:cNvSpPr>
             <a:spLocks noGrp="1"/>
           </p:cNvSpPr>
@@ -1839,7 +1682,7 @@
           <a:p>
             <a:fld id="{4B75BEB6-BBAC-A946-9A0D-CADA25585596}" type="datetimeFigureOut">
               <a:rPr lang="en-US" smtClean="0"/>
-              <a:t>3/9/23</a:t>
+              <a:t>7/3/23</a:t>
             </a:fld>
             <a:endParaRPr lang="en-US"/>
           </a:p>
@@ -1847,13 +1690,7 @@
       </p:sp>
       <p:sp>
         <p:nvSpPr>
-          <p:cNvPr id="6" name="Footer Placeholder 5">
-            <a:extLst>
-              <a:ext uri="{FF2B5EF4-FFF2-40B4-BE49-F238E27FC236}">
-                <a16:creationId xmlns:a16="http://schemas.microsoft.com/office/drawing/2014/main" id="{F6443E7B-1BE5-4327-9E30-376373738AEA}"/>
-              </a:ext>
-            </a:extLst>
-          </p:cNvPr>
+          <p:cNvPr id="6" name="Footer Placeholder 5"/>
           <p:cNvSpPr>
             <a:spLocks noGrp="1"/>
           </p:cNvSpPr>
@@ -1872,13 +1709,7 @@
       </p:sp>
       <p:sp>
         <p:nvSpPr>
-          <p:cNvPr id="7" name="Slide Number Placeholder 6">
-            <a:extLst>
-              <a:ext uri="{FF2B5EF4-FFF2-40B4-BE49-F238E27FC236}">
-                <a16:creationId xmlns:a16="http://schemas.microsoft.com/office/drawing/2014/main" id="{68BAAD5F-18B6-EAEA-24B1-09EAC2437E0D}"/>
-              </a:ext>
-            </a:extLst>
-          </p:cNvPr>
+          <p:cNvPr id="7" name="Slide Number Placeholder 6"/>
           <p:cNvSpPr>
             <a:spLocks noGrp="1"/>
           </p:cNvSpPr>
@@ -1902,7 +1733,7 @@
     </p:spTree>
     <p:extLst>
       <p:ext uri="{BB962C8B-B14F-4D97-AF65-F5344CB8AC3E}">
-        <p14:creationId xmlns:p14="http://schemas.microsoft.com/office/powerpoint/2010/main" val="639029434"/>
+        <p14:creationId xmlns:p14="http://schemas.microsoft.com/office/powerpoint/2010/main" val="2678539661"/>
       </p:ext>
     </p:extLst>
   </p:cSld>
@@ -1931,13 +1762,7 @@
       </p:grpSpPr>
       <p:sp>
         <p:nvSpPr>
-          <p:cNvPr id="2" name="Title 1">
-            <a:extLst>
-              <a:ext uri="{FF2B5EF4-FFF2-40B4-BE49-F238E27FC236}">
-                <a16:creationId xmlns:a16="http://schemas.microsoft.com/office/drawing/2014/main" id="{40EBAE61-3434-B553-F535-B184AE316F74}"/>
-              </a:ext>
-            </a:extLst>
-          </p:cNvPr>
+          <p:cNvPr id="2" name="Title 1"/>
           <p:cNvSpPr>
             <a:spLocks noGrp="1"/>
           </p:cNvSpPr>
@@ -1947,8 +1772,8 @@
         </p:nvSpPr>
         <p:spPr>
           <a:xfrm>
-            <a:off x="839788" y="365125"/>
-            <a:ext cx="10515600" cy="1325563"/>
+            <a:off x="1007746" y="365126"/>
+            <a:ext cx="12618720" cy="1325563"/>
           </a:xfrm>
         </p:spPr>
         <p:txBody>
@@ -1959,18 +1784,13 @@
               <a:rPr lang="en-US"/>
               <a:t>Click to edit Master title style</a:t>
             </a:r>
-          </a:p>
-        </p:txBody>
-      </p:sp>
-      <p:sp>
-        <p:nvSpPr>
-          <p:cNvPr id="3" name="Text Placeholder 2">
-            <a:extLst>
-              <a:ext uri="{FF2B5EF4-FFF2-40B4-BE49-F238E27FC236}">
-                <a16:creationId xmlns:a16="http://schemas.microsoft.com/office/drawing/2014/main" id="{80A4F7EF-D4AF-C304-44CF-9C2E221499BC}"/>
-              </a:ext>
-            </a:extLst>
-          </p:cNvPr>
+            <a:endParaRPr lang="en-US" dirty="0"/>
+          </a:p>
+        </p:txBody>
+      </p:sp>
+      <p:sp>
+        <p:nvSpPr>
+          <p:cNvPr id="3" name="Text Placeholder 2"/>
           <p:cNvSpPr>
             <a:spLocks noGrp="1"/>
           </p:cNvSpPr>
@@ -1980,8 +1800,8 @@
         </p:nvSpPr>
         <p:spPr>
           <a:xfrm>
-            <a:off x="839788" y="1681163"/>
-            <a:ext cx="5157787" cy="823912"/>
+            <a:off x="1007746" y="1681163"/>
+            <a:ext cx="6189344" cy="823912"/>
           </a:xfrm>
         </p:spPr>
         <p:txBody>
@@ -2035,13 +1855,7 @@
       </p:sp>
       <p:sp>
         <p:nvSpPr>
-          <p:cNvPr id="4" name="Content Placeholder 3">
-            <a:extLst>
-              <a:ext uri="{FF2B5EF4-FFF2-40B4-BE49-F238E27FC236}">
-                <a16:creationId xmlns:a16="http://schemas.microsoft.com/office/drawing/2014/main" id="{DF8C66F7-430C-435A-452C-5D3B32139664}"/>
-              </a:ext>
-            </a:extLst>
-          </p:cNvPr>
+          <p:cNvPr id="4" name="Content Placeholder 3"/>
           <p:cNvSpPr>
             <a:spLocks noGrp="1"/>
           </p:cNvSpPr>
@@ -2051,8 +1865,8 @@
         </p:nvSpPr>
         <p:spPr>
           <a:xfrm>
-            <a:off x="839788" y="2505075"/>
-            <a:ext cx="5157787" cy="3684588"/>
+            <a:off x="1007746" y="2505075"/>
+            <a:ext cx="6189344" cy="3684588"/>
           </a:xfrm>
         </p:spPr>
         <p:txBody>
@@ -2092,18 +1906,13 @@
               <a:rPr lang="en-US"/>
               <a:t>Fifth level</a:t>
             </a:r>
-          </a:p>
-        </p:txBody>
-      </p:sp>
-      <p:sp>
-        <p:nvSpPr>
-          <p:cNvPr id="5" name="Text Placeholder 4">
-            <a:extLst>
-              <a:ext uri="{FF2B5EF4-FFF2-40B4-BE49-F238E27FC236}">
-                <a16:creationId xmlns:a16="http://schemas.microsoft.com/office/drawing/2014/main" id="{704DF850-6FF5-3AC1-7549-4F45FE5E0BA8}"/>
-              </a:ext>
-            </a:extLst>
-          </p:cNvPr>
+            <a:endParaRPr lang="en-US" dirty="0"/>
+          </a:p>
+        </p:txBody>
+      </p:sp>
+      <p:sp>
+        <p:nvSpPr>
+          <p:cNvPr id="5" name="Text Placeholder 4"/>
           <p:cNvSpPr>
             <a:spLocks noGrp="1"/>
           </p:cNvSpPr>
@@ -2113,8 +1922,8 @@
         </p:nvSpPr>
         <p:spPr>
           <a:xfrm>
-            <a:off x="6172200" y="1681163"/>
-            <a:ext cx="5183188" cy="823912"/>
+            <a:off x="7406640" y="1681163"/>
+            <a:ext cx="6219826" cy="823912"/>
           </a:xfrm>
         </p:spPr>
         <p:txBody>
@@ -2168,13 +1977,7 @@
       </p:sp>
       <p:sp>
         <p:nvSpPr>
-          <p:cNvPr id="6" name="Content Placeholder 5">
-            <a:extLst>
-              <a:ext uri="{FF2B5EF4-FFF2-40B4-BE49-F238E27FC236}">
-                <a16:creationId xmlns:a16="http://schemas.microsoft.com/office/drawing/2014/main" id="{24E847F5-3E87-6C5B-6E38-9F648E587548}"/>
-              </a:ext>
-            </a:extLst>
-          </p:cNvPr>
+          <p:cNvPr id="6" name="Content Placeholder 5"/>
           <p:cNvSpPr>
             <a:spLocks noGrp="1"/>
           </p:cNvSpPr>
@@ -2184,8 +1987,8 @@
         </p:nvSpPr>
         <p:spPr>
           <a:xfrm>
-            <a:off x="6172200" y="2505075"/>
-            <a:ext cx="5183188" cy="3684588"/>
+            <a:off x="7406640" y="2505075"/>
+            <a:ext cx="6219826" cy="3684588"/>
           </a:xfrm>
         </p:spPr>
         <p:txBody>
@@ -2225,18 +2028,13 @@
               <a:rPr lang="en-US"/>
               <a:t>Fifth level</a:t>
             </a:r>
-          </a:p>
-        </p:txBody>
-      </p:sp>
-      <p:sp>
-        <p:nvSpPr>
-          <p:cNvPr id="7" name="Date Placeholder 6">
-            <a:extLst>
-              <a:ext uri="{FF2B5EF4-FFF2-40B4-BE49-F238E27FC236}">
-                <a16:creationId xmlns:a16="http://schemas.microsoft.com/office/drawing/2014/main" id="{284EE870-FA13-F587-6887-FC70131E1F26}"/>
-              </a:ext>
-            </a:extLst>
-          </p:cNvPr>
+            <a:endParaRPr lang="en-US" dirty="0"/>
+          </a:p>
+        </p:txBody>
+      </p:sp>
+      <p:sp>
+        <p:nvSpPr>
+          <p:cNvPr id="7" name="Date Placeholder 6"/>
           <p:cNvSpPr>
             <a:spLocks noGrp="1"/>
           </p:cNvSpPr>
@@ -2251,7 +2049,7 @@
           <a:p>
             <a:fld id="{4B75BEB6-BBAC-A946-9A0D-CADA25585596}" type="datetimeFigureOut">
               <a:rPr lang="en-US" smtClean="0"/>
-              <a:t>3/9/23</a:t>
+              <a:t>7/3/23</a:t>
             </a:fld>
             <a:endParaRPr lang="en-US"/>
           </a:p>
@@ -2259,13 +2057,7 @@
       </p:sp>
       <p:sp>
         <p:nvSpPr>
-          <p:cNvPr id="8" name="Footer Placeholder 7">
-            <a:extLst>
-              <a:ext uri="{FF2B5EF4-FFF2-40B4-BE49-F238E27FC236}">
-                <a16:creationId xmlns:a16="http://schemas.microsoft.com/office/drawing/2014/main" id="{E82F123B-0645-C3ED-0D54-6CA507A7AAF8}"/>
-              </a:ext>
-            </a:extLst>
-          </p:cNvPr>
+          <p:cNvPr id="8" name="Footer Placeholder 7"/>
           <p:cNvSpPr>
             <a:spLocks noGrp="1"/>
           </p:cNvSpPr>
@@ -2284,13 +2076,7 @@
       </p:sp>
       <p:sp>
         <p:nvSpPr>
-          <p:cNvPr id="9" name="Slide Number Placeholder 8">
-            <a:extLst>
-              <a:ext uri="{FF2B5EF4-FFF2-40B4-BE49-F238E27FC236}">
-                <a16:creationId xmlns:a16="http://schemas.microsoft.com/office/drawing/2014/main" id="{E1AF1866-B936-979D-D192-98DF88064816}"/>
-              </a:ext>
-            </a:extLst>
-          </p:cNvPr>
+          <p:cNvPr id="9" name="Slide Number Placeholder 8"/>
           <p:cNvSpPr>
             <a:spLocks noGrp="1"/>
           </p:cNvSpPr>
@@ -2314,7 +2100,7 @@
     </p:spTree>
     <p:extLst>
       <p:ext uri="{BB962C8B-B14F-4D97-AF65-F5344CB8AC3E}">
-        <p14:creationId xmlns:p14="http://schemas.microsoft.com/office/powerpoint/2010/main" val="3848521225"/>
+        <p14:creationId xmlns:p14="http://schemas.microsoft.com/office/powerpoint/2010/main" val="4218818957"/>
       </p:ext>
     </p:extLst>
   </p:cSld>
@@ -2343,13 +2129,7 @@
       </p:grpSpPr>
       <p:sp>
         <p:nvSpPr>
-          <p:cNvPr id="2" name="Title 1">
-            <a:extLst>
-              <a:ext uri="{FF2B5EF4-FFF2-40B4-BE49-F238E27FC236}">
-                <a16:creationId xmlns:a16="http://schemas.microsoft.com/office/drawing/2014/main" id="{467621A9-24C2-C7BB-4B46-5A4B0C1C5E2D}"/>
-              </a:ext>
-            </a:extLst>
-          </p:cNvPr>
+          <p:cNvPr id="2" name="Title 1"/>
           <p:cNvSpPr>
             <a:spLocks noGrp="1"/>
           </p:cNvSpPr>
@@ -2366,18 +2146,13 @@
               <a:rPr lang="en-US"/>
               <a:t>Click to edit Master title style</a:t>
             </a:r>
-          </a:p>
-        </p:txBody>
-      </p:sp>
-      <p:sp>
-        <p:nvSpPr>
-          <p:cNvPr id="3" name="Date Placeholder 2">
-            <a:extLst>
-              <a:ext uri="{FF2B5EF4-FFF2-40B4-BE49-F238E27FC236}">
-                <a16:creationId xmlns:a16="http://schemas.microsoft.com/office/drawing/2014/main" id="{99F5C773-BD28-4401-B72C-FEE6B2CACB89}"/>
-              </a:ext>
-            </a:extLst>
-          </p:cNvPr>
+            <a:endParaRPr lang="en-US" dirty="0"/>
+          </a:p>
+        </p:txBody>
+      </p:sp>
+      <p:sp>
+        <p:nvSpPr>
+          <p:cNvPr id="3" name="Date Placeholder 2"/>
           <p:cNvSpPr>
             <a:spLocks noGrp="1"/>
           </p:cNvSpPr>
@@ -2392,7 +2167,7 @@
           <a:p>
             <a:fld id="{4B75BEB6-BBAC-A946-9A0D-CADA25585596}" type="datetimeFigureOut">
               <a:rPr lang="en-US" smtClean="0"/>
-              <a:t>3/9/23</a:t>
+              <a:t>7/3/23</a:t>
             </a:fld>
             <a:endParaRPr lang="en-US"/>
           </a:p>
@@ -2400,13 +2175,7 @@
       </p:sp>
       <p:sp>
         <p:nvSpPr>
-          <p:cNvPr id="4" name="Footer Placeholder 3">
-            <a:extLst>
-              <a:ext uri="{FF2B5EF4-FFF2-40B4-BE49-F238E27FC236}">
-                <a16:creationId xmlns:a16="http://schemas.microsoft.com/office/drawing/2014/main" id="{93301938-1BF7-97C1-6E61-9FEA7E50B95F}"/>
-              </a:ext>
-            </a:extLst>
-          </p:cNvPr>
+          <p:cNvPr id="4" name="Footer Placeholder 3"/>
           <p:cNvSpPr>
             <a:spLocks noGrp="1"/>
           </p:cNvSpPr>
@@ -2425,13 +2194,7 @@
       </p:sp>
       <p:sp>
         <p:nvSpPr>
-          <p:cNvPr id="5" name="Slide Number Placeholder 4">
-            <a:extLst>
-              <a:ext uri="{FF2B5EF4-FFF2-40B4-BE49-F238E27FC236}">
-                <a16:creationId xmlns:a16="http://schemas.microsoft.com/office/drawing/2014/main" id="{BE0F9430-06AF-64D4-3C54-2BFEBF4D8213}"/>
-              </a:ext>
-            </a:extLst>
-          </p:cNvPr>
+          <p:cNvPr id="5" name="Slide Number Placeholder 4"/>
           <p:cNvSpPr>
             <a:spLocks noGrp="1"/>
           </p:cNvSpPr>
@@ -2455,7 +2218,7 @@
     </p:spTree>
     <p:extLst>
       <p:ext uri="{BB962C8B-B14F-4D97-AF65-F5344CB8AC3E}">
-        <p14:creationId xmlns:p14="http://schemas.microsoft.com/office/powerpoint/2010/main" val="2635900014"/>
+        <p14:creationId xmlns:p14="http://schemas.microsoft.com/office/powerpoint/2010/main" val="495670072"/>
       </p:ext>
     </p:extLst>
   </p:cSld>
@@ -2484,13 +2247,7 @@
       </p:grpSpPr>
       <p:sp>
         <p:nvSpPr>
-          <p:cNvPr id="2" name="Date Placeholder 1">
-            <a:extLst>
-              <a:ext uri="{FF2B5EF4-FFF2-40B4-BE49-F238E27FC236}">
-                <a16:creationId xmlns:a16="http://schemas.microsoft.com/office/drawing/2014/main" id="{10BBE55C-133D-3F03-DC12-7FAE5D47D2AD}"/>
-              </a:ext>
-            </a:extLst>
-          </p:cNvPr>
+          <p:cNvPr id="2" name="Date Placeholder 1"/>
           <p:cNvSpPr>
             <a:spLocks noGrp="1"/>
           </p:cNvSpPr>
@@ -2505,7 +2262,7 @@
           <a:p>
             <a:fld id="{4B75BEB6-BBAC-A946-9A0D-CADA25585596}" type="datetimeFigureOut">
               <a:rPr lang="en-US" smtClean="0"/>
-              <a:t>3/9/23</a:t>
+              <a:t>7/3/23</a:t>
             </a:fld>
             <a:endParaRPr lang="en-US"/>
           </a:p>
@@ -2513,13 +2270,7 @@
       </p:sp>
       <p:sp>
         <p:nvSpPr>
-          <p:cNvPr id="3" name="Footer Placeholder 2">
-            <a:extLst>
-              <a:ext uri="{FF2B5EF4-FFF2-40B4-BE49-F238E27FC236}">
-                <a16:creationId xmlns:a16="http://schemas.microsoft.com/office/drawing/2014/main" id="{B3D56DCD-6913-E6C4-6D8E-2D5BFF15FEDB}"/>
-              </a:ext>
-            </a:extLst>
-          </p:cNvPr>
+          <p:cNvPr id="3" name="Footer Placeholder 2"/>
           <p:cNvSpPr>
             <a:spLocks noGrp="1"/>
           </p:cNvSpPr>
@@ -2538,13 +2289,7 @@
       </p:sp>
       <p:sp>
         <p:nvSpPr>
-          <p:cNvPr id="4" name="Slide Number Placeholder 3">
-            <a:extLst>
-              <a:ext uri="{FF2B5EF4-FFF2-40B4-BE49-F238E27FC236}">
-                <a16:creationId xmlns:a16="http://schemas.microsoft.com/office/drawing/2014/main" id="{6204477C-B589-02F1-FBBF-3052F92776C6}"/>
-              </a:ext>
-            </a:extLst>
-          </p:cNvPr>
+          <p:cNvPr id="4" name="Slide Number Placeholder 3"/>
           <p:cNvSpPr>
             <a:spLocks noGrp="1"/>
           </p:cNvSpPr>
@@ -2568,7 +2313,7 @@
     </p:spTree>
     <p:extLst>
       <p:ext uri="{BB962C8B-B14F-4D97-AF65-F5344CB8AC3E}">
-        <p14:creationId xmlns:p14="http://schemas.microsoft.com/office/powerpoint/2010/main" val="1547462717"/>
+        <p14:creationId xmlns:p14="http://schemas.microsoft.com/office/powerpoint/2010/main" val="9078368"/>
       </p:ext>
     </p:extLst>
   </p:cSld>
@@ -2597,13 +2342,7 @@
       </p:grpSpPr>
       <p:sp>
         <p:nvSpPr>
-          <p:cNvPr id="2" name="Title 1">
-            <a:extLst>
-              <a:ext uri="{FF2B5EF4-FFF2-40B4-BE49-F238E27FC236}">
-                <a16:creationId xmlns:a16="http://schemas.microsoft.com/office/drawing/2014/main" id="{7A797122-CDEC-FD86-D925-DC8F635EF8C0}"/>
-              </a:ext>
-            </a:extLst>
-          </p:cNvPr>
+          <p:cNvPr id="2" name="Title 1"/>
           <p:cNvSpPr>
             <a:spLocks noGrp="1"/>
           </p:cNvSpPr>
@@ -2613,8 +2352,8 @@
         </p:nvSpPr>
         <p:spPr>
           <a:xfrm>
-            <a:off x="839788" y="457200"/>
-            <a:ext cx="3932237" cy="1600200"/>
+            <a:off x="1007746" y="457200"/>
+            <a:ext cx="4718684" cy="1600200"/>
           </a:xfrm>
         </p:spPr>
         <p:txBody>
@@ -2629,18 +2368,13 @@
               <a:rPr lang="en-US"/>
               <a:t>Click to edit Master title style</a:t>
             </a:r>
-          </a:p>
-        </p:txBody>
-      </p:sp>
-      <p:sp>
-        <p:nvSpPr>
-          <p:cNvPr id="3" name="Content Placeholder 2">
-            <a:extLst>
-              <a:ext uri="{FF2B5EF4-FFF2-40B4-BE49-F238E27FC236}">
-                <a16:creationId xmlns:a16="http://schemas.microsoft.com/office/drawing/2014/main" id="{977625FC-9676-A445-B75C-51202FDB72B9}"/>
-              </a:ext>
-            </a:extLst>
-          </p:cNvPr>
+            <a:endParaRPr lang="en-US" dirty="0"/>
+          </a:p>
+        </p:txBody>
+      </p:sp>
+      <p:sp>
+        <p:nvSpPr>
+          <p:cNvPr id="3" name="Content Placeholder 2"/>
           <p:cNvSpPr>
             <a:spLocks noGrp="1"/>
           </p:cNvSpPr>
@@ -2650,8 +2384,8 @@
         </p:nvSpPr>
         <p:spPr>
           <a:xfrm>
-            <a:off x="5183188" y="987425"/>
-            <a:ext cx="6172200" cy="4873625"/>
+            <a:off x="6219826" y="987426"/>
+            <a:ext cx="7406640" cy="4873625"/>
           </a:xfrm>
         </p:spPr>
         <p:txBody>
@@ -2719,18 +2453,13 @@
               <a:rPr lang="en-US"/>
               <a:t>Fifth level</a:t>
             </a:r>
-          </a:p>
-        </p:txBody>
-      </p:sp>
-      <p:sp>
-        <p:nvSpPr>
-          <p:cNvPr id="4" name="Text Placeholder 3">
-            <a:extLst>
-              <a:ext uri="{FF2B5EF4-FFF2-40B4-BE49-F238E27FC236}">
-                <a16:creationId xmlns:a16="http://schemas.microsoft.com/office/drawing/2014/main" id="{673F2087-8237-C015-ED75-6B9E7D27456C}"/>
-              </a:ext>
-            </a:extLst>
-          </p:cNvPr>
+            <a:endParaRPr lang="en-US" dirty="0"/>
+          </a:p>
+        </p:txBody>
+      </p:sp>
+      <p:sp>
+        <p:nvSpPr>
+          <p:cNvPr id="4" name="Text Placeholder 3"/>
           <p:cNvSpPr>
             <a:spLocks noGrp="1"/>
           </p:cNvSpPr>
@@ -2740,8 +2469,8 @@
         </p:nvSpPr>
         <p:spPr>
           <a:xfrm>
-            <a:off x="839788" y="2057400"/>
-            <a:ext cx="3932237" cy="3811588"/>
+            <a:off x="1007746" y="2057400"/>
+            <a:ext cx="4718684" cy="3811588"/>
           </a:xfrm>
         </p:spPr>
         <p:txBody>
@@ -2795,13 +2524,7 @@
       </p:sp>
       <p:sp>
         <p:nvSpPr>
-          <p:cNvPr id="5" name="Date Placeholder 4">
-            <a:extLst>
-              <a:ext uri="{FF2B5EF4-FFF2-40B4-BE49-F238E27FC236}">
-                <a16:creationId xmlns:a16="http://schemas.microsoft.com/office/drawing/2014/main" id="{4595B6F4-4F84-4247-C475-635D2CE1BA0C}"/>
-              </a:ext>
-            </a:extLst>
-          </p:cNvPr>
+          <p:cNvPr id="5" name="Date Placeholder 4"/>
           <p:cNvSpPr>
             <a:spLocks noGrp="1"/>
           </p:cNvSpPr>
@@ -2816,7 +2539,7 @@
           <a:p>
             <a:fld id="{4B75BEB6-BBAC-A946-9A0D-CADA25585596}" type="datetimeFigureOut">
               <a:rPr lang="en-US" smtClean="0"/>
-              <a:t>3/9/23</a:t>
+              <a:t>7/3/23</a:t>
             </a:fld>
             <a:endParaRPr lang="en-US"/>
           </a:p>
@@ -2824,13 +2547,7 @@
       </p:sp>
       <p:sp>
         <p:nvSpPr>
-          <p:cNvPr id="6" name="Footer Placeholder 5">
-            <a:extLst>
-              <a:ext uri="{FF2B5EF4-FFF2-40B4-BE49-F238E27FC236}">
-                <a16:creationId xmlns:a16="http://schemas.microsoft.com/office/drawing/2014/main" id="{E3B5A85B-AFC6-6723-E655-A1F361C1276F}"/>
-              </a:ext>
-            </a:extLst>
-          </p:cNvPr>
+          <p:cNvPr id="6" name="Footer Placeholder 5"/>
           <p:cNvSpPr>
             <a:spLocks noGrp="1"/>
           </p:cNvSpPr>
@@ -2849,13 +2566,7 @@
       </p:sp>
       <p:sp>
         <p:nvSpPr>
-          <p:cNvPr id="7" name="Slide Number Placeholder 6">
-            <a:extLst>
-              <a:ext uri="{FF2B5EF4-FFF2-40B4-BE49-F238E27FC236}">
-                <a16:creationId xmlns:a16="http://schemas.microsoft.com/office/drawing/2014/main" id="{313801EA-BB3E-4086-1147-4098CA07C889}"/>
-              </a:ext>
-            </a:extLst>
-          </p:cNvPr>
+          <p:cNvPr id="7" name="Slide Number Placeholder 6"/>
           <p:cNvSpPr>
             <a:spLocks noGrp="1"/>
           </p:cNvSpPr>
@@ -2879,7 +2590,7 @@
     </p:spTree>
     <p:extLst>
       <p:ext uri="{BB962C8B-B14F-4D97-AF65-F5344CB8AC3E}">
-        <p14:creationId xmlns:p14="http://schemas.microsoft.com/office/powerpoint/2010/main" val="3337781407"/>
+        <p14:creationId xmlns:p14="http://schemas.microsoft.com/office/powerpoint/2010/main" val="576005804"/>
       </p:ext>
     </p:extLst>
   </p:cSld>
@@ -2908,13 +2619,7 @@
       </p:grpSpPr>
       <p:sp>
         <p:nvSpPr>
-          <p:cNvPr id="2" name="Title 1">
-            <a:extLst>
-              <a:ext uri="{FF2B5EF4-FFF2-40B4-BE49-F238E27FC236}">
-                <a16:creationId xmlns:a16="http://schemas.microsoft.com/office/drawing/2014/main" id="{38C9E5DF-0876-C4FB-E1E1-ADD35D3649AC}"/>
-              </a:ext>
-            </a:extLst>
-          </p:cNvPr>
+          <p:cNvPr id="2" name="Title 1"/>
           <p:cNvSpPr>
             <a:spLocks noGrp="1"/>
           </p:cNvSpPr>
@@ -2924,8 +2629,8 @@
         </p:nvSpPr>
         <p:spPr>
           <a:xfrm>
-            <a:off x="839788" y="457200"/>
-            <a:ext cx="3932237" cy="1600200"/>
+            <a:off x="1007746" y="457200"/>
+            <a:ext cx="4718684" cy="1600200"/>
           </a:xfrm>
         </p:spPr>
         <p:txBody>
@@ -2940,20 +2645,15 @@
               <a:rPr lang="en-US"/>
               <a:t>Click to edit Master title style</a:t>
             </a:r>
-          </a:p>
-        </p:txBody>
-      </p:sp>
-      <p:sp>
-        <p:nvSpPr>
-          <p:cNvPr id="3" name="Picture Placeholder 2">
-            <a:extLst>
-              <a:ext uri="{FF2B5EF4-FFF2-40B4-BE49-F238E27FC236}">
-                <a16:creationId xmlns:a16="http://schemas.microsoft.com/office/drawing/2014/main" id="{0872A33E-00C3-A654-24B1-E430330D0F11}"/>
-              </a:ext>
-            </a:extLst>
-          </p:cNvPr>
+            <a:endParaRPr lang="en-US" dirty="0"/>
+          </a:p>
+        </p:txBody>
+      </p:sp>
+      <p:sp>
+        <p:nvSpPr>
+          <p:cNvPr id="3" name="Picture Placeholder 2"/>
           <p:cNvSpPr>
-            <a:spLocks noGrp="1"/>
+            <a:spLocks noGrp="1" noChangeAspect="1"/>
           </p:cNvSpPr>
           <p:nvPr>
             <p:ph type="pic" idx="1"/>
@@ -2961,12 +2661,12 @@
         </p:nvSpPr>
         <p:spPr>
           <a:xfrm>
-            <a:off x="5183188" y="987425"/>
-            <a:ext cx="6172200" cy="4873625"/>
+            <a:off x="6219826" y="987426"/>
+            <a:ext cx="7406640" cy="4873625"/>
           </a:xfrm>
         </p:spPr>
         <p:txBody>
-          <a:bodyPr/>
+          <a:bodyPr anchor="t"/>
           <a:lstStyle>
             <a:lvl1pPr marL="0" indent="0">
               <a:buNone/>
@@ -3006,19 +2706,17 @@
             </a:lvl9pPr>
           </a:lstStyle>
           <a:p>
-            <a:endParaRPr lang="en-US"/>
-          </a:p>
-        </p:txBody>
-      </p:sp>
-      <p:sp>
-        <p:nvSpPr>
-          <p:cNvPr id="4" name="Text Placeholder 3">
-            <a:extLst>
-              <a:ext uri="{FF2B5EF4-FFF2-40B4-BE49-F238E27FC236}">
-                <a16:creationId xmlns:a16="http://schemas.microsoft.com/office/drawing/2014/main" id="{388802E3-C902-B9F0-C9E6-906FEC79F03D}"/>
-              </a:ext>
-            </a:extLst>
-          </p:cNvPr>
+            <a:r>
+              <a:rPr lang="en-US"/>
+              <a:t>Click icon to add picture</a:t>
+            </a:r>
+            <a:endParaRPr lang="en-US" dirty="0"/>
+          </a:p>
+        </p:txBody>
+      </p:sp>
+      <p:sp>
+        <p:nvSpPr>
+          <p:cNvPr id="4" name="Text Placeholder 3"/>
           <p:cNvSpPr>
             <a:spLocks noGrp="1"/>
           </p:cNvSpPr>
@@ -3028,8 +2726,8 @@
         </p:nvSpPr>
         <p:spPr>
           <a:xfrm>
-            <a:off x="839788" y="2057400"/>
-            <a:ext cx="3932237" cy="3811588"/>
+            <a:off x="1007746" y="2057400"/>
+            <a:ext cx="4718684" cy="3811588"/>
           </a:xfrm>
         </p:spPr>
         <p:txBody>
@@ -3083,13 +2781,7 @@
       </p:sp>
       <p:sp>
         <p:nvSpPr>
-          <p:cNvPr id="5" name="Date Placeholder 4">
-            <a:extLst>
-              <a:ext uri="{FF2B5EF4-FFF2-40B4-BE49-F238E27FC236}">
-                <a16:creationId xmlns:a16="http://schemas.microsoft.com/office/drawing/2014/main" id="{1202622A-C558-3493-36A8-9BF28E21BA54}"/>
-              </a:ext>
-            </a:extLst>
-          </p:cNvPr>
+          <p:cNvPr id="5" name="Date Placeholder 4"/>
           <p:cNvSpPr>
             <a:spLocks noGrp="1"/>
           </p:cNvSpPr>
@@ -3104,7 +2796,7 @@
           <a:p>
             <a:fld id="{4B75BEB6-BBAC-A946-9A0D-CADA25585596}" type="datetimeFigureOut">
               <a:rPr lang="en-US" smtClean="0"/>
-              <a:t>3/9/23</a:t>
+              <a:t>7/3/23</a:t>
             </a:fld>
             <a:endParaRPr lang="en-US"/>
           </a:p>
@@ -3112,13 +2804,7 @@
       </p:sp>
       <p:sp>
         <p:nvSpPr>
-          <p:cNvPr id="6" name="Footer Placeholder 5">
-            <a:extLst>
-              <a:ext uri="{FF2B5EF4-FFF2-40B4-BE49-F238E27FC236}">
-                <a16:creationId xmlns:a16="http://schemas.microsoft.com/office/drawing/2014/main" id="{9865E8E4-7BF5-C806-9018-029A6F97EAED}"/>
-              </a:ext>
-            </a:extLst>
-          </p:cNvPr>
+          <p:cNvPr id="6" name="Footer Placeholder 5"/>
           <p:cNvSpPr>
             <a:spLocks noGrp="1"/>
           </p:cNvSpPr>
@@ -3137,13 +2823,7 @@
       </p:sp>
       <p:sp>
         <p:nvSpPr>
-          <p:cNvPr id="7" name="Slide Number Placeholder 6">
-            <a:extLst>
-              <a:ext uri="{FF2B5EF4-FFF2-40B4-BE49-F238E27FC236}">
-                <a16:creationId xmlns:a16="http://schemas.microsoft.com/office/drawing/2014/main" id="{D60342D5-67CD-BC4A-9B6A-62FC454BBDEE}"/>
-              </a:ext>
-            </a:extLst>
-          </p:cNvPr>
+          <p:cNvPr id="7" name="Slide Number Placeholder 6"/>
           <p:cNvSpPr>
             <a:spLocks noGrp="1"/>
           </p:cNvSpPr>
@@ -3167,7 +2847,7 @@
     </p:spTree>
     <p:extLst>
       <p:ext uri="{BB962C8B-B14F-4D97-AF65-F5344CB8AC3E}">
-        <p14:creationId xmlns:p14="http://schemas.microsoft.com/office/powerpoint/2010/main" val="2834516742"/>
+        <p14:creationId xmlns:p14="http://schemas.microsoft.com/office/powerpoint/2010/main" val="1483300328"/>
       </p:ext>
     </p:extLst>
   </p:cSld>
@@ -3201,13 +2881,7 @@
       </p:grpSpPr>
       <p:sp>
         <p:nvSpPr>
-          <p:cNvPr id="2" name="Title Placeholder 1">
-            <a:extLst>
-              <a:ext uri="{FF2B5EF4-FFF2-40B4-BE49-F238E27FC236}">
-                <a16:creationId xmlns:a16="http://schemas.microsoft.com/office/drawing/2014/main" id="{AB31AB10-1D8F-D1BF-6F78-7298C7D818D5}"/>
-              </a:ext>
-            </a:extLst>
-          </p:cNvPr>
+          <p:cNvPr id="2" name="Title Placeholder 1"/>
           <p:cNvSpPr>
             <a:spLocks noGrp="1"/>
           </p:cNvSpPr>
@@ -3217,8 +2891,8 @@
         </p:nvSpPr>
         <p:spPr>
           <a:xfrm>
-            <a:off x="838200" y="365125"/>
-            <a:ext cx="10515600" cy="1325563"/>
+            <a:off x="1005840" y="365126"/>
+            <a:ext cx="12618720" cy="1325563"/>
           </a:xfrm>
           <a:prstGeom prst="rect">
             <a:avLst/>
@@ -3234,18 +2908,13 @@
               <a:rPr lang="en-US"/>
               <a:t>Click to edit Master title style</a:t>
             </a:r>
-          </a:p>
-        </p:txBody>
-      </p:sp>
-      <p:sp>
-        <p:nvSpPr>
-          <p:cNvPr id="3" name="Text Placeholder 2">
-            <a:extLst>
-              <a:ext uri="{FF2B5EF4-FFF2-40B4-BE49-F238E27FC236}">
-                <a16:creationId xmlns:a16="http://schemas.microsoft.com/office/drawing/2014/main" id="{40ADCDC2-B0C6-BFC4-D2D7-C1935C76DADE}"/>
-              </a:ext>
-            </a:extLst>
-          </p:cNvPr>
+            <a:endParaRPr lang="en-US" dirty="0"/>
+          </a:p>
+        </p:txBody>
+      </p:sp>
+      <p:sp>
+        <p:nvSpPr>
+          <p:cNvPr id="3" name="Text Placeholder 2"/>
           <p:cNvSpPr>
             <a:spLocks noGrp="1"/>
           </p:cNvSpPr>
@@ -3255,8 +2924,8 @@
         </p:nvSpPr>
         <p:spPr>
           <a:xfrm>
-            <a:off x="838200" y="1825625"/>
-            <a:ext cx="10515600" cy="4351338"/>
+            <a:off x="1005840" y="1825625"/>
+            <a:ext cx="12618720" cy="4351338"/>
           </a:xfrm>
           <a:prstGeom prst="rect">
             <a:avLst/>
@@ -3301,18 +2970,13 @@
               <a:rPr lang="en-US"/>
               <a:t>Fifth level</a:t>
             </a:r>
-          </a:p>
-        </p:txBody>
-      </p:sp>
-      <p:sp>
-        <p:nvSpPr>
-          <p:cNvPr id="4" name="Date Placeholder 3">
-            <a:extLst>
-              <a:ext uri="{FF2B5EF4-FFF2-40B4-BE49-F238E27FC236}">
-                <a16:creationId xmlns:a16="http://schemas.microsoft.com/office/drawing/2014/main" id="{B520A5E0-4B3A-39EC-F769-D419A4285A4D}"/>
-              </a:ext>
-            </a:extLst>
-          </p:cNvPr>
+            <a:endParaRPr lang="en-US" dirty="0"/>
+          </a:p>
+        </p:txBody>
+      </p:sp>
+      <p:sp>
+        <p:nvSpPr>
+          <p:cNvPr id="4" name="Date Placeholder 3"/>
           <p:cNvSpPr>
             <a:spLocks noGrp="1"/>
           </p:cNvSpPr>
@@ -3322,8 +2986,8 @@
         </p:nvSpPr>
         <p:spPr>
           <a:xfrm>
-            <a:off x="838200" y="6356350"/>
-            <a:ext cx="2743200" cy="365125"/>
+            <a:off x="1005840" y="6356351"/>
+            <a:ext cx="3291840" cy="365125"/>
           </a:xfrm>
           <a:prstGeom prst="rect">
             <a:avLst/>
@@ -3345,7 +3009,7 @@
           <a:p>
             <a:fld id="{4B75BEB6-BBAC-A946-9A0D-CADA25585596}" type="datetimeFigureOut">
               <a:rPr lang="en-US" smtClean="0"/>
-              <a:t>3/9/23</a:t>
+              <a:t>7/3/23</a:t>
             </a:fld>
             <a:endParaRPr lang="en-US"/>
           </a:p>
@@ -3353,13 +3017,7 @@
       </p:sp>
       <p:sp>
         <p:nvSpPr>
-          <p:cNvPr id="5" name="Footer Placeholder 4">
-            <a:extLst>
-              <a:ext uri="{FF2B5EF4-FFF2-40B4-BE49-F238E27FC236}">
-                <a16:creationId xmlns:a16="http://schemas.microsoft.com/office/drawing/2014/main" id="{769F558E-7411-BA1D-4D82-9F7C552DB7BF}"/>
-              </a:ext>
-            </a:extLst>
-          </p:cNvPr>
+          <p:cNvPr id="5" name="Footer Placeholder 4"/>
           <p:cNvSpPr>
             <a:spLocks noGrp="1"/>
           </p:cNvSpPr>
@@ -3369,8 +3027,8 @@
         </p:nvSpPr>
         <p:spPr>
           <a:xfrm>
-            <a:off x="4038600" y="6356350"/>
-            <a:ext cx="4114800" cy="365125"/>
+            <a:off x="4846320" y="6356351"/>
+            <a:ext cx="4937760" cy="365125"/>
           </a:xfrm>
           <a:prstGeom prst="rect">
             <a:avLst/>
@@ -3396,13 +3054,7 @@
       </p:sp>
       <p:sp>
         <p:nvSpPr>
-          <p:cNvPr id="6" name="Slide Number Placeholder 5">
-            <a:extLst>
-              <a:ext uri="{FF2B5EF4-FFF2-40B4-BE49-F238E27FC236}">
-                <a16:creationId xmlns:a16="http://schemas.microsoft.com/office/drawing/2014/main" id="{11ADEC93-E2B0-1B3E-BEDE-D3E2191C4512}"/>
-              </a:ext>
-            </a:extLst>
-          </p:cNvPr>
+          <p:cNvPr id="6" name="Slide Number Placeholder 5"/>
           <p:cNvSpPr>
             <a:spLocks noGrp="1"/>
           </p:cNvSpPr>
@@ -3412,8 +3064,8 @@
         </p:nvSpPr>
         <p:spPr>
           <a:xfrm>
-            <a:off x="8610600" y="6356350"/>
-            <a:ext cx="2743200" cy="365125"/>
+            <a:off x="10332720" y="6356351"/>
+            <a:ext cx="3291840" cy="365125"/>
           </a:xfrm>
           <a:prstGeom prst="rect">
             <a:avLst/>
@@ -3444,23 +3096,23 @@
     </p:spTree>
     <p:extLst>
       <p:ext uri="{BB962C8B-B14F-4D97-AF65-F5344CB8AC3E}">
-        <p14:creationId xmlns:p14="http://schemas.microsoft.com/office/powerpoint/2010/main" val="4004438941"/>
+        <p14:creationId xmlns:p14="http://schemas.microsoft.com/office/powerpoint/2010/main" val="452687578"/>
       </p:ext>
     </p:extLst>
   </p:cSld>
   <p:clrMap bg1="lt1" tx1="dk1" bg2="lt2" tx2="dk2" accent1="accent1" accent2="accent2" accent3="accent3" accent4="accent4" accent5="accent5" accent6="accent6" hlink="hlink" folHlink="folHlink"/>
   <p:sldLayoutIdLst>
-    <p:sldLayoutId id="2147483649" r:id="rId1"/>
-    <p:sldLayoutId id="2147483650" r:id="rId2"/>
-    <p:sldLayoutId id="2147483651" r:id="rId3"/>
-    <p:sldLayoutId id="2147483652" r:id="rId4"/>
-    <p:sldLayoutId id="2147483653" r:id="rId5"/>
-    <p:sldLayoutId id="2147483654" r:id="rId6"/>
-    <p:sldLayoutId id="2147483655" r:id="rId7"/>
-    <p:sldLayoutId id="2147483656" r:id="rId8"/>
-    <p:sldLayoutId id="2147483657" r:id="rId9"/>
-    <p:sldLayoutId id="2147483658" r:id="rId10"/>
-    <p:sldLayoutId id="2147483659" r:id="rId11"/>
+    <p:sldLayoutId id="2147483697" r:id="rId1"/>
+    <p:sldLayoutId id="2147483698" r:id="rId2"/>
+    <p:sldLayoutId id="2147483699" r:id="rId3"/>
+    <p:sldLayoutId id="2147483700" r:id="rId4"/>
+    <p:sldLayoutId id="2147483701" r:id="rId5"/>
+    <p:sldLayoutId id="2147483702" r:id="rId6"/>
+    <p:sldLayoutId id="2147483703" r:id="rId7"/>
+    <p:sldLayoutId id="2147483704" r:id="rId8"/>
+    <p:sldLayoutId id="2147483705" r:id="rId9"/>
+    <p:sldLayoutId id="2147483706" r:id="rId10"/>
+    <p:sldLayoutId id="2147483707" r:id="rId11"/>
   </p:sldLayoutIdLst>
   <p:txStyles>
     <p:titleStyle>
@@ -3762,6 +3414,81 @@
           <a:chExt cx="0" cy="0"/>
         </a:xfrm>
       </p:grpSpPr>
+      <p:sp>
+        <p:nvSpPr>
+          <p:cNvPr id="1099" name="TextBox 1098">
+            <a:extLst>
+              <a:ext uri="{FF2B5EF4-FFF2-40B4-BE49-F238E27FC236}">
+                <a16:creationId xmlns:a16="http://schemas.microsoft.com/office/drawing/2014/main" id="{DE5721F8-C63E-5279-150A-A8367168793F}"/>
+              </a:ext>
+            </a:extLst>
+          </p:cNvPr>
+          <p:cNvSpPr txBox="1"/>
+          <p:nvPr/>
+        </p:nvSpPr>
+        <p:spPr>
+          <a:xfrm>
+            <a:off x="9747037" y="1241922"/>
+            <a:ext cx="3458313" cy="400110"/>
+          </a:xfrm>
+          <a:prstGeom prst="rect">
+            <a:avLst/>
+          </a:prstGeom>
+          <a:noFill/>
+        </p:spPr>
+        <p:txBody>
+          <a:bodyPr wrap="square">
+            <a:spAutoFit/>
+          </a:bodyPr>
+          <a:lstStyle/>
+          <a:p>
+            <a:r>
+              <a:rPr lang="en-US" sz="2000" b="1" dirty="0">
+                <a:solidFill>
+                  <a:schemeClr val="bg1"/>
+                </a:solidFill>
+              </a:rPr>
+              <a:t>②</a:t>
+            </a:r>
+          </a:p>
+        </p:txBody>
+      </p:sp>
+      <p:pic>
+        <p:nvPicPr>
+          <p:cNvPr id="1050" name="Graphic 1049" descr="Arrow circle outline">
+            <a:extLst>
+              <a:ext uri="{FF2B5EF4-FFF2-40B4-BE49-F238E27FC236}">
+                <a16:creationId xmlns:a16="http://schemas.microsoft.com/office/drawing/2014/main" id="{44B8A0C6-4691-32BC-CA7C-4ED1F9FF5E0C}"/>
+              </a:ext>
+            </a:extLst>
+          </p:cNvPr>
+          <p:cNvPicPr>
+            <a:picLocks noChangeAspect="1"/>
+          </p:cNvPicPr>
+          <p:nvPr/>
+        </p:nvPicPr>
+        <p:blipFill>
+          <a:blip r:embed="rId3">
+            <a:extLst>
+              <a:ext uri="{96DAC541-7B7A-43D3-8B79-37D633B846F1}">
+                <asvg:svgBlip xmlns:asvg="http://schemas.microsoft.com/office/drawing/2016/SVG/main" r:embed="rId4"/>
+              </a:ext>
+            </a:extLst>
+          </a:blip>
+          <a:stretch>
+            <a:fillRect/>
+          </a:stretch>
+        </p:blipFill>
+        <p:spPr>
+          <a:xfrm>
+            <a:off x="4466433" y="3329223"/>
+            <a:ext cx="1961045" cy="1961045"/>
+          </a:xfrm>
+          <a:prstGeom prst="rect">
+            <a:avLst/>
+          </a:prstGeom>
+        </p:spPr>
+      </p:pic>
       <p:cxnSp>
         <p:nvCxnSpPr>
           <p:cNvPr id="1078" name="Straight Arrow Connector 1077">
@@ -3778,13 +3505,13 @@
         </p:nvCxnSpPr>
         <p:spPr>
           <a:xfrm>
-            <a:off x="2847207" y="927224"/>
-            <a:ext cx="5061" cy="1034597"/>
+            <a:off x="5446944" y="1011180"/>
+            <a:ext cx="0" cy="476250"/>
           </a:xfrm>
           <a:prstGeom prst="straightConnector1">
             <a:avLst/>
           </a:prstGeom>
-          <a:ln w="47625" cap="rnd">
+          <a:ln w="50800" cap="rnd">
             <a:solidFill>
               <a:schemeClr val="tx1">
                 <a:lumMod val="65000"/>
@@ -3824,11 +3551,14 @@
         </p:nvGrpSpPr>
         <p:grpSpPr>
           <a:xfrm>
-            <a:off x="1932806" y="3325905"/>
-            <a:ext cx="1603505" cy="1604811"/>
+            <a:off x="5003382" y="1764880"/>
+            <a:ext cx="914400" cy="983425"/>
             <a:chOff x="1437540" y="2373444"/>
-            <a:chExt cx="1603505" cy="1604811"/>
+            <a:chExt cx="1603506" cy="1720331"/>
           </a:xfrm>
+          <a:solidFill>
+            <a:srgbClr val="595959"/>
+          </a:solidFill>
         </p:grpSpPr>
         <p:grpSp>
           <p:nvGrpSpPr>
@@ -3849,6 +3579,7 @@
               <a:chOff x="5638800" y="2971800"/>
               <a:chExt cx="914400" cy="914400"/>
             </a:xfrm>
+            <a:grpFill/>
           </p:grpSpPr>
           <p:pic>
             <p:nvPicPr>
@@ -3865,10 +3596,10 @@
               <p:nvPr/>
             </p:nvPicPr>
             <p:blipFill>
-              <a:blip r:embed="rId3">
+              <a:blip r:embed="rId5">
                 <a:extLst>
                   <a:ext uri="{96DAC541-7B7A-43D3-8B79-37D633B846F1}">
-                    <asvg:svgBlip xmlns:asvg="http://schemas.microsoft.com/office/drawing/2016/SVG/main" r:embed="rId4"/>
+                    <asvg:svgBlip xmlns:asvg="http://schemas.microsoft.com/office/drawing/2016/SVG/main" r:embed="rId6"/>
                   </a:ext>
                 </a:extLst>
               </a:blip>
@@ -3903,12 +3634,13 @@
             <p:spPr>
               <a:xfrm flipV="1">
                 <a:off x="5924550" y="3092450"/>
-                <a:ext cx="0" cy="269875"/>
+                <a:ext cx="0" cy="345204"/>
               </a:xfrm>
               <a:prstGeom prst="line">
                 <a:avLst/>
               </a:prstGeom>
-              <a:ln w="38100">
+              <a:grpFill/>
+              <a:ln w="22225">
                 <a:solidFill>
                   <a:schemeClr val="bg1"/>
                 </a:solidFill>
@@ -3945,13 +3677,14 @@
             </p:nvCxnSpPr>
             <p:spPr>
               <a:xfrm flipV="1">
-                <a:off x="6096000" y="3092450"/>
-                <a:ext cx="0" cy="431800"/>
+                <a:off x="6096001" y="3092450"/>
+                <a:ext cx="0" cy="569760"/>
               </a:xfrm>
               <a:prstGeom prst="line">
                 <a:avLst/>
               </a:prstGeom>
-              <a:ln w="38100">
+              <a:grpFill/>
+              <a:ln w="22225">
                 <a:solidFill>
                   <a:schemeClr val="bg1"/>
                 </a:solidFill>
@@ -3989,12 +3722,13 @@
             <p:spPr>
               <a:xfrm flipV="1">
                 <a:off x="6267450" y="3092450"/>
-                <a:ext cx="0" cy="566737"/>
+                <a:ext cx="0" cy="690410"/>
               </a:xfrm>
               <a:prstGeom prst="line">
                 <a:avLst/>
               </a:prstGeom>
-              <a:ln w="38100">
+              <a:grpFill/>
+              <a:ln w="22225">
                 <a:solidFill>
                   <a:schemeClr val="bg1"/>
                 </a:solidFill>
@@ -4031,10 +3765,11 @@
           <p:grpSpPr>
             <a:xfrm>
               <a:off x="2124304" y="2373542"/>
-              <a:ext cx="914400" cy="914400"/>
+              <a:ext cx="914400" cy="1720233"/>
               <a:chOff x="5638800" y="2971800"/>
-              <a:chExt cx="914400" cy="914400"/>
+              <a:chExt cx="914400" cy="1720233"/>
             </a:xfrm>
+            <a:grpFill/>
           </p:grpSpPr>
           <p:pic>
             <p:nvPicPr>
@@ -4051,10 +3786,10 @@
               <p:nvPr/>
             </p:nvPicPr>
             <p:blipFill>
-              <a:blip r:embed="rId3">
+              <a:blip r:embed="rId5">
                 <a:extLst>
                   <a:ext uri="{96DAC541-7B7A-43D3-8B79-37D633B846F1}">
-                    <asvg:svgBlip xmlns:asvg="http://schemas.microsoft.com/office/drawing/2016/SVG/main" r:embed="rId4"/>
+                    <asvg:svgBlip xmlns:asvg="http://schemas.microsoft.com/office/drawing/2016/SVG/main" r:embed="rId6"/>
                   </a:ext>
                 </a:extLst>
               </a:blip>
@@ -4088,13 +3823,14 @@
             </p:nvCxnSpPr>
             <p:spPr>
               <a:xfrm flipV="1">
-                <a:off x="5924550" y="3092450"/>
-                <a:ext cx="0" cy="269875"/>
+                <a:off x="5924550" y="3092449"/>
+                <a:ext cx="0" cy="479875"/>
               </a:xfrm>
               <a:prstGeom prst="line">
                 <a:avLst/>
               </a:prstGeom>
-              <a:ln w="38100">
+              <a:grpFill/>
+              <a:ln w="22225">
                 <a:solidFill>
                   <a:schemeClr val="bg1"/>
                 </a:solidFill>
@@ -4131,13 +3867,14 @@
             </p:nvCxnSpPr>
             <p:spPr>
               <a:xfrm flipV="1">
-                <a:off x="6096000" y="3092450"/>
-                <a:ext cx="0" cy="431800"/>
+                <a:off x="6096001" y="3092449"/>
+                <a:ext cx="0" cy="1599584"/>
               </a:xfrm>
               <a:prstGeom prst="line">
                 <a:avLst/>
               </a:prstGeom>
-              <a:ln w="38100">
+              <a:grpFill/>
+              <a:ln w="22225">
                 <a:solidFill>
                   <a:schemeClr val="bg1"/>
                 </a:solidFill>
@@ -4174,13 +3911,14 @@
             </p:nvCxnSpPr>
             <p:spPr>
               <a:xfrm flipV="1">
-                <a:off x="6267450" y="3092450"/>
-                <a:ext cx="0" cy="566737"/>
+                <a:off x="6267450" y="3092449"/>
+                <a:ext cx="0" cy="1188720"/>
               </a:xfrm>
               <a:prstGeom prst="line">
                 <a:avLst/>
               </a:prstGeom>
-              <a:ln w="38100">
+              <a:grpFill/>
+              <a:ln w="22225">
                 <a:solidFill>
                   <a:schemeClr val="bg1"/>
                 </a:solidFill>
@@ -4216,11 +3954,12 @@
           </p:nvGrpSpPr>
           <p:grpSpPr>
             <a:xfrm>
-              <a:off x="2126645" y="3063855"/>
-              <a:ext cx="914400" cy="914400"/>
-              <a:chOff x="5638800" y="2971800"/>
-              <a:chExt cx="914400" cy="914400"/>
+              <a:off x="2126646" y="3063853"/>
+              <a:ext cx="914400" cy="920444"/>
+              <a:chOff x="5638801" y="2971798"/>
+              <a:chExt cx="914400" cy="920444"/>
             </a:xfrm>
+            <a:grpFill/>
           </p:grpSpPr>
           <p:pic>
             <p:nvPicPr>
@@ -4237,10 +3976,10 @@
               <p:nvPr/>
             </p:nvPicPr>
             <p:blipFill>
-              <a:blip r:embed="rId3">
+              <a:blip r:embed="rId5">
                 <a:extLst>
                   <a:ext uri="{96DAC541-7B7A-43D3-8B79-37D633B846F1}">
-                    <asvg:svgBlip xmlns:asvg="http://schemas.microsoft.com/office/drawing/2016/SVG/main" r:embed="rId4"/>
+                    <asvg:svgBlip xmlns:asvg="http://schemas.microsoft.com/office/drawing/2016/SVG/main" r:embed="rId6"/>
                   </a:ext>
                 </a:extLst>
               </a:blip>
@@ -4250,7 +3989,7 @@
             </p:blipFill>
             <p:spPr>
               <a:xfrm rot="16200000">
-                <a:off x="5638800" y="2971800"/>
+                <a:off x="5638801" y="2971798"/>
                 <a:ext cx="914400" cy="914400"/>
               </a:xfrm>
               <a:prstGeom prst="rect">
@@ -4274,13 +4013,14 @@
             </p:nvCxnSpPr>
             <p:spPr>
               <a:xfrm flipV="1">
-                <a:off x="5924550" y="3092450"/>
-                <a:ext cx="0" cy="269875"/>
+                <a:off x="5924549" y="3092451"/>
+                <a:ext cx="0" cy="479875"/>
               </a:xfrm>
               <a:prstGeom prst="line">
                 <a:avLst/>
               </a:prstGeom>
-              <a:ln w="38100">
+              <a:grpFill/>
+              <a:ln w="22225">
                 <a:solidFill>
                   <a:schemeClr val="bg1"/>
                 </a:solidFill>
@@ -4318,12 +4058,13 @@
             <p:spPr>
               <a:xfrm flipV="1">
                 <a:off x="6096000" y="3092450"/>
-                <a:ext cx="0" cy="431800"/>
+                <a:ext cx="0" cy="639834"/>
               </a:xfrm>
               <a:prstGeom prst="line">
                 <a:avLst/>
               </a:prstGeom>
-              <a:ln w="38100">
+              <a:grpFill/>
+              <a:ln w="22225">
                 <a:solidFill>
                   <a:schemeClr val="bg1"/>
                 </a:solidFill>
@@ -4360,13 +4101,14 @@
             </p:nvCxnSpPr>
             <p:spPr>
               <a:xfrm flipV="1">
-                <a:off x="6267450" y="3092450"/>
-                <a:ext cx="0" cy="566737"/>
+                <a:off x="6267449" y="3092451"/>
+                <a:ext cx="0" cy="799791"/>
               </a:xfrm>
               <a:prstGeom prst="line">
                 <a:avLst/>
               </a:prstGeom>
-              <a:ln w="38100">
+              <a:grpFill/>
+              <a:ln w="22225">
                 <a:solidFill>
                   <a:schemeClr val="bg1"/>
                 </a:solidFill>
@@ -4391,53 +4133,6 @@
       </p:grpSp>
       <p:pic>
         <p:nvPicPr>
-          <p:cNvPr id="1026" name="Picture 2" descr="undefined">
-            <a:extLst>
-              <a:ext uri="{FF2B5EF4-FFF2-40B4-BE49-F238E27FC236}">
-                <a16:creationId xmlns:a16="http://schemas.microsoft.com/office/drawing/2014/main" id="{991D7AE5-58A3-C7B8-75B4-38D2ACB9C923}"/>
-              </a:ext>
-            </a:extLst>
-          </p:cNvPr>
-          <p:cNvPicPr>
-            <a:picLocks noChangeAspect="1" noChangeArrowheads="1"/>
-          </p:cNvPicPr>
-          <p:nvPr/>
-        </p:nvPicPr>
-        <p:blipFill>
-          <a:blip r:embed="rId5">
-            <a:extLst>
-              <a:ext uri="{28A0092B-C50C-407E-A947-70E740481C1C}">
-                <a14:useLocalDpi xmlns:a14="http://schemas.microsoft.com/office/drawing/2010/main" val="0"/>
-              </a:ext>
-            </a:extLst>
-          </a:blip>
-          <a:srcRect/>
-          <a:stretch>
-            <a:fillRect/>
-          </a:stretch>
-        </p:blipFill>
-        <p:spPr bwMode="auto">
-          <a:xfrm>
-            <a:off x="502362" y="1586957"/>
-            <a:ext cx="5245876" cy="1601085"/>
-          </a:xfrm>
-          <a:prstGeom prst="rect">
-            <a:avLst/>
-          </a:prstGeom>
-          <a:noFill/>
-          <a:extLst>
-            <a:ext uri="{909E8E84-426E-40DD-AFC4-6F175D3DCCD1}">
-              <a14:hiddenFill xmlns:a14="http://schemas.microsoft.com/office/drawing/2010/main">
-                <a:solidFill>
-                  <a:srgbClr val="FFFFFF"/>
-                </a:solidFill>
-              </a14:hiddenFill>
-            </a:ext>
-          </a:extLst>
-        </p:spPr>
-      </p:pic>
-      <p:pic>
-        <p:nvPicPr>
           <p:cNvPr id="56" name="Graphic 55" descr="Filter with solid fill">
             <a:extLst>
               <a:ext uri="{FF2B5EF4-FFF2-40B4-BE49-F238E27FC236}">
@@ -4451,10 +4146,10 @@
           <p:nvPr/>
         </p:nvPicPr>
         <p:blipFill>
-          <a:blip r:embed="rId6">
+          <a:blip r:embed="rId7">
             <a:extLst>
               <a:ext uri="{96DAC541-7B7A-43D3-8B79-37D633B846F1}">
-                <asvg:svgBlip xmlns:asvg="http://schemas.microsoft.com/office/drawing/2016/SVG/main" r:embed="rId7"/>
+                <asvg:svgBlip xmlns:asvg="http://schemas.microsoft.com/office/drawing/2016/SVG/main" r:embed="rId8"/>
               </a:ext>
             </a:extLst>
           </a:blip>
@@ -4464,7 +4159,7 @@
         </p:blipFill>
         <p:spPr>
           <a:xfrm>
-            <a:off x="3649234" y="3534346"/>
+            <a:off x="5179088" y="2958058"/>
             <a:ext cx="584701" cy="584701"/>
           </a:xfrm>
           <a:prstGeom prst="rect">
@@ -4487,10 +4182,10 @@
           <p:nvPr/>
         </p:nvPicPr>
         <p:blipFill>
-          <a:blip r:embed="rId8">
+          <a:blip r:embed="rId9">
             <a:extLst>
               <a:ext uri="{96DAC541-7B7A-43D3-8B79-37D633B846F1}">
-                <asvg:svgBlip xmlns:asvg="http://schemas.microsoft.com/office/drawing/2016/SVG/main" r:embed="rId9"/>
+                <asvg:svgBlip xmlns:asvg="http://schemas.microsoft.com/office/drawing/2016/SVG/main" r:embed="rId10"/>
               </a:ext>
             </a:extLst>
           </a:blip>
@@ -4500,7 +4195,7 @@
         </p:blipFill>
         <p:spPr>
           <a:xfrm>
-            <a:off x="3621807" y="4181904"/>
+            <a:off x="6287407" y="4399326"/>
             <a:ext cx="599856" cy="599856"/>
           </a:xfrm>
           <a:prstGeom prst="rect">
@@ -4522,8 +4217,8 @@
         </p:nvSpPr>
         <p:spPr>
           <a:xfrm>
-            <a:off x="672046" y="5784684"/>
-            <a:ext cx="4873736" cy="476250"/>
+            <a:off x="2848502" y="6170794"/>
+            <a:ext cx="5151574" cy="476250"/>
           </a:xfrm>
           <a:prstGeom prst="roundRect">
             <a:avLst/>
@@ -4566,54 +4261,48 @@
           <a:p>
             <a:pPr algn="ctr"/>
             <a:r>
-              <a:rPr lang="en-US" sz="1800" dirty="0">
+              <a:rPr lang="en-US" dirty="0">
                 <a:solidFill>
                   <a:srgbClr val="080808"/>
                 </a:solidFill>
-                <a:effectLst/>
                 <a:latin typeface="JetBrains Mono" panose="02000009000000000000" pitchFamily="49" charset="0"/>
               </a:rPr>
               <a:t> </a:t>
             </a:r>
           </a:p>
           <a:p>
-            <a:pPr algn="ctr"/>
-            <a:r>
-              <a:rPr lang="en-US" sz="1800" dirty="0">
+            <a:r>
+              <a:rPr lang="en-US" dirty="0">
                 <a:solidFill>
                   <a:srgbClr val="080808"/>
                 </a:solidFill>
-                <a:effectLst/>
                 <a:latin typeface="JetBrains Mono" panose="02000009000000000000" pitchFamily="49" charset="0"/>
               </a:rPr>
-              <a:t>d = </a:t>
-            </a:r>
-            <a:r>
-              <a:rPr lang="en-US" sz="1800" dirty="0">
+              <a:t> d = </a:t>
+            </a:r>
+            <a:r>
+              <a:rPr lang="en-US" dirty="0">
                 <a:solidFill>
                   <a:srgbClr val="000080"/>
                 </a:solidFill>
-                <a:effectLst/>
                 <a:latin typeface="JetBrains Mono" panose="02000009000000000000" pitchFamily="49" charset="0"/>
               </a:rPr>
               <a:t>sum</a:t>
             </a:r>
             <a:r>
-              <a:rPr lang="en-US" sz="1800" dirty="0">
+              <a:rPr lang="en-US" dirty="0">
                 <a:solidFill>
                   <a:srgbClr val="080808"/>
                 </a:solidFill>
-                <a:effectLst/>
                 <a:latin typeface="JetBrains Mono" panose="02000009000000000000" pitchFamily="49" charset="0"/>
               </a:rPr>
               <a:t>([</a:t>
             </a:r>
             <a:r>
-              <a:rPr lang="en-US" sz="1800" dirty="0">
+              <a:rPr lang="en-US" dirty="0">
                 <a:solidFill>
                   <a:srgbClr val="000080"/>
                 </a:solidFill>
-                <a:effectLst/>
                 <a:latin typeface="JetBrains Mono" panose="02000009000000000000" pitchFamily="49" charset="0"/>
               </a:rPr>
               <a:t>foo</a:t>
@@ -4640,31 +4329,28 @@
               <a:t>)</a:t>
             </a:r>
             <a:r>
-              <a:rPr lang="en-US" sz="1800" dirty="0">
+              <a:rPr lang="en-US" dirty="0">
                 <a:solidFill>
                   <a:srgbClr val="0033B3"/>
                 </a:solidFill>
-                <a:effectLst/>
                 <a:latin typeface="JetBrains Mono" panose="02000009000000000000" pitchFamily="49" charset="0"/>
               </a:rPr>
               <a:t> for </a:t>
             </a:r>
             <a:r>
-              <a:rPr lang="en-US" sz="1800" dirty="0">
+              <a:rPr lang="en-US" dirty="0">
                 <a:solidFill>
                   <a:srgbClr val="080808"/>
                 </a:solidFill>
-                <a:effectLst/>
                 <a:latin typeface="JetBrains Mono" panose="02000009000000000000" pitchFamily="49" charset="0"/>
               </a:rPr>
               <a:t>i </a:t>
             </a:r>
             <a:r>
-              <a:rPr lang="en-US" sz="1800" dirty="0">
+              <a:rPr lang="en-US" dirty="0">
                 <a:solidFill>
                   <a:srgbClr val="0033B3"/>
                 </a:solidFill>
-                <a:effectLst/>
                 <a:latin typeface="JetBrains Mono" panose="02000009000000000000" pitchFamily="49" charset="0"/>
               </a:rPr>
               <a:t>in </a:t>
@@ -4679,14 +4365,25 @@
               <a:t>vals</a:t>
             </a:r>
             <a:r>
-              <a:rPr lang="en-US" sz="1800" dirty="0">
+              <a:rPr lang="en-US" dirty="0">
                 <a:solidFill>
                   <a:srgbClr val="080808"/>
                 </a:solidFill>
-                <a:effectLst/>
+                <a:highlight>
+                  <a:srgbClr val="FFFF00"/>
+                </a:highlight>
                 <a:latin typeface="JetBrains Mono" panose="02000009000000000000" pitchFamily="49" charset="0"/>
               </a:rPr>
-              <a:t>])</a:t>
+              <a:t>]</a:t>
+            </a:r>
+            <a:r>
+              <a:rPr lang="en-US" dirty="0">
+                <a:solidFill>
+                  <a:srgbClr val="080808"/>
+                </a:solidFill>
+                <a:latin typeface="JetBrains Mono" panose="02000009000000000000" pitchFamily="49" charset="0"/>
+              </a:rPr>
+              <a:t>)</a:t>
             </a:r>
           </a:p>
           <a:p>
@@ -4709,8 +4406,8 @@
         </p:nvSpPr>
         <p:spPr>
           <a:xfrm>
-            <a:off x="672046" y="597066"/>
-            <a:ext cx="4789203" cy="476250"/>
+            <a:off x="2833231" y="279148"/>
+            <a:ext cx="5131414" cy="476250"/>
           </a:xfrm>
           <a:prstGeom prst="roundRect">
             <a:avLst/>
@@ -4752,61 +4449,55 @@
           <a:lstStyle/>
           <a:p>
             <a:r>
-              <a:rPr lang="en-US" sz="1800" dirty="0">
+              <a:rPr lang="en-US" dirty="0">
                 <a:solidFill>
                   <a:srgbClr val="080808"/>
                 </a:solidFill>
-                <a:effectLst/>
                 <a:latin typeface="JetBrains Mono" panose="02000009000000000000" pitchFamily="49" charset="0"/>
               </a:rPr>
               <a:t> d = </a:t>
             </a:r>
             <a:r>
-              <a:rPr lang="en-US" sz="1800" dirty="0">
+              <a:rPr lang="en-US" dirty="0">
                 <a:solidFill>
                   <a:srgbClr val="000080"/>
                 </a:solidFill>
-                <a:effectLst/>
                 <a:latin typeface="JetBrains Mono" panose="02000009000000000000" pitchFamily="49" charset="0"/>
               </a:rPr>
               <a:t>sum</a:t>
             </a:r>
             <a:r>
-              <a:rPr lang="en-US" sz="1800" dirty="0">
+              <a:rPr lang="en-US" dirty="0">
                 <a:solidFill>
                   <a:srgbClr val="080808"/>
                 </a:solidFill>
-                <a:effectLst/>
                 <a:latin typeface="JetBrains Mono" panose="02000009000000000000" pitchFamily="49" charset="0"/>
               </a:rPr>
               <a:t>([</a:t>
             </a:r>
             <a:r>
-              <a:rPr lang="en-US" sz="1800" dirty="0">
+              <a:rPr lang="en-US" dirty="0">
                 <a:solidFill>
                   <a:srgbClr val="000080"/>
                 </a:solidFill>
-                <a:effectLst/>
                 <a:latin typeface="JetBrains Mono" panose="02000009000000000000" pitchFamily="49" charset="0"/>
               </a:rPr>
               <a:t>foo</a:t>
             </a:r>
             <a:r>
-              <a:rPr lang="en-US" sz="1800" dirty="0">
+              <a:rPr lang="en-US" dirty="0">
                 <a:solidFill>
                   <a:srgbClr val="080808"/>
                 </a:solidFill>
-                <a:effectLst/>
                 <a:latin typeface="JetBrains Mono" panose="02000009000000000000" pitchFamily="49" charset="0"/>
               </a:rPr>
               <a:t>(</a:t>
             </a:r>
             <a:r>
-              <a:rPr lang="en-US" sz="1800" u="wavy" dirty="0">
+              <a:rPr lang="en-US" u="wavy" dirty="0" err="1">
                 <a:solidFill>
                   <a:srgbClr val="080808"/>
                 </a:solidFill>
-                <a:effectLst/>
                 <a:uFill>
                   <a:solidFill>
                     <a:srgbClr val="FF0000"/>
@@ -4814,37 +4505,30 @@
                 </a:uFill>
                 <a:latin typeface="JetBrains Mono" panose="02000009000000000000" pitchFamily="49" charset="0"/>
               </a:rPr>
-              <a:t>i]</a:t>
-            </a:r>
-            <a:r>
-              <a:rPr lang="en-US" sz="1800" dirty="0">
+              <a:t>i</a:t>
+            </a:r>
+            <a:r>
+              <a:rPr lang="en-US" u="wavy" dirty="0">
+                <a:solidFill>
+                  <a:srgbClr val="080808"/>
+                </a:solidFill>
+                <a:uFill>
+                  <a:solidFill>
+                    <a:srgbClr val="FF0000"/>
+                  </a:solidFill>
+                </a:uFill>
+                <a:latin typeface="JetBrains Mono" panose="02000009000000000000" pitchFamily="49" charset="0"/>
+              </a:rPr>
+              <a:t>]</a:t>
+            </a:r>
+            <a:r>
+              <a:rPr lang="en-US" dirty="0">
                 <a:solidFill>
                   <a:srgbClr val="0033B3"/>
                 </a:solidFill>
-                <a:effectLst/>
                 <a:latin typeface="JetBrains Mono" panose="02000009000000000000" pitchFamily="49" charset="0"/>
               </a:rPr>
               <a:t> for </a:t>
-            </a:r>
-            <a:r>
-              <a:rPr lang="en-US" sz="1800" dirty="0">
-                <a:solidFill>
-                  <a:srgbClr val="080808"/>
-                </a:solidFill>
-                <a:effectLst/>
-                <a:latin typeface="JetBrains Mono" panose="02000009000000000000" pitchFamily="49" charset="0"/>
-              </a:rPr>
-              <a:t>i </a:t>
-            </a:r>
-            <a:r>
-              <a:rPr lang="en-US" sz="1800" dirty="0">
-                <a:solidFill>
-                  <a:srgbClr val="0033B3"/>
-                </a:solidFill>
-                <a:effectLst/>
-                <a:latin typeface="JetBrains Mono" panose="02000009000000000000" pitchFamily="49" charset="0"/>
-              </a:rPr>
-              <a:t>in </a:t>
             </a:r>
             <a:r>
               <a:rPr lang="en-US" dirty="0">
@@ -4853,17 +4537,34 @@
                 </a:solidFill>
                 <a:latin typeface="JetBrains Mono" panose="02000009000000000000" pitchFamily="49" charset="0"/>
               </a:rPr>
-              <a:t>vals</a:t>
-            </a:r>
-            <a:r>
-              <a:rPr lang="en-US" sz="1800" dirty="0">
+              <a:t>i </a:t>
+            </a:r>
+            <a:r>
+              <a:rPr lang="en-US" dirty="0">
+                <a:solidFill>
+                  <a:srgbClr val="0033B3"/>
+                </a:solidFill>
+                <a:latin typeface="JetBrains Mono" panose="02000009000000000000" pitchFamily="49" charset="0"/>
+              </a:rPr>
+              <a:t>in </a:t>
+            </a:r>
+            <a:r>
+              <a:rPr lang="en-US" dirty="0" err="1">
                 <a:solidFill>
                   <a:srgbClr val="080808"/>
                 </a:solidFill>
-                <a:effectLst/>
                 <a:latin typeface="JetBrains Mono" panose="02000009000000000000" pitchFamily="49" charset="0"/>
               </a:rPr>
-              <a:t>])</a:t>
+              <a:t>vals</a:t>
+            </a:r>
+            <a:r>
+              <a:rPr lang="en-US" dirty="0">
+                <a:solidFill>
+                  <a:srgbClr val="080808"/>
+                </a:solidFill>
+                <a:latin typeface="JetBrains Mono" panose="02000009000000000000" pitchFamily="49" charset="0"/>
+              </a:rPr>
+              <a:t>))</a:t>
             </a:r>
           </a:p>
         </p:txBody>
@@ -4884,7 +4585,7 @@
         </p:nvCxnSpPr>
         <p:spPr>
           <a:xfrm>
-            <a:off x="5194086" y="634612"/>
+            <a:off x="7355271" y="316694"/>
             <a:ext cx="0" cy="369332"/>
           </a:xfrm>
           <a:prstGeom prst="line">
@@ -4933,10 +4634,10 @@
           <p:nvPr/>
         </p:nvPicPr>
         <p:blipFill>
-          <a:blip r:embed="rId10">
+          <a:blip r:embed="rId11">
             <a:extLst>
               <a:ext uri="{96DAC541-7B7A-43D3-8B79-37D633B846F1}">
-                <asvg:svgBlip xmlns:asvg="http://schemas.microsoft.com/office/drawing/2016/SVG/main" r:embed="rId11"/>
+                <asvg:svgBlip xmlns:asvg="http://schemas.microsoft.com/office/drawing/2016/SVG/main" r:embed="rId12"/>
               </a:ext>
             </a:extLst>
           </a:blip>
@@ -4946,7 +4647,7 @@
         </p:blipFill>
         <p:spPr>
           <a:xfrm>
-            <a:off x="5069532" y="425077"/>
+            <a:off x="7230717" y="107159"/>
             <a:ext cx="476250" cy="476250"/>
           </a:xfrm>
           <a:prstGeom prst="rect">
@@ -4970,10 +4671,10 @@
           <p:nvPr/>
         </p:nvPicPr>
         <p:blipFill>
-          <a:blip r:embed="rId12">
+          <a:blip r:embed="rId13">
             <a:extLst>
               <a:ext uri="{96DAC541-7B7A-43D3-8B79-37D633B846F1}">
-                <asvg:svgBlip xmlns:asvg="http://schemas.microsoft.com/office/drawing/2016/SVG/main" r:embed="rId13"/>
+                <asvg:svgBlip xmlns:asvg="http://schemas.microsoft.com/office/drawing/2016/SVG/main" r:embed="rId14"/>
               </a:ext>
             </a:extLst>
           </a:blip>
@@ -4983,7 +4684,7 @@
         </p:blipFill>
         <p:spPr>
           <a:xfrm>
-            <a:off x="74322" y="678056"/>
+            <a:off x="2235518" y="360138"/>
             <a:ext cx="388905" cy="325888"/>
           </a:xfrm>
           <a:prstGeom prst="rect">
@@ -5006,10 +4707,10 @@
           <p:nvPr/>
         </p:nvPicPr>
         <p:blipFill>
-          <a:blip r:embed="rId12">
+          <a:blip r:embed="rId13">
             <a:extLst>
               <a:ext uri="{96DAC541-7B7A-43D3-8B79-37D633B846F1}">
-                <asvg:svgBlip xmlns:asvg="http://schemas.microsoft.com/office/drawing/2016/SVG/main" r:embed="rId13"/>
+                <asvg:svgBlip xmlns:asvg="http://schemas.microsoft.com/office/drawing/2016/SVG/main" r:embed="rId14"/>
               </a:ext>
             </a:extLst>
           </a:blip>
@@ -5019,7 +4720,7 @@
         </p:blipFill>
         <p:spPr>
           <a:xfrm>
-            <a:off x="113457" y="5859865"/>
+            <a:off x="2289925" y="6245975"/>
             <a:ext cx="388905" cy="325888"/>
           </a:xfrm>
           <a:prstGeom prst="rect">
@@ -5041,11 +4742,13 @@
         </p:nvSpPr>
         <p:spPr>
           <a:xfrm>
-            <a:off x="6466162" y="444829"/>
+            <a:off x="8678147" y="276486"/>
             <a:ext cx="5583598" cy="1181922"/>
           </a:xfrm>
           <a:prstGeom prst="roundRect">
-            <a:avLst/>
+            <a:avLst>
+              <a:gd name="adj" fmla="val 8176"/>
+            </a:avLst>
           </a:prstGeom>
           <a:solidFill>
             <a:srgbClr val="F2F2F2"/>
@@ -5088,7 +4791,6 @@
                 <a:solidFill>
                   <a:schemeClr val="tx1"/>
                 </a:solidFill>
-                <a:effectLst/>
                 <a:latin typeface="JetBrains Mono" panose="02000009000000000000" pitchFamily="49" charset="0"/>
               </a:rPr>
               <a:t> S </a:t>
@@ -5098,7 +4800,6 @@
                 <a:solidFill>
                   <a:srgbClr val="0432FF"/>
                 </a:solidFill>
-                <a:effectLst/>
                 <a:latin typeface="JetBrains Mono" panose="02000009000000000000" pitchFamily="49" charset="0"/>
               </a:rPr>
               <a:t>→</a:t>
@@ -5108,29 +4809,38 @@
                 <a:solidFill>
                   <a:schemeClr val="tx1"/>
                 </a:solidFill>
-                <a:effectLst/>
                 <a:latin typeface="JetBrains Mono" panose="02000009000000000000" pitchFamily="49" charset="0"/>
               </a:rPr>
-              <a:t> w | w ( S ) | ( ) | w = S | [ S ]</a:t>
-            </a:r>
-            <a:br>
+              <a:t> ID | ID ( S ) | S , S</a:t>
+            </a:r>
+          </a:p>
+          <a:p>
+            <a:r>
               <a:rPr lang="en-US" dirty="0">
                 <a:solidFill>
                   <a:schemeClr val="tx1"/>
                 </a:solidFill>
-                <a:effectLst/>
                 <a:latin typeface="JetBrains Mono" panose="02000009000000000000" pitchFamily="49" charset="0"/>
               </a:rPr>
-            </a:br>
+              <a:t> S </a:t>
+            </a:r>
+            <a:r>
+              <a:rPr lang="en-US" dirty="0">
+                <a:solidFill>
+                  <a:srgbClr val="0432FF"/>
+                </a:solidFill>
+                <a:latin typeface="JetBrains Mono" panose="02000009000000000000" pitchFamily="49" charset="0"/>
+              </a:rPr>
+              <a:t>→</a:t>
+            </a:r>
             <a:r>
               <a:rPr lang="en-US" dirty="0">
                 <a:solidFill>
                   <a:schemeClr val="tx1"/>
                 </a:solidFill>
-                <a:effectLst/>
                 <a:latin typeface="JetBrains Mono" panose="02000009000000000000" pitchFamily="49" charset="0"/>
               </a:rPr>
-              <a:t> …</a:t>
+              <a:t> S | [ S ] | S . S | ( S )</a:t>
             </a:r>
           </a:p>
           <a:p>
@@ -5139,7 +4849,6 @@
                 <a:solidFill>
                   <a:schemeClr val="tx1"/>
                 </a:solidFill>
-                <a:effectLst/>
                 <a:latin typeface="JetBrains Mono" panose="02000009000000000000" pitchFamily="49" charset="0"/>
               </a:rPr>
               <a:t> S </a:t>
@@ -5149,7 +4858,6 @@
                 <a:solidFill>
                   <a:srgbClr val="0432FF"/>
                 </a:solidFill>
-                <a:effectLst/>
                 <a:latin typeface="JetBrains Mono" panose="02000009000000000000" pitchFamily="49" charset="0"/>
               </a:rPr>
               <a:t>→</a:t>
@@ -5159,7 +4867,6 @@
                 <a:solidFill>
                   <a:schemeClr val="tx1"/>
                 </a:solidFill>
-                <a:effectLst/>
                 <a:latin typeface="JetBrains Mono" panose="02000009000000000000" pitchFamily="49" charset="0"/>
               </a:rPr>
               <a:t> S if S else S | S for S in S</a:t>
@@ -5167,42 +4874,6 @@
           </a:p>
         </p:txBody>
       </p:sp>
-      <p:pic>
-        <p:nvPicPr>
-          <p:cNvPr id="1039" name="Graphic 1038">
-            <a:extLst>
-              <a:ext uri="{FF2B5EF4-FFF2-40B4-BE49-F238E27FC236}">
-                <a16:creationId xmlns:a16="http://schemas.microsoft.com/office/drawing/2014/main" id="{A4DC68CD-C0CE-8FCC-A7A8-AC5039BB567F}"/>
-              </a:ext>
-            </a:extLst>
-          </p:cNvPr>
-          <p:cNvPicPr>
-            <a:picLocks noChangeAspect="1"/>
-          </p:cNvPicPr>
-          <p:nvPr/>
-        </p:nvPicPr>
-        <p:blipFill>
-          <a:blip r:embed="rId12">
-            <a:extLst>
-              <a:ext uri="{96DAC541-7B7A-43D3-8B79-37D633B846F1}">
-                <asvg:svgBlip xmlns:asvg="http://schemas.microsoft.com/office/drawing/2016/SVG/main" r:embed="rId13"/>
-              </a:ext>
-            </a:extLst>
-          </a:blip>
-          <a:stretch>
-            <a:fillRect/>
-          </a:stretch>
-        </p:blipFill>
-        <p:spPr>
-          <a:xfrm>
-            <a:off x="5892449" y="678056"/>
-            <a:ext cx="388905" cy="325888"/>
-          </a:xfrm>
-          <a:prstGeom prst="rect">
-            <a:avLst/>
-          </a:prstGeom>
-        </p:spPr>
-      </p:pic>
       <p:cxnSp>
         <p:nvCxnSpPr>
           <p:cNvPr id="1067" name="Curved Connector 1066">
@@ -5214,116 +4885,19 @@
           </p:cNvPr>
           <p:cNvCxnSpPr>
             <a:cxnSpLocks/>
-            <a:stCxn id="1038" idx="2"/>
-            <a:endCxn id="56" idx="3"/>
+            <a:stCxn id="1099" idx="2"/>
           </p:cNvCxnSpPr>
           <p:nvPr/>
         </p:nvCxnSpPr>
         <p:spPr>
           <a:xfrm rot="5400000">
-            <a:off x="5645975" y="214711"/>
-            <a:ext cx="2199946" cy="5024026"/>
+            <a:off x="8581656" y="-666018"/>
+            <a:ext cx="586483" cy="5202583"/>
           </a:xfrm>
           <a:prstGeom prst="curvedConnector2">
             <a:avLst/>
           </a:prstGeom>
-          <a:ln w="47625">
-            <a:solidFill>
-              <a:schemeClr val="tx1">
-                <a:lumMod val="65000"/>
-                <a:lumOff val="35000"/>
-              </a:schemeClr>
-            </a:solidFill>
-            <a:tailEnd type="arrow" w="lg" len="sm"/>
-          </a:ln>
-        </p:spPr>
-        <p:style>
-          <a:lnRef idx="1">
-            <a:schemeClr val="accent1"/>
-          </a:lnRef>
-          <a:fillRef idx="0">
-            <a:schemeClr val="accent1"/>
-          </a:fillRef>
-          <a:effectRef idx="0">
-            <a:schemeClr val="accent1"/>
-          </a:effectRef>
-          <a:fontRef idx="minor">
-            <a:schemeClr val="tx1"/>
-          </a:fontRef>
-        </p:style>
-      </p:cxnSp>
-      <p:cxnSp>
-        <p:nvCxnSpPr>
-          <p:cNvPr id="1079" name="Straight Arrow Connector 1078">
-            <a:extLst>
-              <a:ext uri="{FF2B5EF4-FFF2-40B4-BE49-F238E27FC236}">
-                <a16:creationId xmlns:a16="http://schemas.microsoft.com/office/drawing/2014/main" id="{C484A1AF-C0D7-C663-AE41-42F41636CD51}"/>
-              </a:ext>
-            </a:extLst>
-          </p:cNvPr>
-          <p:cNvCxnSpPr>
-            <a:cxnSpLocks/>
-          </p:cNvCxnSpPr>
-          <p:nvPr/>
-        </p:nvCxnSpPr>
-        <p:spPr>
-          <a:xfrm>
-            <a:off x="2889656" y="2617597"/>
-            <a:ext cx="10122" cy="755484"/>
-          </a:xfrm>
-          <a:prstGeom prst="straightConnector1">
-            <a:avLst/>
-          </a:prstGeom>
-          <a:ln w="47625" cap="rnd">
-            <a:solidFill>
-              <a:schemeClr val="tx1">
-                <a:lumMod val="65000"/>
-                <a:lumOff val="35000"/>
-              </a:schemeClr>
-            </a:solidFill>
-            <a:round/>
-            <a:headEnd w="sm" len="med"/>
-            <a:tailEnd type="arrow" w="lg" len="sm"/>
-          </a:ln>
-        </p:spPr>
-        <p:style>
-          <a:lnRef idx="1">
-            <a:schemeClr val="accent1"/>
-          </a:lnRef>
-          <a:fillRef idx="0">
-            <a:schemeClr val="accent1"/>
-          </a:fillRef>
-          <a:effectRef idx="0">
-            <a:schemeClr val="accent1"/>
-          </a:effectRef>
-          <a:fontRef idx="minor">
-            <a:schemeClr val="tx1"/>
-          </a:fontRef>
-        </p:style>
-      </p:cxnSp>
-      <p:cxnSp>
-        <p:nvCxnSpPr>
-          <p:cNvPr id="1080" name="Straight Arrow Connector 1079">
-            <a:extLst>
-              <a:ext uri="{FF2B5EF4-FFF2-40B4-BE49-F238E27FC236}">
-                <a16:creationId xmlns:a16="http://schemas.microsoft.com/office/drawing/2014/main" id="{BCF05FD8-498E-8310-3368-94D87FB16ACD}"/>
-              </a:ext>
-            </a:extLst>
-          </p:cNvPr>
-          <p:cNvCxnSpPr>
-            <a:cxnSpLocks/>
-          </p:cNvCxnSpPr>
-          <p:nvPr/>
-        </p:nvCxnSpPr>
-        <p:spPr>
-          <a:xfrm>
-            <a:off x="2889656" y="4930716"/>
-            <a:ext cx="10122" cy="755484"/>
-          </a:xfrm>
-          <a:prstGeom prst="straightConnector1">
-            <a:avLst/>
-          </a:prstGeom>
-          <a:ln w="47625" cap="rnd">
+          <a:ln w="50800" cap="rnd">
             <a:solidFill>
               <a:schemeClr val="tx1">
                 <a:lumMod val="65000"/>
@@ -5363,10 +4937,10 @@
           <p:nvPr/>
         </p:nvPicPr>
         <p:blipFill>
-          <a:blip r:embed="rId14">
+          <a:blip r:embed="rId15">
             <a:extLst>
               <a:ext uri="{96DAC541-7B7A-43D3-8B79-37D633B846F1}">
-                <asvg:svgBlip xmlns:asvg="http://schemas.microsoft.com/office/drawing/2016/SVG/main" r:embed="rId15"/>
+                <asvg:svgBlip xmlns:asvg="http://schemas.microsoft.com/office/drawing/2016/SVG/main" r:embed="rId16"/>
               </a:ext>
             </a:extLst>
           </a:blip>
@@ -5376,44 +4950,8 @@
         </p:blipFill>
         <p:spPr>
           <a:xfrm>
-            <a:off x="3652192" y="2837336"/>
+            <a:off x="4106681" y="4415717"/>
             <a:ext cx="634153" cy="634153"/>
-          </a:xfrm>
-          <a:prstGeom prst="rect">
-            <a:avLst/>
-          </a:prstGeom>
-        </p:spPr>
-      </p:pic>
-      <p:pic>
-        <p:nvPicPr>
-          <p:cNvPr id="1097" name="Graphic 1096" descr="GMO with solid fill">
-            <a:extLst>
-              <a:ext uri="{FF2B5EF4-FFF2-40B4-BE49-F238E27FC236}">
-                <a16:creationId xmlns:a16="http://schemas.microsoft.com/office/drawing/2014/main" id="{22AD8270-2BAA-25E0-A91C-FF9E507302FE}"/>
-              </a:ext>
-            </a:extLst>
-          </p:cNvPr>
-          <p:cNvPicPr>
-            <a:picLocks noChangeAspect="1"/>
-          </p:cNvPicPr>
-          <p:nvPr/>
-        </p:nvPicPr>
-        <p:blipFill>
-          <a:blip r:embed="rId16">
-            <a:extLst>
-              <a:ext uri="{96DAC541-7B7A-43D3-8B79-37D633B846F1}">
-                <asvg:svgBlip xmlns:asvg="http://schemas.microsoft.com/office/drawing/2016/SVG/main" r:embed="rId17"/>
-              </a:ext>
-            </a:extLst>
-          </a:blip>
-          <a:stretch>
-            <a:fillRect/>
-          </a:stretch>
-        </p:blipFill>
-        <p:spPr>
-          <a:xfrm>
-            <a:off x="3683610" y="5049010"/>
-            <a:ext cx="538053" cy="538053"/>
           </a:xfrm>
           <a:prstGeom prst="rect">
             <a:avLst/>
@@ -5431,21 +4969,20 @@
           </p:cNvPr>
           <p:cNvCxnSpPr>
             <a:cxnSpLocks/>
-            <a:endCxn id="58" idx="3"/>
           </p:cNvCxnSpPr>
           <p:nvPr/>
         </p:nvCxnSpPr>
         <p:spPr>
-          <a:xfrm rot="10800000">
-            <a:off x="4221663" y="4481832"/>
-            <a:ext cx="4121898" cy="12700"/>
+          <a:xfrm rot="10800000" flipV="1">
+            <a:off x="7185457" y="4699265"/>
+            <a:ext cx="2979377" cy="1311"/>
           </a:xfrm>
           <a:prstGeom prst="curvedConnector3">
             <a:avLst>
               <a:gd name="adj1" fmla="val 50000"/>
             </a:avLst>
           </a:prstGeom>
-          <a:ln w="47625" cap="rnd">
+          <a:ln w="50800" cap="rnd">
             <a:solidFill>
               <a:schemeClr val="tx1">
                 <a:lumMod val="65000"/>
@@ -5484,8 +5021,8 @@
         </p:nvGrpSpPr>
         <p:grpSpPr>
           <a:xfrm>
-            <a:off x="10070263" y="3315750"/>
-            <a:ext cx="1167194" cy="1181922"/>
+            <a:off x="11964528" y="3636700"/>
+            <a:ext cx="940242" cy="963326"/>
             <a:chOff x="10182575" y="3521781"/>
             <a:chExt cx="1167194" cy="1181922"/>
           </a:xfrm>
@@ -5566,7 +5103,7 @@
             <p:nvPr/>
           </p:nvPicPr>
           <p:blipFill>
-            <a:blip r:embed="rId18">
+            <a:blip r:embed="rId17">
               <a:extLst>
                 <a:ext uri="{28A0092B-C50C-407E-A947-70E740481C1C}">
                   <a14:useLocalDpi xmlns:a14="http://schemas.microsoft.com/office/drawing/2010/main" val="0"/>
@@ -5616,8 +5153,8 @@
         </p:nvGrpSpPr>
         <p:grpSpPr>
           <a:xfrm>
-            <a:off x="8698352" y="4674785"/>
-            <a:ext cx="1167194" cy="1181922"/>
+            <a:off x="10668356" y="4911683"/>
+            <a:ext cx="940242" cy="963326"/>
             <a:chOff x="8553074" y="4800508"/>
             <a:chExt cx="1167194" cy="1181922"/>
           </a:xfrm>
@@ -5698,10 +5235,10 @@
             <p:nvPr/>
           </p:nvPicPr>
           <p:blipFill>
-            <a:blip r:embed="rId19">
+            <a:blip r:embed="rId18">
               <a:extLst>
                 <a:ext uri="{96DAC541-7B7A-43D3-8B79-37D633B846F1}">
-                  <asvg:svgBlip xmlns:asvg="http://schemas.microsoft.com/office/drawing/2016/SVG/main" r:embed="rId20"/>
+                  <asvg:svgBlip xmlns:asvg="http://schemas.microsoft.com/office/drawing/2016/SVG/main" r:embed="rId19"/>
                 </a:ext>
               </a:extLst>
             </a:blip>
@@ -5734,8 +5271,8 @@
         </p:nvGrpSpPr>
         <p:grpSpPr>
           <a:xfrm>
-            <a:off x="8698352" y="3315750"/>
-            <a:ext cx="1167194" cy="1181922"/>
+            <a:off x="10658196" y="3669952"/>
+            <a:ext cx="940242" cy="963326"/>
             <a:chOff x="8543487" y="3511470"/>
             <a:chExt cx="1167194" cy="1181922"/>
           </a:xfrm>
@@ -5816,10 +5353,10 @@
             <p:nvPr/>
           </p:nvPicPr>
           <p:blipFill>
-            <a:blip r:embed="rId21">
+            <a:blip r:embed="rId20">
               <a:extLst>
                 <a:ext uri="{96DAC541-7B7A-43D3-8B79-37D633B846F1}">
-                  <asvg:svgBlip xmlns:asvg="http://schemas.microsoft.com/office/drawing/2016/SVG/main" r:embed="rId22"/>
+                  <asvg:svgBlip xmlns:asvg="http://schemas.microsoft.com/office/drawing/2016/SVG/main" r:embed="rId21"/>
                 </a:ext>
               </a:extLst>
             </a:blip>
@@ -5838,12 +5375,591 @@
           </p:spPr>
         </p:pic>
       </p:grpSp>
+      <p:sp>
+        <p:nvSpPr>
+          <p:cNvPr id="1131" name="Rounded Rectangle 1130">
+            <a:extLst>
+              <a:ext uri="{FF2B5EF4-FFF2-40B4-BE49-F238E27FC236}">
+                <a16:creationId xmlns:a16="http://schemas.microsoft.com/office/drawing/2014/main" id="{1387EF3D-6F2B-0300-8D3C-682A1A4C9D1F}"/>
+              </a:ext>
+            </a:extLst>
+          </p:cNvPr>
+          <p:cNvSpPr/>
+          <p:nvPr/>
+        </p:nvSpPr>
+        <p:spPr>
+          <a:xfrm>
+            <a:off x="11972841" y="4918130"/>
+            <a:ext cx="940242" cy="963326"/>
+          </a:xfrm>
+          <a:prstGeom prst="roundRect">
+            <a:avLst/>
+          </a:prstGeom>
+          <a:solidFill>
+            <a:schemeClr val="bg2">
+              <a:lumMod val="90000"/>
+            </a:schemeClr>
+          </a:solidFill>
+          <a:ln>
+            <a:noFill/>
+          </a:ln>
+          <a:effectLst>
+            <a:outerShdw blurRad="50800" dist="38100" dir="2700000" algn="tl" rotWithShape="0">
+              <a:prstClr val="black">
+                <a:alpha val="40000"/>
+              </a:prstClr>
+            </a:outerShdw>
+          </a:effectLst>
+        </p:spPr>
+        <p:style>
+          <a:lnRef idx="2">
+            <a:schemeClr val="accent1">
+              <a:shade val="50000"/>
+            </a:schemeClr>
+          </a:lnRef>
+          <a:fillRef idx="1">
+            <a:schemeClr val="accent1"/>
+          </a:fillRef>
+          <a:effectRef idx="0">
+            <a:schemeClr val="accent1"/>
+          </a:effectRef>
+          <a:fontRef idx="minor">
+            <a:schemeClr val="lt1"/>
+          </a:fontRef>
+        </p:style>
+        <p:txBody>
+          <a:bodyPr rtlCol="0" anchor="ctr"/>
+          <a:lstStyle/>
+          <a:p>
+            <a:pPr algn="ctr"/>
+            <a:endParaRPr lang="en-US" dirty="0"/>
+          </a:p>
+        </p:txBody>
+      </p:sp>
+      <p:sp>
+        <p:nvSpPr>
+          <p:cNvPr id="31" name="Left Brace 30">
+            <a:extLst>
+              <a:ext uri="{FF2B5EF4-FFF2-40B4-BE49-F238E27FC236}">
+                <a16:creationId xmlns:a16="http://schemas.microsoft.com/office/drawing/2014/main" id="{CD5B6F8D-25B1-8211-805E-12915618FA45}"/>
+              </a:ext>
+            </a:extLst>
+          </p:cNvPr>
+          <p:cNvSpPr/>
+          <p:nvPr/>
+        </p:nvSpPr>
+        <p:spPr>
+          <a:xfrm>
+            <a:off x="10156936" y="3536476"/>
+            <a:ext cx="269326" cy="2456492"/>
+          </a:xfrm>
+          <a:prstGeom prst="leftBrace">
+            <a:avLst>
+              <a:gd name="adj1" fmla="val 96662"/>
+              <a:gd name="adj2" fmla="val 47430"/>
+            </a:avLst>
+          </a:prstGeom>
+          <a:ln w="47625" cap="rnd">
+            <a:solidFill>
+              <a:srgbClr val="595959"/>
+            </a:solidFill>
+            <a:round/>
+          </a:ln>
+        </p:spPr>
+        <p:style>
+          <a:lnRef idx="1">
+            <a:schemeClr val="accent1"/>
+          </a:lnRef>
+          <a:fillRef idx="0">
+            <a:schemeClr val="accent1"/>
+          </a:fillRef>
+          <a:effectRef idx="0">
+            <a:schemeClr val="accent1"/>
+          </a:effectRef>
+          <a:fontRef idx="minor">
+            <a:schemeClr val="tx1"/>
+          </a:fontRef>
+        </p:style>
+        <p:txBody>
+          <a:bodyPr rtlCol="0" anchor="ctr"/>
+          <a:lstStyle/>
+          <a:p>
+            <a:pPr algn="ctr"/>
+            <a:endParaRPr lang="en-US"/>
+          </a:p>
+        </p:txBody>
+      </p:sp>
+      <p:sp>
+        <p:nvSpPr>
+          <p:cNvPr id="54" name="TextBox 53">
+            <a:extLst>
+              <a:ext uri="{FF2B5EF4-FFF2-40B4-BE49-F238E27FC236}">
+                <a16:creationId xmlns:a16="http://schemas.microsoft.com/office/drawing/2014/main" id="{CF71A6D0-005A-6F81-932A-3986B51AC456}"/>
+              </a:ext>
+            </a:extLst>
+          </p:cNvPr>
+          <p:cNvSpPr txBox="1"/>
+          <p:nvPr/>
+        </p:nvSpPr>
+        <p:spPr>
+          <a:xfrm>
+            <a:off x="13717478" y="1011180"/>
+            <a:ext cx="533116" cy="400110"/>
+          </a:xfrm>
+          <a:prstGeom prst="rect">
+            <a:avLst/>
+          </a:prstGeom>
+          <a:noFill/>
+        </p:spPr>
+        <p:txBody>
+          <a:bodyPr wrap="square">
+            <a:spAutoFit/>
+          </a:bodyPr>
+          <a:lstStyle/>
+          <a:p>
+            <a:r>
+              <a:rPr lang="en-US" sz="2000" dirty="0">
+                <a:latin typeface="Calibri" panose="020F0502020204030204" pitchFamily="34" charset="0"/>
+                <a:cs typeface="Calibri" panose="020F0502020204030204" pitchFamily="34" charset="0"/>
+              </a:rPr>
+              <a:t>①</a:t>
+            </a:r>
+            <a:endParaRPr lang="en-US" sz="2400" dirty="0">
+              <a:latin typeface="Calibri" panose="020F0502020204030204" pitchFamily="34" charset="0"/>
+              <a:cs typeface="Calibri" panose="020F0502020204030204" pitchFamily="34" charset="0"/>
+            </a:endParaRPr>
+          </a:p>
+        </p:txBody>
+      </p:sp>
+      <p:sp>
+        <p:nvSpPr>
+          <p:cNvPr id="1028" name="TextBox 1027">
+            <a:extLst>
+              <a:ext uri="{FF2B5EF4-FFF2-40B4-BE49-F238E27FC236}">
+                <a16:creationId xmlns:a16="http://schemas.microsoft.com/office/drawing/2014/main" id="{16536280-C918-0AE9-D255-530BFF508EE2}"/>
+              </a:ext>
+            </a:extLst>
+          </p:cNvPr>
+          <p:cNvSpPr txBox="1"/>
+          <p:nvPr/>
+        </p:nvSpPr>
+        <p:spPr>
+          <a:xfrm>
+            <a:off x="7455085" y="318623"/>
+            <a:ext cx="533116" cy="400110"/>
+          </a:xfrm>
+          <a:prstGeom prst="rect">
+            <a:avLst/>
+          </a:prstGeom>
+          <a:noFill/>
+        </p:spPr>
+        <p:txBody>
+          <a:bodyPr wrap="square">
+            <a:spAutoFit/>
+          </a:bodyPr>
+          <a:lstStyle/>
+          <a:p>
+            <a:r>
+              <a:rPr lang="en-US" sz="2000" dirty="0">
+                <a:latin typeface="Cambria" panose="02040503050406030204" pitchFamily="18" charset="0"/>
+                <a:cs typeface="Calibri" panose="020F0502020204030204" pitchFamily="34" charset="0"/>
+              </a:rPr>
+              <a:t>①</a:t>
+            </a:r>
+            <a:endParaRPr lang="en-US" sz="2400" dirty="0">
+              <a:latin typeface="Cambria" panose="02040503050406030204" pitchFamily="18" charset="0"/>
+              <a:cs typeface="Calibri" panose="020F0502020204030204" pitchFamily="34" charset="0"/>
+            </a:endParaRPr>
+          </a:p>
+        </p:txBody>
+      </p:sp>
+      <p:pic>
+        <p:nvPicPr>
+          <p:cNvPr id="1053" name="Graphic 1052" descr="Line arrow: Slight curve outline">
+            <a:extLst>
+              <a:ext uri="{FF2B5EF4-FFF2-40B4-BE49-F238E27FC236}">
+                <a16:creationId xmlns:a16="http://schemas.microsoft.com/office/drawing/2014/main" id="{59F2CAF2-F08B-5824-2634-0E62643663E8}"/>
+              </a:ext>
+            </a:extLst>
+          </p:cNvPr>
+          <p:cNvPicPr>
+            <a:picLocks noChangeAspect="1"/>
+          </p:cNvPicPr>
+          <p:nvPr/>
+        </p:nvPicPr>
+        <p:blipFill>
+          <a:blip r:embed="rId22">
+            <a:extLst>
+              <a:ext uri="{96DAC541-7B7A-43D3-8B79-37D633B846F1}">
+                <asvg:svgBlip xmlns:asvg="http://schemas.microsoft.com/office/drawing/2016/SVG/main" r:embed="rId23"/>
+              </a:ext>
+            </a:extLst>
+          </a:blip>
+          <a:stretch>
+            <a:fillRect/>
+          </a:stretch>
+        </p:blipFill>
+        <p:spPr>
+          <a:xfrm rot="5400000">
+            <a:off x="4876224" y="4957897"/>
+            <a:ext cx="887565" cy="887565"/>
+          </a:xfrm>
+          <a:prstGeom prst="rect">
+            <a:avLst/>
+          </a:prstGeom>
+        </p:spPr>
+      </p:pic>
+      <p:sp>
+        <p:nvSpPr>
+          <p:cNvPr id="1069" name="Double Bracket 1068">
+            <a:extLst>
+              <a:ext uri="{FF2B5EF4-FFF2-40B4-BE49-F238E27FC236}">
+                <a16:creationId xmlns:a16="http://schemas.microsoft.com/office/drawing/2014/main" id="{EDA4359C-48F6-4620-AADA-D9F5106ABE22}"/>
+              </a:ext>
+            </a:extLst>
+          </p:cNvPr>
+          <p:cNvSpPr/>
+          <p:nvPr/>
+        </p:nvSpPr>
+        <p:spPr>
+          <a:xfrm>
+            <a:off x="4883850" y="1713448"/>
+            <a:ext cx="1135349" cy="995578"/>
+          </a:xfrm>
+          <a:prstGeom prst="bracketPair">
+            <a:avLst>
+              <a:gd name="adj" fmla="val 8411"/>
+            </a:avLst>
+          </a:prstGeom>
+          <a:ln w="44450" cap="rnd">
+            <a:solidFill>
+              <a:srgbClr val="595959"/>
+            </a:solidFill>
+            <a:round/>
+          </a:ln>
+        </p:spPr>
+        <p:style>
+          <a:lnRef idx="1">
+            <a:schemeClr val="accent1"/>
+          </a:lnRef>
+          <a:fillRef idx="0">
+            <a:schemeClr val="accent1"/>
+          </a:fillRef>
+          <a:effectRef idx="0">
+            <a:schemeClr val="accent1"/>
+          </a:effectRef>
+          <a:fontRef idx="minor">
+            <a:schemeClr val="tx1"/>
+          </a:fontRef>
+        </p:style>
+        <p:txBody>
+          <a:bodyPr rtlCol="0" anchor="ctr"/>
+          <a:lstStyle/>
+          <a:p>
+            <a:pPr algn="ctr"/>
+            <a:endParaRPr lang="en-US"/>
+          </a:p>
+        </p:txBody>
+      </p:sp>
+      <p:sp>
+        <p:nvSpPr>
+          <p:cNvPr id="1081" name="TextBox 1080">
+            <a:extLst>
+              <a:ext uri="{FF2B5EF4-FFF2-40B4-BE49-F238E27FC236}">
+                <a16:creationId xmlns:a16="http://schemas.microsoft.com/office/drawing/2014/main" id="{6C42AE37-B2CB-7627-8D89-D9DA34452FE7}"/>
+              </a:ext>
+            </a:extLst>
+          </p:cNvPr>
+          <p:cNvSpPr txBox="1"/>
+          <p:nvPr/>
+        </p:nvSpPr>
+        <p:spPr>
+          <a:xfrm>
+            <a:off x="5818127" y="2928111"/>
+            <a:ext cx="469291" cy="400110"/>
+          </a:xfrm>
+          <a:prstGeom prst="rect">
+            <a:avLst/>
+          </a:prstGeom>
+          <a:noFill/>
+        </p:spPr>
+        <p:txBody>
+          <a:bodyPr wrap="square">
+            <a:spAutoFit/>
+          </a:bodyPr>
+          <a:lstStyle/>
+          <a:p>
+            <a:r>
+              <a:rPr lang="en-US" sz="2000" dirty="0">
+                <a:latin typeface="Calibri" panose="020F0502020204030204" pitchFamily="34" charset="0"/>
+                <a:cs typeface="Calibri" panose="020F0502020204030204" pitchFamily="34" charset="0"/>
+              </a:rPr>
+              <a:t>②</a:t>
+            </a:r>
+          </a:p>
+        </p:txBody>
+      </p:sp>
+      <p:cxnSp>
+        <p:nvCxnSpPr>
+          <p:cNvPr id="1083" name="Straight Connector 1082">
+            <a:extLst>
+              <a:ext uri="{FF2B5EF4-FFF2-40B4-BE49-F238E27FC236}">
+                <a16:creationId xmlns:a16="http://schemas.microsoft.com/office/drawing/2014/main" id="{3B00017E-99A6-EB5F-B170-C314AA05C749}"/>
+              </a:ext>
+            </a:extLst>
+          </p:cNvPr>
+          <p:cNvCxnSpPr>
+            <a:cxnSpLocks/>
+          </p:cNvCxnSpPr>
+          <p:nvPr/>
+        </p:nvCxnSpPr>
+        <p:spPr>
+          <a:xfrm>
+            <a:off x="7370742" y="6210896"/>
+            <a:ext cx="0" cy="369332"/>
+          </a:xfrm>
+          <a:prstGeom prst="line">
+            <a:avLst/>
+          </a:prstGeom>
+          <a:ln w="22225">
+            <a:solidFill>
+              <a:schemeClr val="tx1"/>
+            </a:solidFill>
+          </a:ln>
+          <a:effectLst>
+            <a:outerShdw blurRad="50800" dist="50800" dir="3730521" algn="ctr" rotWithShape="0">
+              <a:srgbClr val="000000">
+                <a:alpha val="43137"/>
+              </a:srgbClr>
+            </a:outerShdw>
+          </a:effectLst>
+        </p:spPr>
+        <p:style>
+          <a:lnRef idx="1">
+            <a:schemeClr val="accent1"/>
+          </a:lnRef>
+          <a:fillRef idx="0">
+            <a:schemeClr val="accent1"/>
+          </a:fillRef>
+          <a:effectRef idx="0">
+            <a:schemeClr val="accent1"/>
+          </a:effectRef>
+          <a:fontRef idx="minor">
+            <a:schemeClr val="tx1"/>
+          </a:fontRef>
+        </p:style>
+      </p:cxnSp>
+      <p:pic>
+        <p:nvPicPr>
+          <p:cNvPr id="1084" name="Graphic 1083" descr="Text with solid fill">
+            <a:extLst>
+              <a:ext uri="{FF2B5EF4-FFF2-40B4-BE49-F238E27FC236}">
+                <a16:creationId xmlns:a16="http://schemas.microsoft.com/office/drawing/2014/main" id="{53FF7EA1-8019-536F-94B4-ECA77EC5ECF2}"/>
+              </a:ext>
+            </a:extLst>
+          </p:cNvPr>
+          <p:cNvPicPr>
+            <a:picLocks noChangeAspect="1"/>
+          </p:cNvPicPr>
+          <p:nvPr/>
+        </p:nvPicPr>
+        <p:blipFill>
+          <a:blip r:embed="rId11">
+            <a:extLst>
+              <a:ext uri="{96DAC541-7B7A-43D3-8B79-37D633B846F1}">
+                <asvg:svgBlip xmlns:asvg="http://schemas.microsoft.com/office/drawing/2016/SVG/main" r:embed="rId12"/>
+              </a:ext>
+            </a:extLst>
+          </a:blip>
+          <a:stretch>
+            <a:fillRect/>
+          </a:stretch>
+        </p:blipFill>
+        <p:spPr>
+          <a:xfrm>
+            <a:off x="7246188" y="5985246"/>
+            <a:ext cx="476250" cy="476250"/>
+          </a:xfrm>
+          <a:prstGeom prst="rect">
+            <a:avLst/>
+          </a:prstGeom>
+          <a:effectLst/>
+        </p:spPr>
+      </p:pic>
+      <p:sp>
+        <p:nvSpPr>
+          <p:cNvPr id="1087" name="TextBox 1086">
+            <a:extLst>
+              <a:ext uri="{FF2B5EF4-FFF2-40B4-BE49-F238E27FC236}">
+                <a16:creationId xmlns:a16="http://schemas.microsoft.com/office/drawing/2014/main" id="{266BAC1E-4C36-AE06-49FA-EF50A5E37422}"/>
+              </a:ext>
+            </a:extLst>
+          </p:cNvPr>
+          <p:cNvSpPr txBox="1"/>
+          <p:nvPr/>
+        </p:nvSpPr>
+        <p:spPr>
+          <a:xfrm>
+            <a:off x="12930875" y="5965964"/>
+            <a:ext cx="466889" cy="400110"/>
+          </a:xfrm>
+          <a:prstGeom prst="rect">
+            <a:avLst/>
+          </a:prstGeom>
+          <a:noFill/>
+        </p:spPr>
+        <p:txBody>
+          <a:bodyPr wrap="square">
+            <a:spAutoFit/>
+          </a:bodyPr>
+          <a:lstStyle/>
+          <a:p>
+            <a:r>
+              <a:rPr lang="en-US" sz="2000" dirty="0"/>
+              <a:t>④</a:t>
+            </a:r>
+          </a:p>
+        </p:txBody>
+      </p:sp>
+      <p:pic>
+        <p:nvPicPr>
+          <p:cNvPr id="1089" name="Picture 6" descr="Git - Logo Downloads">
+            <a:extLst>
+              <a:ext uri="{FF2B5EF4-FFF2-40B4-BE49-F238E27FC236}">
+                <a16:creationId xmlns:a16="http://schemas.microsoft.com/office/drawing/2014/main" id="{2A422103-EEC0-12B6-1911-A4890D178CFC}"/>
+              </a:ext>
+            </a:extLst>
+          </p:cNvPr>
+          <p:cNvPicPr>
+            <a:picLocks noChangeAspect="1" noChangeArrowheads="1"/>
+          </p:cNvPicPr>
+          <p:nvPr/>
+        </p:nvPicPr>
+        <p:blipFill>
+          <a:blip r:embed="rId24">
+            <a:extLst>
+              <a:ext uri="{28A0092B-C50C-407E-A947-70E740481C1C}">
+                <a14:useLocalDpi xmlns:a14="http://schemas.microsoft.com/office/drawing/2010/main" val="0"/>
+              </a:ext>
+            </a:extLst>
+          </a:blip>
+          <a:srcRect/>
+          <a:stretch>
+            <a:fillRect/>
+          </a:stretch>
+        </p:blipFill>
+        <p:spPr bwMode="auto">
+          <a:xfrm>
+            <a:off x="12124198" y="5092180"/>
+            <a:ext cx="637528" cy="637528"/>
+          </a:xfrm>
+          <a:prstGeom prst="rect">
+            <a:avLst/>
+          </a:prstGeom>
+          <a:noFill/>
+          <a:extLst>
+            <a:ext uri="{909E8E84-426E-40DD-AFC4-6F175D3DCCD1}">
+              <a14:hiddenFill xmlns:a14="http://schemas.microsoft.com/office/drawing/2010/main">
+                <a:solidFill>
+                  <a:srgbClr val="FFFFFF"/>
+                </a:solidFill>
+              </a14:hiddenFill>
+            </a:ext>
+          </a:extLst>
+        </p:spPr>
+      </p:pic>
+      <p:sp>
+        <p:nvSpPr>
+          <p:cNvPr id="1094" name="TextBox 1093">
+            <a:extLst>
+              <a:ext uri="{FF2B5EF4-FFF2-40B4-BE49-F238E27FC236}">
+                <a16:creationId xmlns:a16="http://schemas.microsoft.com/office/drawing/2014/main" id="{48FCBC82-9E5A-439D-1007-4E7FA318F54A}"/>
+              </a:ext>
+            </a:extLst>
+          </p:cNvPr>
+          <p:cNvSpPr txBox="1"/>
+          <p:nvPr/>
+        </p:nvSpPr>
+        <p:spPr>
+          <a:xfrm>
+            <a:off x="5224091" y="4111464"/>
+            <a:ext cx="476250" cy="400110"/>
+          </a:xfrm>
+          <a:prstGeom prst="rect">
+            <a:avLst/>
+          </a:prstGeom>
+          <a:noFill/>
+        </p:spPr>
+        <p:txBody>
+          <a:bodyPr wrap="square">
+            <a:spAutoFit/>
+          </a:bodyPr>
+          <a:lstStyle/>
+          <a:p>
+            <a:r>
+              <a:rPr lang="en-US" sz="2000" dirty="0">
+                <a:latin typeface="Calibri" panose="020F0502020204030204" pitchFamily="34" charset="0"/>
+                <a:cs typeface="Calibri" panose="020F0502020204030204" pitchFamily="34" charset="0"/>
+              </a:rPr>
+              <a:t>⑤</a:t>
+            </a:r>
+          </a:p>
+        </p:txBody>
+      </p:sp>
+      <p:cxnSp>
+        <p:nvCxnSpPr>
+          <p:cNvPr id="1114" name="Straight Arrow Connector 1113">
+            <a:extLst>
+              <a:ext uri="{FF2B5EF4-FFF2-40B4-BE49-F238E27FC236}">
+                <a16:creationId xmlns:a16="http://schemas.microsoft.com/office/drawing/2014/main" id="{6FCA4B39-E5F5-88F2-6F17-3190A3C6D2E3}"/>
+              </a:ext>
+            </a:extLst>
+          </p:cNvPr>
+          <p:cNvCxnSpPr>
+            <a:cxnSpLocks/>
+          </p:cNvCxnSpPr>
+          <p:nvPr/>
+        </p:nvCxnSpPr>
+        <p:spPr>
+          <a:xfrm>
+            <a:off x="2792894" y="4699254"/>
+            <a:ext cx="998048" cy="0"/>
+          </a:xfrm>
+          <a:prstGeom prst="straightConnector1">
+            <a:avLst/>
+          </a:prstGeom>
+          <a:ln w="50800" cap="rnd">
+            <a:solidFill>
+              <a:schemeClr val="tx1">
+                <a:lumMod val="65000"/>
+                <a:lumOff val="35000"/>
+              </a:schemeClr>
+            </a:solidFill>
+            <a:miter lim="800000"/>
+            <a:tailEnd type="arrow" w="lg" len="sm"/>
+          </a:ln>
+        </p:spPr>
+        <p:style>
+          <a:lnRef idx="1">
+            <a:schemeClr val="accent1"/>
+          </a:lnRef>
+          <a:fillRef idx="0">
+            <a:schemeClr val="accent1"/>
+          </a:fillRef>
+          <a:effectRef idx="0">
+            <a:schemeClr val="accent1"/>
+          </a:effectRef>
+          <a:fontRef idx="minor">
+            <a:schemeClr val="tx1"/>
+          </a:fontRef>
+        </p:style>
+      </p:cxnSp>
       <p:grpSp>
         <p:nvGrpSpPr>
-          <p:cNvPr id="1137" name="Group 1136">
+          <p:cNvPr id="1164" name="Group 1163">
             <a:extLst>
               <a:ext uri="{FF2B5EF4-FFF2-40B4-BE49-F238E27FC236}">
-                <a16:creationId xmlns:a16="http://schemas.microsoft.com/office/drawing/2014/main" id="{2EE1AD62-484F-15C9-DA23-7542BCA783DA}"/>
+                <a16:creationId xmlns:a16="http://schemas.microsoft.com/office/drawing/2014/main" id="{8DDFA360-40D3-24C5-D96F-9A3116CCF2EA}"/>
               </a:ext>
             </a:extLst>
           </p:cNvPr>
@@ -5851,26 +5967,57 @@
           <p:nvPr/>
         </p:nvGrpSpPr>
         <p:grpSpPr>
-          <a:xfrm>
-            <a:off x="10070263" y="4671072"/>
-            <a:ext cx="1167194" cy="1181922"/>
-            <a:chOff x="9874959" y="4800508"/>
-            <a:chExt cx="1167194" cy="1181922"/>
+          <a:xfrm rot="5400000">
+            <a:off x="-846436" y="2842692"/>
+            <a:ext cx="3880368" cy="927739"/>
+            <a:chOff x="918754" y="4555461"/>
+            <a:chExt cx="3880368" cy="927739"/>
           </a:xfrm>
-          <a:effectLst>
-            <a:outerShdw blurRad="50800" dist="38100" dir="2700000" algn="tl" rotWithShape="0">
-              <a:prstClr val="black">
-                <a:alpha val="40000"/>
-              </a:prstClr>
-            </a:outerShdw>
-          </a:effectLst>
         </p:grpSpPr>
+        <p:pic>
+          <p:nvPicPr>
+            <p:cNvPr id="1113" name="Picture 10" descr="undefined">
+              <a:extLst>
+                <a:ext uri="{FF2B5EF4-FFF2-40B4-BE49-F238E27FC236}">
+                  <a16:creationId xmlns:a16="http://schemas.microsoft.com/office/drawing/2014/main" id="{BDF0BF87-354C-43A3-D72F-452258EA07E1}"/>
+                </a:ext>
+              </a:extLst>
+            </p:cNvPr>
+            <p:cNvPicPr>
+              <a:picLocks noChangeAspect="1" noChangeArrowheads="1"/>
+            </p:cNvPicPr>
+            <p:nvPr/>
+          </p:nvPicPr>
+          <p:blipFill rotWithShape="1">
+            <a:blip r:embed="rId25">
+              <a:extLst>
+                <a:ext uri="{28A0092B-C50C-407E-A947-70E740481C1C}">
+                  <a14:useLocalDpi xmlns:a14="http://schemas.microsoft.com/office/drawing/2010/main" val="0"/>
+                </a:ext>
+              </a:extLst>
+            </a:blip>
+            <a:srcRect l="10177" t="50000" r="14039" b="12010"/>
+            <a:stretch/>
+          </p:blipFill>
+          <p:spPr bwMode="auto">
+            <a:xfrm>
+              <a:off x="1023814" y="4849053"/>
+              <a:ext cx="3668965" cy="634147"/>
+            </a:xfrm>
+            <a:prstGeom prst="rect">
+              <a:avLst/>
+            </a:prstGeom>
+            <a:solidFill>
+              <a:schemeClr val="bg1"/>
+            </a:solidFill>
+          </p:spPr>
+        </p:pic>
         <p:sp>
           <p:nvSpPr>
-            <p:cNvPr id="1131" name="Rounded Rectangle 1130">
+            <p:cNvPr id="1134" name="Rounded Rectangle 1133">
               <a:extLst>
                 <a:ext uri="{FF2B5EF4-FFF2-40B4-BE49-F238E27FC236}">
-                  <a16:creationId xmlns:a16="http://schemas.microsoft.com/office/drawing/2014/main" id="{1387EF3D-6F2B-0300-8D3C-682A1A4C9D1F}"/>
+                  <a16:creationId xmlns:a16="http://schemas.microsoft.com/office/drawing/2014/main" id="{EE657FB0-14DA-8A03-FDDE-809AB6980FA3}"/>
                 </a:ext>
               </a:extLst>
             </p:cNvPr>
@@ -5879,16 +6026,14 @@
           </p:nvSpPr>
           <p:spPr>
             <a:xfrm>
-              <a:off x="9874959" y="4800508"/>
-              <a:ext cx="1167194" cy="1181922"/>
+              <a:off x="3449672" y="4622328"/>
+              <a:ext cx="157762" cy="159915"/>
             </a:xfrm>
             <a:prstGeom prst="roundRect">
               <a:avLst/>
             </a:prstGeom>
             <a:solidFill>
-              <a:schemeClr val="bg2">
-                <a:lumMod val="90000"/>
-              </a:schemeClr>
+              <a:srgbClr val="595959"/>
             </a:solidFill>
             <a:ln>
               <a:noFill/>
@@ -5897,7 +6042,111 @@
           <p:style>
             <a:lnRef idx="2">
               <a:schemeClr val="accent1">
-                <a:shade val="50000"/>
+                <a:shade val="15000"/>
+              </a:schemeClr>
+            </a:lnRef>
+            <a:fillRef idx="1">
+              <a:schemeClr val="accent1"/>
+            </a:fillRef>
+            <a:effectRef idx="0">
+              <a:schemeClr val="accent1"/>
+            </a:effectRef>
+            <a:fontRef idx="minor">
+              <a:schemeClr val="lt1"/>
+            </a:fontRef>
+          </p:style>
+          <p:txBody>
+            <a:bodyPr rtlCol="0" anchor="ctr"/>
+            <a:lstStyle/>
+            <a:p>
+              <a:pPr algn="ctr"/>
+              <a:endParaRPr lang="en-US"/>
+            </a:p>
+          </p:txBody>
+        </p:sp>
+        <p:sp>
+          <p:nvSpPr>
+            <p:cNvPr id="1146" name="Rounded Rectangle 1145">
+              <a:extLst>
+                <a:ext uri="{FF2B5EF4-FFF2-40B4-BE49-F238E27FC236}">
+                  <a16:creationId xmlns:a16="http://schemas.microsoft.com/office/drawing/2014/main" id="{CF9AF2F1-1A22-17E9-5BB4-23CC77C293D8}"/>
+                </a:ext>
+              </a:extLst>
+            </p:cNvPr>
+            <p:cNvSpPr/>
+            <p:nvPr/>
+          </p:nvSpPr>
+          <p:spPr>
+            <a:xfrm>
+              <a:off x="3863778" y="4622328"/>
+              <a:ext cx="157762" cy="159915"/>
+            </a:xfrm>
+            <a:prstGeom prst="roundRect">
+              <a:avLst/>
+            </a:prstGeom>
+            <a:solidFill>
+              <a:srgbClr val="595959"/>
+            </a:solidFill>
+            <a:ln>
+              <a:noFill/>
+            </a:ln>
+          </p:spPr>
+          <p:style>
+            <a:lnRef idx="2">
+              <a:schemeClr val="accent1">
+                <a:shade val="15000"/>
+              </a:schemeClr>
+            </a:lnRef>
+            <a:fillRef idx="1">
+              <a:schemeClr val="accent1"/>
+            </a:fillRef>
+            <a:effectRef idx="0">
+              <a:schemeClr val="accent1"/>
+            </a:effectRef>
+            <a:fontRef idx="minor">
+              <a:schemeClr val="lt1"/>
+            </a:fontRef>
+          </p:style>
+          <p:txBody>
+            <a:bodyPr rtlCol="0" anchor="ctr"/>
+            <a:lstStyle/>
+            <a:p>
+              <a:pPr algn="ctr"/>
+              <a:endParaRPr lang="en-US"/>
+            </a:p>
+          </p:txBody>
+        </p:sp>
+        <p:sp>
+          <p:nvSpPr>
+            <p:cNvPr id="1149" name="Rounded Rectangle 1148">
+              <a:extLst>
+                <a:ext uri="{FF2B5EF4-FFF2-40B4-BE49-F238E27FC236}">
+                  <a16:creationId xmlns:a16="http://schemas.microsoft.com/office/drawing/2014/main" id="{83B16845-3D52-E860-DFB7-2637B18F08A6}"/>
+                </a:ext>
+              </a:extLst>
+            </p:cNvPr>
+            <p:cNvSpPr/>
+            <p:nvPr/>
+          </p:nvSpPr>
+          <p:spPr>
+            <a:xfrm>
+              <a:off x="4557083" y="4622327"/>
+              <a:ext cx="153712" cy="159915"/>
+            </a:xfrm>
+            <a:prstGeom prst="roundRect">
+              <a:avLst/>
+            </a:prstGeom>
+            <a:solidFill>
+              <a:srgbClr val="595959"/>
+            </a:solidFill>
+            <a:ln>
+              <a:noFill/>
+            </a:ln>
+          </p:spPr>
+          <p:style>
+            <a:lnRef idx="2">
+              <a:schemeClr val="accent1">
+                <a:shade val="15000"/>
               </a:schemeClr>
             </a:lnRef>
             <a:fillRef idx="1">
@@ -5919,42 +6168,824 @@
             </a:p>
           </p:txBody>
         </p:sp>
+        <p:sp>
+          <p:nvSpPr>
+            <p:cNvPr id="1150" name="Rounded Rectangle 1149">
+              <a:extLst>
+                <a:ext uri="{FF2B5EF4-FFF2-40B4-BE49-F238E27FC236}">
+                  <a16:creationId xmlns:a16="http://schemas.microsoft.com/office/drawing/2014/main" id="{52118E07-DCB3-102D-7811-E3FDDA23D05A}"/>
+                </a:ext>
+              </a:extLst>
+            </p:cNvPr>
+            <p:cNvSpPr/>
+            <p:nvPr/>
+          </p:nvSpPr>
+          <p:spPr>
+            <a:xfrm>
+              <a:off x="2113636" y="4625614"/>
+              <a:ext cx="157762" cy="159915"/>
+            </a:xfrm>
+            <a:prstGeom prst="roundRect">
+              <a:avLst/>
+            </a:prstGeom>
+            <a:solidFill>
+              <a:srgbClr val="595959"/>
+            </a:solidFill>
+            <a:ln>
+              <a:noFill/>
+            </a:ln>
+          </p:spPr>
+          <p:style>
+            <a:lnRef idx="2">
+              <a:schemeClr val="accent1">
+                <a:shade val="15000"/>
+              </a:schemeClr>
+            </a:lnRef>
+            <a:fillRef idx="1">
+              <a:schemeClr val="accent1"/>
+            </a:fillRef>
+            <a:effectRef idx="0">
+              <a:schemeClr val="accent1"/>
+            </a:effectRef>
+            <a:fontRef idx="minor">
+              <a:schemeClr val="lt1"/>
+            </a:fontRef>
+          </p:style>
+          <p:txBody>
+            <a:bodyPr rtlCol="0" anchor="ctr"/>
+            <a:lstStyle/>
+            <a:p>
+              <a:pPr algn="ctr"/>
+              <a:endParaRPr lang="en-US"/>
+            </a:p>
+          </p:txBody>
+        </p:sp>
+        <p:sp>
+          <p:nvSpPr>
+            <p:cNvPr id="1152" name="Rounded Rectangle 1151">
+              <a:extLst>
+                <a:ext uri="{FF2B5EF4-FFF2-40B4-BE49-F238E27FC236}">
+                  <a16:creationId xmlns:a16="http://schemas.microsoft.com/office/drawing/2014/main" id="{4988F87D-DFF3-0A39-CB60-D571B89E5D20}"/>
+                </a:ext>
+              </a:extLst>
+            </p:cNvPr>
+            <p:cNvSpPr/>
+            <p:nvPr/>
+          </p:nvSpPr>
+          <p:spPr>
+            <a:xfrm>
+              <a:off x="2568878" y="4625614"/>
+              <a:ext cx="157762" cy="159915"/>
+            </a:xfrm>
+            <a:prstGeom prst="roundRect">
+              <a:avLst/>
+            </a:prstGeom>
+            <a:solidFill>
+              <a:srgbClr val="595959"/>
+            </a:solidFill>
+            <a:ln>
+              <a:noFill/>
+            </a:ln>
+          </p:spPr>
+          <p:style>
+            <a:lnRef idx="2">
+              <a:schemeClr val="accent1">
+                <a:shade val="15000"/>
+              </a:schemeClr>
+            </a:lnRef>
+            <a:fillRef idx="1">
+              <a:schemeClr val="accent1"/>
+            </a:fillRef>
+            <a:effectRef idx="0">
+              <a:schemeClr val="accent1"/>
+            </a:effectRef>
+            <a:fontRef idx="minor">
+              <a:schemeClr val="lt1"/>
+            </a:fontRef>
+          </p:style>
+          <p:txBody>
+            <a:bodyPr rtlCol="0" anchor="ctr"/>
+            <a:lstStyle/>
+            <a:p>
+              <a:pPr algn="ctr"/>
+              <a:endParaRPr lang="en-US"/>
+            </a:p>
+          </p:txBody>
+        </p:sp>
+        <p:sp>
+          <p:nvSpPr>
+            <p:cNvPr id="1156" name="Rounded Rectangle 1155">
+              <a:extLst>
+                <a:ext uri="{FF2B5EF4-FFF2-40B4-BE49-F238E27FC236}">
+                  <a16:creationId xmlns:a16="http://schemas.microsoft.com/office/drawing/2014/main" id="{0F52116E-B6C6-BAE4-3E6B-C94A0E8BFF1E}"/>
+                </a:ext>
+              </a:extLst>
+            </p:cNvPr>
+            <p:cNvSpPr/>
+            <p:nvPr/>
+          </p:nvSpPr>
+          <p:spPr>
+            <a:xfrm>
+              <a:off x="1019726" y="4622328"/>
+              <a:ext cx="157762" cy="159915"/>
+            </a:xfrm>
+            <a:prstGeom prst="roundRect">
+              <a:avLst/>
+            </a:prstGeom>
+            <a:solidFill>
+              <a:srgbClr val="595959"/>
+            </a:solidFill>
+            <a:ln>
+              <a:noFill/>
+            </a:ln>
+          </p:spPr>
+          <p:style>
+            <a:lnRef idx="2">
+              <a:schemeClr val="accent1">
+                <a:shade val="15000"/>
+              </a:schemeClr>
+            </a:lnRef>
+            <a:fillRef idx="1">
+              <a:schemeClr val="accent1"/>
+            </a:fillRef>
+            <a:effectRef idx="0">
+              <a:schemeClr val="accent1"/>
+            </a:effectRef>
+            <a:fontRef idx="minor">
+              <a:schemeClr val="lt1"/>
+            </a:fontRef>
+          </p:style>
+          <p:txBody>
+            <a:bodyPr rtlCol="0" anchor="ctr"/>
+            <a:lstStyle/>
+            <a:p>
+              <a:pPr algn="ctr"/>
+              <a:endParaRPr lang="en-US"/>
+            </a:p>
+          </p:txBody>
+        </p:sp>
+        <p:sp>
+          <p:nvSpPr>
+            <p:cNvPr id="1157" name="Rounded Rectangle 1156">
+              <a:extLst>
+                <a:ext uri="{FF2B5EF4-FFF2-40B4-BE49-F238E27FC236}">
+                  <a16:creationId xmlns:a16="http://schemas.microsoft.com/office/drawing/2014/main" id="{93EB88C5-992E-B3AC-8654-2627ADD15F5D}"/>
+                </a:ext>
+              </a:extLst>
+            </p:cNvPr>
+            <p:cNvSpPr/>
+            <p:nvPr/>
+          </p:nvSpPr>
+          <p:spPr>
+            <a:xfrm>
+              <a:off x="1695758" y="4622328"/>
+              <a:ext cx="157762" cy="159915"/>
+            </a:xfrm>
+            <a:prstGeom prst="roundRect">
+              <a:avLst/>
+            </a:prstGeom>
+            <a:solidFill>
+              <a:srgbClr val="595959"/>
+            </a:solidFill>
+            <a:ln>
+              <a:noFill/>
+            </a:ln>
+          </p:spPr>
+          <p:style>
+            <a:lnRef idx="2">
+              <a:schemeClr val="accent1">
+                <a:shade val="15000"/>
+              </a:schemeClr>
+            </a:lnRef>
+            <a:fillRef idx="1">
+              <a:schemeClr val="accent1"/>
+            </a:fillRef>
+            <a:effectRef idx="0">
+              <a:schemeClr val="accent1"/>
+            </a:effectRef>
+            <a:fontRef idx="minor">
+              <a:schemeClr val="lt1"/>
+            </a:fontRef>
+          </p:style>
+          <p:txBody>
+            <a:bodyPr rtlCol="0" anchor="ctr"/>
+            <a:lstStyle/>
+            <a:p>
+              <a:pPr algn="ctr"/>
+              <a:endParaRPr lang="en-US"/>
+            </a:p>
+          </p:txBody>
+        </p:sp>
+        <p:sp>
+          <p:nvSpPr>
+            <p:cNvPr id="1162" name="Rounded Rectangle 1161">
+              <a:extLst>
+                <a:ext uri="{FF2B5EF4-FFF2-40B4-BE49-F238E27FC236}">
+                  <a16:creationId xmlns:a16="http://schemas.microsoft.com/office/drawing/2014/main" id="{1021ADF0-CEA7-99A4-8455-F1DDCBE933F1}"/>
+                </a:ext>
+              </a:extLst>
+            </p:cNvPr>
+            <p:cNvSpPr/>
+            <p:nvPr/>
+          </p:nvSpPr>
+          <p:spPr>
+            <a:xfrm>
+              <a:off x="918754" y="4555461"/>
+              <a:ext cx="3880368" cy="298626"/>
+            </a:xfrm>
+            <a:prstGeom prst="roundRect">
+              <a:avLst/>
+            </a:prstGeom>
+            <a:solidFill>
+              <a:schemeClr val="bg1">
+                <a:alpha val="0"/>
+              </a:schemeClr>
+            </a:solidFill>
+            <a:ln w="25400">
+              <a:solidFill>
+                <a:srgbClr val="404040"/>
+              </a:solidFill>
+            </a:ln>
+          </p:spPr>
+          <p:style>
+            <a:lnRef idx="2">
+              <a:schemeClr val="accent1">
+                <a:shade val="15000"/>
+              </a:schemeClr>
+            </a:lnRef>
+            <a:fillRef idx="1">
+              <a:schemeClr val="accent1"/>
+            </a:fillRef>
+            <a:effectRef idx="0">
+              <a:schemeClr val="accent1"/>
+            </a:effectRef>
+            <a:fontRef idx="minor">
+              <a:schemeClr val="lt1"/>
+            </a:fontRef>
+          </p:style>
+          <p:txBody>
+            <a:bodyPr rtlCol="0" anchor="ctr"/>
+            <a:lstStyle/>
+            <a:p>
+              <a:pPr algn="ctr"/>
+              <a:endParaRPr lang="en-US"/>
+            </a:p>
+          </p:txBody>
+        </p:sp>
+      </p:grpSp>
+      <p:sp>
+        <p:nvSpPr>
+          <p:cNvPr id="1185" name="TextBox 1184">
+            <a:extLst>
+              <a:ext uri="{FF2B5EF4-FFF2-40B4-BE49-F238E27FC236}">
+                <a16:creationId xmlns:a16="http://schemas.microsoft.com/office/drawing/2014/main" id="{E74B19F1-13E6-3B3B-B7CF-253063EA188F}"/>
+              </a:ext>
+            </a:extLst>
+          </p:cNvPr>
+          <p:cNvSpPr txBox="1"/>
+          <p:nvPr/>
+        </p:nvSpPr>
+        <p:spPr>
+          <a:xfrm>
+            <a:off x="226826" y="1346173"/>
+            <a:ext cx="502408" cy="400110"/>
+          </a:xfrm>
+          <a:prstGeom prst="rect">
+            <a:avLst/>
+          </a:prstGeom>
+          <a:noFill/>
+        </p:spPr>
+        <p:txBody>
+          <a:bodyPr wrap="square">
+            <a:spAutoFit/>
+          </a:bodyPr>
+          <a:lstStyle/>
+          <a:p>
+            <a:r>
+              <a:rPr lang="en-US" sz="2000" dirty="0"/>
+              <a:t>③</a:t>
+            </a:r>
+          </a:p>
+        </p:txBody>
+      </p:sp>
+      <p:sp>
+        <p:nvSpPr>
+          <p:cNvPr id="1189" name="TextBox 1188">
+            <a:extLst>
+              <a:ext uri="{FF2B5EF4-FFF2-40B4-BE49-F238E27FC236}">
+                <a16:creationId xmlns:a16="http://schemas.microsoft.com/office/drawing/2014/main" id="{7C2A484B-E1B3-0ED4-F73B-1FE43B8B2B4F}"/>
+              </a:ext>
+            </a:extLst>
+          </p:cNvPr>
+          <p:cNvSpPr txBox="1"/>
+          <p:nvPr/>
+        </p:nvSpPr>
+        <p:spPr>
+          <a:xfrm>
+            <a:off x="7477961" y="6206505"/>
+            <a:ext cx="489749" cy="400110"/>
+          </a:xfrm>
+          <a:prstGeom prst="rect">
+            <a:avLst/>
+          </a:prstGeom>
+          <a:noFill/>
+        </p:spPr>
+        <p:txBody>
+          <a:bodyPr wrap="square">
+            <a:spAutoFit/>
+          </a:bodyPr>
+          <a:lstStyle/>
+          <a:p>
+            <a:r>
+              <a:rPr lang="en-US" sz="2000" dirty="0">
+                <a:cs typeface="Calibri" panose="020F0502020204030204" pitchFamily="34" charset="0"/>
+              </a:rPr>
+              <a:t>⑥</a:t>
+            </a:r>
+            <a:endParaRPr lang="en-US" dirty="0">
+              <a:cs typeface="Calibri" panose="020F0502020204030204" pitchFamily="34" charset="0"/>
+            </a:endParaRPr>
+          </a:p>
+        </p:txBody>
+      </p:sp>
+      <p:grpSp>
+        <p:nvGrpSpPr>
+          <p:cNvPr id="1190" name="Group 1189">
+            <a:extLst>
+              <a:ext uri="{FF2B5EF4-FFF2-40B4-BE49-F238E27FC236}">
+                <a16:creationId xmlns:a16="http://schemas.microsoft.com/office/drawing/2014/main" id="{7C416E1E-194E-A9D4-0792-7A56EF7CE18F}"/>
+              </a:ext>
+            </a:extLst>
+          </p:cNvPr>
+          <p:cNvGrpSpPr/>
+          <p:nvPr/>
+        </p:nvGrpSpPr>
+        <p:grpSpPr>
+          <a:xfrm rot="16200000">
+            <a:off x="294689" y="2842696"/>
+            <a:ext cx="3880368" cy="927739"/>
+            <a:chOff x="918754" y="4555461"/>
+            <a:chExt cx="3880368" cy="927739"/>
+          </a:xfrm>
+        </p:grpSpPr>
         <p:pic>
           <p:nvPicPr>
-            <p:cNvPr id="1123" name="Graphic 1122" descr="Settings outline">
+            <p:cNvPr id="1191" name="Picture 10" descr="undefined">
               <a:extLst>
                 <a:ext uri="{FF2B5EF4-FFF2-40B4-BE49-F238E27FC236}">
-                  <a16:creationId xmlns:a16="http://schemas.microsoft.com/office/drawing/2014/main" id="{088F0656-64FD-C3E4-F6F8-82580007424E}"/>
+                  <a16:creationId xmlns:a16="http://schemas.microsoft.com/office/drawing/2014/main" id="{7113F51C-16A2-75B1-B8F0-0334C13F4013}"/>
                 </a:ext>
               </a:extLst>
             </p:cNvPr>
             <p:cNvPicPr>
-              <a:picLocks noChangeAspect="1"/>
+              <a:picLocks noChangeAspect="1" noChangeArrowheads="1"/>
             </p:cNvPicPr>
             <p:nvPr/>
           </p:nvPicPr>
-          <p:blipFill>
-            <a:blip r:embed="rId23">
+          <p:blipFill rotWithShape="1">
+            <a:blip r:embed="rId25">
               <a:extLst>
-                <a:ext uri="{96DAC541-7B7A-43D3-8B79-37D633B846F1}">
-                  <asvg:svgBlip xmlns:asvg="http://schemas.microsoft.com/office/drawing/2016/SVG/main" r:embed="rId24"/>
+                <a:ext uri="{28A0092B-C50C-407E-A947-70E740481C1C}">
+                  <a14:useLocalDpi xmlns:a14="http://schemas.microsoft.com/office/drawing/2010/main" val="0"/>
                 </a:ext>
               </a:extLst>
             </a:blip>
-            <a:stretch>
-              <a:fillRect/>
-            </a:stretch>
+            <a:srcRect l="10177" t="50000" r="14039" b="12010"/>
+            <a:stretch/>
           </p:blipFill>
-          <p:spPr>
+          <p:spPr bwMode="auto">
             <a:xfrm>
-              <a:off x="9940185" y="4906091"/>
-              <a:ext cx="1013956" cy="1013956"/>
+              <a:off x="1023814" y="4849053"/>
+              <a:ext cx="3668965" cy="634147"/>
             </a:xfrm>
             <a:prstGeom prst="rect">
               <a:avLst/>
             </a:prstGeom>
+            <a:solidFill>
+              <a:schemeClr val="bg1"/>
+            </a:solidFill>
           </p:spPr>
         </p:pic>
+        <p:sp>
+          <p:nvSpPr>
+            <p:cNvPr id="1192" name="Rounded Rectangle 1191">
+              <a:extLst>
+                <a:ext uri="{FF2B5EF4-FFF2-40B4-BE49-F238E27FC236}">
+                  <a16:creationId xmlns:a16="http://schemas.microsoft.com/office/drawing/2014/main" id="{21C4555B-ECF3-E6D2-89C0-1AE174AB7893}"/>
+                </a:ext>
+              </a:extLst>
+            </p:cNvPr>
+            <p:cNvSpPr/>
+            <p:nvPr/>
+          </p:nvSpPr>
+          <p:spPr>
+            <a:xfrm>
+              <a:off x="3449672" y="4622328"/>
+              <a:ext cx="157762" cy="159915"/>
+            </a:xfrm>
+            <a:prstGeom prst="roundRect">
+              <a:avLst/>
+            </a:prstGeom>
+            <a:solidFill>
+              <a:srgbClr val="595959"/>
+            </a:solidFill>
+            <a:ln>
+              <a:noFill/>
+            </a:ln>
+          </p:spPr>
+          <p:style>
+            <a:lnRef idx="2">
+              <a:schemeClr val="accent1">
+                <a:shade val="15000"/>
+              </a:schemeClr>
+            </a:lnRef>
+            <a:fillRef idx="1">
+              <a:schemeClr val="accent1"/>
+            </a:fillRef>
+            <a:effectRef idx="0">
+              <a:schemeClr val="accent1"/>
+            </a:effectRef>
+            <a:fontRef idx="minor">
+              <a:schemeClr val="lt1"/>
+            </a:fontRef>
+          </p:style>
+          <p:txBody>
+            <a:bodyPr rtlCol="0" anchor="ctr"/>
+            <a:lstStyle/>
+            <a:p>
+              <a:pPr algn="ctr"/>
+              <a:endParaRPr lang="en-US"/>
+            </a:p>
+          </p:txBody>
+        </p:sp>
+        <p:sp>
+          <p:nvSpPr>
+            <p:cNvPr id="1193" name="Rounded Rectangle 1192">
+              <a:extLst>
+                <a:ext uri="{FF2B5EF4-FFF2-40B4-BE49-F238E27FC236}">
+                  <a16:creationId xmlns:a16="http://schemas.microsoft.com/office/drawing/2014/main" id="{77F5522B-64F4-10EE-DB2E-C59394D9A639}"/>
+                </a:ext>
+              </a:extLst>
+            </p:cNvPr>
+            <p:cNvSpPr/>
+            <p:nvPr/>
+          </p:nvSpPr>
+          <p:spPr>
+            <a:xfrm>
+              <a:off x="3863778" y="4622328"/>
+              <a:ext cx="157762" cy="159915"/>
+            </a:xfrm>
+            <a:prstGeom prst="roundRect">
+              <a:avLst/>
+            </a:prstGeom>
+            <a:solidFill>
+              <a:srgbClr val="595959"/>
+            </a:solidFill>
+            <a:ln>
+              <a:noFill/>
+            </a:ln>
+          </p:spPr>
+          <p:style>
+            <a:lnRef idx="2">
+              <a:schemeClr val="accent1">
+                <a:shade val="15000"/>
+              </a:schemeClr>
+            </a:lnRef>
+            <a:fillRef idx="1">
+              <a:schemeClr val="accent1"/>
+            </a:fillRef>
+            <a:effectRef idx="0">
+              <a:schemeClr val="accent1"/>
+            </a:effectRef>
+            <a:fontRef idx="minor">
+              <a:schemeClr val="lt1"/>
+            </a:fontRef>
+          </p:style>
+          <p:txBody>
+            <a:bodyPr rtlCol="0" anchor="ctr"/>
+            <a:lstStyle/>
+            <a:p>
+              <a:pPr algn="ctr"/>
+              <a:endParaRPr lang="en-US"/>
+            </a:p>
+          </p:txBody>
+        </p:sp>
+        <p:sp>
+          <p:nvSpPr>
+            <p:cNvPr id="1194" name="Rounded Rectangle 1193">
+              <a:extLst>
+                <a:ext uri="{FF2B5EF4-FFF2-40B4-BE49-F238E27FC236}">
+                  <a16:creationId xmlns:a16="http://schemas.microsoft.com/office/drawing/2014/main" id="{9A2ED0C9-D5D0-7C61-7179-6FEB4E4919D0}"/>
+                </a:ext>
+              </a:extLst>
+            </p:cNvPr>
+            <p:cNvSpPr/>
+            <p:nvPr/>
+          </p:nvSpPr>
+          <p:spPr>
+            <a:xfrm>
+              <a:off x="4557083" y="4622327"/>
+              <a:ext cx="153712" cy="159915"/>
+            </a:xfrm>
+            <a:prstGeom prst="roundRect">
+              <a:avLst/>
+            </a:prstGeom>
+            <a:solidFill>
+              <a:srgbClr val="595959"/>
+            </a:solidFill>
+            <a:ln>
+              <a:noFill/>
+            </a:ln>
+          </p:spPr>
+          <p:style>
+            <a:lnRef idx="2">
+              <a:schemeClr val="accent1">
+                <a:shade val="15000"/>
+              </a:schemeClr>
+            </a:lnRef>
+            <a:fillRef idx="1">
+              <a:schemeClr val="accent1"/>
+            </a:fillRef>
+            <a:effectRef idx="0">
+              <a:schemeClr val="accent1"/>
+            </a:effectRef>
+            <a:fontRef idx="minor">
+              <a:schemeClr val="lt1"/>
+            </a:fontRef>
+          </p:style>
+          <p:txBody>
+            <a:bodyPr rtlCol="0" anchor="ctr"/>
+            <a:lstStyle/>
+            <a:p>
+              <a:pPr algn="ctr"/>
+              <a:endParaRPr lang="en-US" dirty="0"/>
+            </a:p>
+          </p:txBody>
+        </p:sp>
+        <p:sp>
+          <p:nvSpPr>
+            <p:cNvPr id="1195" name="Rounded Rectangle 1194">
+              <a:extLst>
+                <a:ext uri="{FF2B5EF4-FFF2-40B4-BE49-F238E27FC236}">
+                  <a16:creationId xmlns:a16="http://schemas.microsoft.com/office/drawing/2014/main" id="{53F69AAE-C82F-CF4F-5089-C0CF096276E6}"/>
+                </a:ext>
+              </a:extLst>
+            </p:cNvPr>
+            <p:cNvSpPr/>
+            <p:nvPr/>
+          </p:nvSpPr>
+          <p:spPr>
+            <a:xfrm>
+              <a:off x="2113636" y="4625614"/>
+              <a:ext cx="157762" cy="159915"/>
+            </a:xfrm>
+            <a:prstGeom prst="roundRect">
+              <a:avLst/>
+            </a:prstGeom>
+            <a:solidFill>
+              <a:srgbClr val="595959"/>
+            </a:solidFill>
+            <a:ln>
+              <a:noFill/>
+            </a:ln>
+          </p:spPr>
+          <p:style>
+            <a:lnRef idx="2">
+              <a:schemeClr val="accent1">
+                <a:shade val="15000"/>
+              </a:schemeClr>
+            </a:lnRef>
+            <a:fillRef idx="1">
+              <a:schemeClr val="accent1"/>
+            </a:fillRef>
+            <a:effectRef idx="0">
+              <a:schemeClr val="accent1"/>
+            </a:effectRef>
+            <a:fontRef idx="minor">
+              <a:schemeClr val="lt1"/>
+            </a:fontRef>
+          </p:style>
+          <p:txBody>
+            <a:bodyPr rtlCol="0" anchor="ctr"/>
+            <a:lstStyle/>
+            <a:p>
+              <a:pPr algn="ctr"/>
+              <a:endParaRPr lang="en-US"/>
+            </a:p>
+          </p:txBody>
+        </p:sp>
+        <p:sp>
+          <p:nvSpPr>
+            <p:cNvPr id="1196" name="Rounded Rectangle 1195">
+              <a:extLst>
+                <a:ext uri="{FF2B5EF4-FFF2-40B4-BE49-F238E27FC236}">
+                  <a16:creationId xmlns:a16="http://schemas.microsoft.com/office/drawing/2014/main" id="{D4ED0F39-DCC6-69D2-7655-7FB10AF91C27}"/>
+                </a:ext>
+              </a:extLst>
+            </p:cNvPr>
+            <p:cNvSpPr/>
+            <p:nvPr/>
+          </p:nvSpPr>
+          <p:spPr>
+            <a:xfrm>
+              <a:off x="2568878" y="4625614"/>
+              <a:ext cx="157762" cy="159915"/>
+            </a:xfrm>
+            <a:prstGeom prst="roundRect">
+              <a:avLst/>
+            </a:prstGeom>
+            <a:solidFill>
+              <a:srgbClr val="595959"/>
+            </a:solidFill>
+            <a:ln>
+              <a:noFill/>
+            </a:ln>
+          </p:spPr>
+          <p:style>
+            <a:lnRef idx="2">
+              <a:schemeClr val="accent1">
+                <a:shade val="15000"/>
+              </a:schemeClr>
+            </a:lnRef>
+            <a:fillRef idx="1">
+              <a:schemeClr val="accent1"/>
+            </a:fillRef>
+            <a:effectRef idx="0">
+              <a:schemeClr val="accent1"/>
+            </a:effectRef>
+            <a:fontRef idx="minor">
+              <a:schemeClr val="lt1"/>
+            </a:fontRef>
+          </p:style>
+          <p:txBody>
+            <a:bodyPr rtlCol="0" anchor="ctr"/>
+            <a:lstStyle/>
+            <a:p>
+              <a:pPr algn="ctr"/>
+              <a:endParaRPr lang="en-US"/>
+            </a:p>
+          </p:txBody>
+        </p:sp>
+        <p:sp>
+          <p:nvSpPr>
+            <p:cNvPr id="1197" name="Rounded Rectangle 1196">
+              <a:extLst>
+                <a:ext uri="{FF2B5EF4-FFF2-40B4-BE49-F238E27FC236}">
+                  <a16:creationId xmlns:a16="http://schemas.microsoft.com/office/drawing/2014/main" id="{8A963657-2480-3170-BE89-9E21D9D5D495}"/>
+                </a:ext>
+              </a:extLst>
+            </p:cNvPr>
+            <p:cNvSpPr/>
+            <p:nvPr/>
+          </p:nvSpPr>
+          <p:spPr>
+            <a:xfrm>
+              <a:off x="1019726" y="4622328"/>
+              <a:ext cx="157762" cy="159915"/>
+            </a:xfrm>
+            <a:prstGeom prst="roundRect">
+              <a:avLst/>
+            </a:prstGeom>
+            <a:solidFill>
+              <a:srgbClr val="595959"/>
+            </a:solidFill>
+            <a:ln>
+              <a:noFill/>
+            </a:ln>
+          </p:spPr>
+          <p:style>
+            <a:lnRef idx="2">
+              <a:schemeClr val="accent1">
+                <a:shade val="15000"/>
+              </a:schemeClr>
+            </a:lnRef>
+            <a:fillRef idx="1">
+              <a:schemeClr val="accent1"/>
+            </a:fillRef>
+            <a:effectRef idx="0">
+              <a:schemeClr val="accent1"/>
+            </a:effectRef>
+            <a:fontRef idx="minor">
+              <a:schemeClr val="lt1"/>
+            </a:fontRef>
+          </p:style>
+          <p:txBody>
+            <a:bodyPr rtlCol="0" anchor="ctr"/>
+            <a:lstStyle/>
+            <a:p>
+              <a:pPr algn="ctr"/>
+              <a:endParaRPr lang="en-US"/>
+            </a:p>
+          </p:txBody>
+        </p:sp>
+        <p:sp>
+          <p:nvSpPr>
+            <p:cNvPr id="1198" name="Rounded Rectangle 1197">
+              <a:extLst>
+                <a:ext uri="{FF2B5EF4-FFF2-40B4-BE49-F238E27FC236}">
+                  <a16:creationId xmlns:a16="http://schemas.microsoft.com/office/drawing/2014/main" id="{D2A6A1ED-85F6-3819-BAC9-A233582F1FA0}"/>
+                </a:ext>
+              </a:extLst>
+            </p:cNvPr>
+            <p:cNvSpPr/>
+            <p:nvPr/>
+          </p:nvSpPr>
+          <p:spPr>
+            <a:xfrm>
+              <a:off x="1695758" y="4622328"/>
+              <a:ext cx="157762" cy="159915"/>
+            </a:xfrm>
+            <a:prstGeom prst="roundRect">
+              <a:avLst/>
+            </a:prstGeom>
+            <a:solidFill>
+              <a:srgbClr val="595959"/>
+            </a:solidFill>
+            <a:ln>
+              <a:noFill/>
+            </a:ln>
+          </p:spPr>
+          <p:style>
+            <a:lnRef idx="2">
+              <a:schemeClr val="accent1">
+                <a:shade val="15000"/>
+              </a:schemeClr>
+            </a:lnRef>
+            <a:fillRef idx="1">
+              <a:schemeClr val="accent1"/>
+            </a:fillRef>
+            <a:effectRef idx="0">
+              <a:schemeClr val="accent1"/>
+            </a:effectRef>
+            <a:fontRef idx="minor">
+              <a:schemeClr val="lt1"/>
+            </a:fontRef>
+          </p:style>
+          <p:txBody>
+            <a:bodyPr rtlCol="0" anchor="ctr"/>
+            <a:lstStyle/>
+            <a:p>
+              <a:pPr algn="ctr"/>
+              <a:endParaRPr lang="en-US"/>
+            </a:p>
+          </p:txBody>
+        </p:sp>
+        <p:sp>
+          <p:nvSpPr>
+            <p:cNvPr id="1199" name="Rounded Rectangle 1198">
+              <a:extLst>
+                <a:ext uri="{FF2B5EF4-FFF2-40B4-BE49-F238E27FC236}">
+                  <a16:creationId xmlns:a16="http://schemas.microsoft.com/office/drawing/2014/main" id="{89DBFF0D-B1C2-4948-3600-831591DAD25B}"/>
+                </a:ext>
+              </a:extLst>
+            </p:cNvPr>
+            <p:cNvSpPr/>
+            <p:nvPr/>
+          </p:nvSpPr>
+          <p:spPr>
+            <a:xfrm>
+              <a:off x="918754" y="4555461"/>
+              <a:ext cx="3880368" cy="298626"/>
+            </a:xfrm>
+            <a:prstGeom prst="roundRect">
+              <a:avLst/>
+            </a:prstGeom>
+            <a:solidFill>
+              <a:schemeClr val="bg1">
+                <a:alpha val="0"/>
+              </a:schemeClr>
+            </a:solidFill>
+            <a:ln w="25400">
+              <a:solidFill>
+                <a:srgbClr val="404040"/>
+              </a:solidFill>
+            </a:ln>
+          </p:spPr>
+          <p:style>
+            <a:lnRef idx="2">
+              <a:schemeClr val="accent1">
+                <a:shade val="15000"/>
+              </a:schemeClr>
+            </a:lnRef>
+            <a:fillRef idx="1">
+              <a:schemeClr val="accent1"/>
+            </a:fillRef>
+            <a:effectRef idx="0">
+              <a:schemeClr val="accent1"/>
+            </a:effectRef>
+            <a:fontRef idx="minor">
+              <a:schemeClr val="lt1"/>
+            </a:fontRef>
+          </p:style>
+          <p:txBody>
+            <a:bodyPr rtlCol="0" anchor="ctr"/>
+            <a:lstStyle/>
+            <a:p>
+              <a:pPr algn="ctr"/>
+              <a:endParaRPr lang="en-US"/>
+            </a:p>
+          </p:txBody>
+        </p:sp>
       </p:grpSp>
     </p:spTree>
     <p:extLst>
@@ -5972,7 +7003,7 @@
 <file path=ppt/theme/theme1.xml><?xml version="1.0" encoding="utf-8"?>
 <a:theme xmlns:a="http://schemas.openxmlformats.org/drawingml/2006/main" name="Office Theme">
   <a:themeElements>
-    <a:clrScheme name="Office">
+    <a:clrScheme name="Office Theme">
       <a:dk1>
         <a:sysClr val="windowText" lastClr="000000"/>
       </a:dk1>
@@ -6010,7 +7041,7 @@
         <a:srgbClr val="954F72"/>
       </a:folHlink>
     </a:clrScheme>
-    <a:fontScheme name="Office">
+    <a:fontScheme name="Office Theme">
       <a:majorFont>
         <a:latin typeface="Calibri Light" panose="020F0302020204030204"/>
         <a:ea typeface=""/>
@@ -6045,23 +7076,6 @@
         <a:font script="Viet" typeface="Times New Roman"/>
         <a:font script="Uigh" typeface="Microsoft Uighur"/>
         <a:font script="Geor" typeface="Sylfaen"/>
-        <a:font script="Armn" typeface="Arial"/>
-        <a:font script="Bugi" typeface="Leelawadee UI"/>
-        <a:font script="Bopo" typeface="Microsoft JhengHei"/>
-        <a:font script="Java" typeface="Javanese Text"/>
-        <a:font script="Lisu" typeface="Segoe UI"/>
-        <a:font script="Mymr" typeface="Myanmar Text"/>
-        <a:font script="Nkoo" typeface="Ebrima"/>
-        <a:font script="Olck" typeface="Nirmala UI"/>
-        <a:font script="Osma" typeface="Ebrima"/>
-        <a:font script="Phag" typeface="Phagspa"/>
-        <a:font script="Syrn" typeface="Estrangelo Edessa"/>
-        <a:font script="Syrj" typeface="Estrangelo Edessa"/>
-        <a:font script="Syre" typeface="Estrangelo Edessa"/>
-        <a:font script="Sora" typeface="Nirmala UI"/>
-        <a:font script="Tale" typeface="Microsoft Tai Le"/>
-        <a:font script="Talu" typeface="Microsoft New Tai Lue"/>
-        <a:font script="Tfng" typeface="Ebrima"/>
       </a:majorFont>
       <a:minorFont>
         <a:latin typeface="Calibri" panose="020F0502020204030204"/>
@@ -6097,26 +7111,9 @@
         <a:font script="Viet" typeface="Arial"/>
         <a:font script="Uigh" typeface="Microsoft Uighur"/>
         <a:font script="Geor" typeface="Sylfaen"/>
-        <a:font script="Armn" typeface="Arial"/>
-        <a:font script="Bugi" typeface="Leelawadee UI"/>
-        <a:font script="Bopo" typeface="Microsoft JhengHei"/>
-        <a:font script="Java" typeface="Javanese Text"/>
-        <a:font script="Lisu" typeface="Segoe UI"/>
-        <a:font script="Mymr" typeface="Myanmar Text"/>
-        <a:font script="Nkoo" typeface="Ebrima"/>
-        <a:font script="Olck" typeface="Nirmala UI"/>
-        <a:font script="Osma" typeface="Ebrima"/>
-        <a:font script="Phag" typeface="Phagspa"/>
-        <a:font script="Syrn" typeface="Estrangelo Edessa"/>
-        <a:font script="Syrj" typeface="Estrangelo Edessa"/>
-        <a:font script="Syre" typeface="Estrangelo Edessa"/>
-        <a:font script="Sora" typeface="Nirmala UI"/>
-        <a:font script="Tale" typeface="Microsoft Tai Le"/>
-        <a:font script="Talu" typeface="Microsoft New Tai Lue"/>
-        <a:font script="Tfng" typeface="Ebrima"/>
       </a:minorFont>
     </a:fontScheme>
-    <a:fmtScheme name="Office">
+    <a:fmtScheme name="Office Theme">
       <a:fillStyleLst>
         <a:solidFill>
           <a:schemeClr val="phClr"/>
@@ -6258,7 +7255,7 @@
   <a:extraClrSchemeLst/>
   <a:extLst>
     <a:ext uri="{05A4C25C-085E-4340-85A3-A5531E510DB2}">
-      <thm15:themeFamily xmlns:thm15="http://schemas.microsoft.com/office/thememl/2012/main" name="Office Theme" id="{62F939B6-93AF-4DB8-9C6B-D6C7DFDC589F}" vid="{4A3C46E8-61CC-4603-A589-7422A47A8E4A}"/>
+      <thm15:themeFamily xmlns:thm15="http://schemas.microsoft.com/office/thememl/2012/main" name="Office Theme 2013 - 2022" id="{62F939B6-93AF-4DB8-9C6B-D6C7DFDC589F}" vid="{4A3C46E8-61CC-4603-A589-7422A47A8E4A}"/>
     </a:ext>
   </a:extLst>
 </a:theme>

--- a/latex/popl2024/architecture_overview.pptx
+++ b/latex/popl2024/architecture_overview.pptx
@@ -197,7 +197,7 @@
           <a:p>
             <a:fld id="{4BCF36D4-1A3D-FF49-BD9D-8E92502A3136}" type="datetimeFigureOut">
               <a:rPr lang="en-US" smtClean="0"/>
-              <a:t>7/3/23</a:t>
+              <a:t>7/10/23</a:t>
             </a:fld>
             <a:endParaRPr lang="en-US"/>
           </a:p>
@@ -513,7 +513,7 @@
           <a:bodyPr/>
           <a:lstStyle/>
           <a:p>
-            <a:endParaRPr lang="en-US" dirty="0"/>
+            <a:endParaRPr lang="en-US"/>
           </a:p>
         </p:txBody>
       </p:sp>
@@ -684,7 +684,7 @@
           <a:p>
             <a:fld id="{4B75BEB6-BBAC-A946-9A0D-CADA25585596}" type="datetimeFigureOut">
               <a:rPr lang="en-US" smtClean="0"/>
-              <a:t>7/3/23</a:t>
+              <a:t>7/10/23</a:t>
             </a:fld>
             <a:endParaRPr lang="en-US"/>
           </a:p>
@@ -854,7 +854,7 @@
           <a:p>
             <a:fld id="{4B75BEB6-BBAC-A946-9A0D-CADA25585596}" type="datetimeFigureOut">
               <a:rPr lang="en-US" smtClean="0"/>
-              <a:t>7/3/23</a:t>
+              <a:t>7/10/23</a:t>
             </a:fld>
             <a:endParaRPr lang="en-US"/>
           </a:p>
@@ -1034,7 +1034,7 @@
           <a:p>
             <a:fld id="{4B75BEB6-BBAC-A946-9A0D-CADA25585596}" type="datetimeFigureOut">
               <a:rPr lang="en-US" smtClean="0"/>
-              <a:t>7/3/23</a:t>
+              <a:t>7/10/23</a:t>
             </a:fld>
             <a:endParaRPr lang="en-US"/>
           </a:p>
@@ -1204,7 +1204,7 @@
           <a:p>
             <a:fld id="{4B75BEB6-BBAC-A946-9A0D-CADA25585596}" type="datetimeFigureOut">
               <a:rPr lang="en-US" smtClean="0"/>
-              <a:t>7/3/23</a:t>
+              <a:t>7/10/23</a:t>
             </a:fld>
             <a:endParaRPr lang="en-US"/>
           </a:p>
@@ -1450,7 +1450,7 @@
           <a:p>
             <a:fld id="{4B75BEB6-BBAC-A946-9A0D-CADA25585596}" type="datetimeFigureOut">
               <a:rPr lang="en-US" smtClean="0"/>
-              <a:t>7/3/23</a:t>
+              <a:t>7/10/23</a:t>
             </a:fld>
             <a:endParaRPr lang="en-US"/>
           </a:p>
@@ -1682,7 +1682,7 @@
           <a:p>
             <a:fld id="{4B75BEB6-BBAC-A946-9A0D-CADA25585596}" type="datetimeFigureOut">
               <a:rPr lang="en-US" smtClean="0"/>
-              <a:t>7/3/23</a:t>
+              <a:t>7/10/23</a:t>
             </a:fld>
             <a:endParaRPr lang="en-US"/>
           </a:p>
@@ -2049,7 +2049,7 @@
           <a:p>
             <a:fld id="{4B75BEB6-BBAC-A946-9A0D-CADA25585596}" type="datetimeFigureOut">
               <a:rPr lang="en-US" smtClean="0"/>
-              <a:t>7/3/23</a:t>
+              <a:t>7/10/23</a:t>
             </a:fld>
             <a:endParaRPr lang="en-US"/>
           </a:p>
@@ -2167,7 +2167,7 @@
           <a:p>
             <a:fld id="{4B75BEB6-BBAC-A946-9A0D-CADA25585596}" type="datetimeFigureOut">
               <a:rPr lang="en-US" smtClean="0"/>
-              <a:t>7/3/23</a:t>
+              <a:t>7/10/23</a:t>
             </a:fld>
             <a:endParaRPr lang="en-US"/>
           </a:p>
@@ -2262,7 +2262,7 @@
           <a:p>
             <a:fld id="{4B75BEB6-BBAC-A946-9A0D-CADA25585596}" type="datetimeFigureOut">
               <a:rPr lang="en-US" smtClean="0"/>
-              <a:t>7/3/23</a:t>
+              <a:t>7/10/23</a:t>
             </a:fld>
             <a:endParaRPr lang="en-US"/>
           </a:p>
@@ -2539,7 +2539,7 @@
           <a:p>
             <a:fld id="{4B75BEB6-BBAC-A946-9A0D-CADA25585596}" type="datetimeFigureOut">
               <a:rPr lang="en-US" smtClean="0"/>
-              <a:t>7/3/23</a:t>
+              <a:t>7/10/23</a:t>
             </a:fld>
             <a:endParaRPr lang="en-US"/>
           </a:p>
@@ -2710,7 +2710,6 @@
               <a:rPr lang="en-US"/>
               <a:t>Click icon to add picture</a:t>
             </a:r>
-            <a:endParaRPr lang="en-US" dirty="0"/>
           </a:p>
         </p:txBody>
       </p:sp>
@@ -2796,7 +2795,7 @@
           <a:p>
             <a:fld id="{4B75BEB6-BBAC-A946-9A0D-CADA25585596}" type="datetimeFigureOut">
               <a:rPr lang="en-US" smtClean="0"/>
-              <a:t>7/3/23</a:t>
+              <a:t>7/10/23</a:t>
             </a:fld>
             <a:endParaRPr lang="en-US"/>
           </a:p>
@@ -3009,7 +3008,7 @@
           <a:p>
             <a:fld id="{4B75BEB6-BBAC-A946-9A0D-CADA25585596}" type="datetimeFigureOut">
               <a:rPr lang="en-US" smtClean="0"/>
-              <a:t>7/3/23</a:t>
+              <a:t>7/10/23</a:t>
             </a:fld>
             <a:endParaRPr lang="en-US"/>
           </a:p>
@@ -3428,7 +3427,7 @@
         </p:nvSpPr>
         <p:spPr>
           <a:xfrm>
-            <a:off x="9747037" y="1241922"/>
+            <a:off x="9667525" y="1196202"/>
             <a:ext cx="3458313" cy="400110"/>
           </a:xfrm>
           <a:prstGeom prst="rect">
@@ -3481,7 +3480,7 @@
         </p:blipFill>
         <p:spPr>
           <a:xfrm>
-            <a:off x="4466433" y="3329223"/>
+            <a:off x="4386921" y="3283503"/>
             <a:ext cx="1961045" cy="1961045"/>
           </a:xfrm>
           <a:prstGeom prst="rect">
@@ -3505,7 +3504,7 @@
         </p:nvCxnSpPr>
         <p:spPr>
           <a:xfrm>
-            <a:off x="5446944" y="1011180"/>
+            <a:off x="5367432" y="965460"/>
             <a:ext cx="0" cy="476250"/>
           </a:xfrm>
           <a:prstGeom prst="straightConnector1">
@@ -3551,7 +3550,7 @@
         </p:nvGrpSpPr>
         <p:grpSpPr>
           <a:xfrm>
-            <a:off x="5003382" y="1764880"/>
+            <a:off x="4923870" y="1719160"/>
             <a:ext cx="914400" cy="983425"/>
             <a:chOff x="1437540" y="2373444"/>
             <a:chExt cx="1603506" cy="1720331"/>
@@ -4159,7 +4158,7 @@
         </p:blipFill>
         <p:spPr>
           <a:xfrm>
-            <a:off x="5179088" y="2958058"/>
+            <a:off x="5099576" y="2912338"/>
             <a:ext cx="584701" cy="584701"/>
           </a:xfrm>
           <a:prstGeom prst="rect">
@@ -4195,7 +4194,7 @@
         </p:blipFill>
         <p:spPr>
           <a:xfrm>
-            <a:off x="6287407" y="4399326"/>
+            <a:off x="6207895" y="4353606"/>
             <a:ext cx="599856" cy="599856"/>
           </a:xfrm>
           <a:prstGeom prst="rect">
@@ -4217,7 +4216,7 @@
         </p:nvSpPr>
         <p:spPr>
           <a:xfrm>
-            <a:off x="2848502" y="6170794"/>
+            <a:off x="2768990" y="6125074"/>
             <a:ext cx="5151574" cy="476250"/>
           </a:xfrm>
           <a:prstGeom prst="roundRect">
@@ -4314,19 +4313,7 @@
                 </a:solidFill>
                 <a:latin typeface="JetBrains Mono" panose="02000009000000000000" pitchFamily="49" charset="0"/>
               </a:rPr>
-              <a:t>(i</a:t>
-            </a:r>
-            <a:r>
-              <a:rPr lang="en-US" dirty="0">
-                <a:solidFill>
-                  <a:srgbClr val="080808"/>
-                </a:solidFill>
-                <a:highlight>
-                  <a:srgbClr val="FFFF00"/>
-                </a:highlight>
-                <a:latin typeface="JetBrains Mono" panose="02000009000000000000" pitchFamily="49" charset="0"/>
-              </a:rPr>
-              <a:t>)</a:t>
+              <a:t>(i)</a:t>
             </a:r>
             <a:r>
               <a:rPr lang="en-US" dirty="0">
@@ -4362,28 +4349,7 @@
                 </a:solidFill>
                 <a:latin typeface="JetBrains Mono" panose="02000009000000000000" pitchFamily="49" charset="0"/>
               </a:rPr>
-              <a:t>vals</a:t>
-            </a:r>
-            <a:r>
-              <a:rPr lang="en-US" dirty="0">
-                <a:solidFill>
-                  <a:srgbClr val="080808"/>
-                </a:solidFill>
-                <a:highlight>
-                  <a:srgbClr val="FFFF00"/>
-                </a:highlight>
-                <a:latin typeface="JetBrains Mono" panose="02000009000000000000" pitchFamily="49" charset="0"/>
-              </a:rPr>
-              <a:t>]</a:t>
-            </a:r>
-            <a:r>
-              <a:rPr lang="en-US" dirty="0">
-                <a:solidFill>
-                  <a:srgbClr val="080808"/>
-                </a:solidFill>
-                <a:latin typeface="JetBrains Mono" panose="02000009000000000000" pitchFamily="49" charset="0"/>
-              </a:rPr>
-              <a:t>)</a:t>
+              <a:t>vals])</a:t>
             </a:r>
           </a:p>
           <a:p>
@@ -4406,7 +4372,7 @@
         </p:nvSpPr>
         <p:spPr>
           <a:xfrm>
-            <a:off x="2833231" y="279148"/>
+            <a:off x="2753719" y="233428"/>
             <a:ext cx="5131414" cy="476250"/>
           </a:xfrm>
           <a:prstGeom prst="roundRect">
@@ -4494,7 +4460,7 @@
               <a:t>(</a:t>
             </a:r>
             <a:r>
-              <a:rPr lang="en-US" u="wavy" dirty="0" err="1">
+              <a:rPr lang="en-US" u="wavy" dirty="0">
                 <a:solidFill>
                   <a:srgbClr val="080808"/>
                 </a:solidFill>
@@ -4505,21 +4471,7 @@
                 </a:uFill>
                 <a:latin typeface="JetBrains Mono" panose="02000009000000000000" pitchFamily="49" charset="0"/>
               </a:rPr>
-              <a:t>i</a:t>
-            </a:r>
-            <a:r>
-              <a:rPr lang="en-US" u="wavy" dirty="0">
-                <a:solidFill>
-                  <a:srgbClr val="080808"/>
-                </a:solidFill>
-                <a:uFill>
-                  <a:solidFill>
-                    <a:srgbClr val="FF0000"/>
-                  </a:solidFill>
-                </a:uFill>
-                <a:latin typeface="JetBrains Mono" panose="02000009000000000000" pitchFamily="49" charset="0"/>
-              </a:rPr>
-              <a:t>]</a:t>
+              <a:t>i]</a:t>
             </a:r>
             <a:r>
               <a:rPr lang="en-US" dirty="0">
@@ -4549,22 +4501,13 @@
               <a:t>in </a:t>
             </a:r>
             <a:r>
-              <a:rPr lang="en-US" dirty="0" err="1">
+              <a:rPr lang="en-US" dirty="0">
                 <a:solidFill>
                   <a:srgbClr val="080808"/>
                 </a:solidFill>
                 <a:latin typeface="JetBrains Mono" panose="02000009000000000000" pitchFamily="49" charset="0"/>
               </a:rPr>
-              <a:t>vals</a:t>
-            </a:r>
-            <a:r>
-              <a:rPr lang="en-US" dirty="0">
-                <a:solidFill>
-                  <a:srgbClr val="080808"/>
-                </a:solidFill>
-                <a:latin typeface="JetBrains Mono" panose="02000009000000000000" pitchFamily="49" charset="0"/>
-              </a:rPr>
-              <a:t>))</a:t>
+              <a:t>vals))</a:t>
             </a:r>
           </a:p>
         </p:txBody>
@@ -4585,7 +4528,7 @@
         </p:nvCxnSpPr>
         <p:spPr>
           <a:xfrm>
-            <a:off x="7355271" y="316694"/>
+            <a:off x="7275759" y="270974"/>
             <a:ext cx="0" cy="369332"/>
           </a:xfrm>
           <a:prstGeom prst="line">
@@ -4647,7 +4590,7 @@
         </p:blipFill>
         <p:spPr>
           <a:xfrm>
-            <a:off x="7230717" y="107159"/>
+            <a:off x="7151205" y="61439"/>
             <a:ext cx="476250" cy="476250"/>
           </a:xfrm>
           <a:prstGeom prst="rect">
@@ -4684,7 +4627,7 @@
         </p:blipFill>
         <p:spPr>
           <a:xfrm>
-            <a:off x="2235518" y="360138"/>
+            <a:off x="2156006" y="314418"/>
             <a:ext cx="388905" cy="325888"/>
           </a:xfrm>
           <a:prstGeom prst="rect">
@@ -4720,7 +4663,7 @@
         </p:blipFill>
         <p:spPr>
           <a:xfrm>
-            <a:off x="2289925" y="6245975"/>
+            <a:off x="2210413" y="6200255"/>
             <a:ext cx="388905" cy="325888"/>
           </a:xfrm>
           <a:prstGeom prst="rect">
@@ -4742,7 +4685,7 @@
         </p:nvSpPr>
         <p:spPr>
           <a:xfrm>
-            <a:off x="8678147" y="276486"/>
+            <a:off x="8598635" y="230766"/>
             <a:ext cx="5583598" cy="1181922"/>
           </a:xfrm>
           <a:prstGeom prst="roundRect">
@@ -4811,7 +4754,7 @@
                 </a:solidFill>
                 <a:latin typeface="JetBrains Mono" panose="02000009000000000000" pitchFamily="49" charset="0"/>
               </a:rPr>
-              <a:t> ID | ID ( S ) | S , S</a:t>
+              <a:t> ID | ID ( S ) | S , S | - S</a:t>
             </a:r>
           </a:p>
           <a:p>
@@ -4891,7 +4834,7 @@
         </p:nvCxnSpPr>
         <p:spPr>
           <a:xfrm rot="5400000">
-            <a:off x="8581656" y="-666018"/>
+            <a:off x="8502144" y="-711738"/>
             <a:ext cx="586483" cy="5202583"/>
           </a:xfrm>
           <a:prstGeom prst="curvedConnector2">
@@ -4950,7 +4893,7 @@
         </p:blipFill>
         <p:spPr>
           <a:xfrm>
-            <a:off x="4106681" y="4415717"/>
+            <a:off x="4027169" y="4369997"/>
             <a:ext cx="634153" cy="634153"/>
           </a:xfrm>
           <a:prstGeom prst="rect">
@@ -4974,8 +4917,8 @@
         </p:nvCxnSpPr>
         <p:spPr>
           <a:xfrm rot="10800000" flipV="1">
-            <a:off x="7185457" y="4699265"/>
-            <a:ext cx="2979377" cy="1311"/>
+            <a:off x="7105947" y="4654851"/>
+            <a:ext cx="1865495" cy="1"/>
           </a:xfrm>
           <a:prstGeom prst="curvedConnector3">
             <a:avLst>
@@ -5007,435 +4950,6 @@
           </a:fontRef>
         </p:style>
       </p:cxnSp>
-      <p:grpSp>
-        <p:nvGrpSpPr>
-          <p:cNvPr id="1138" name="Group 1137">
-            <a:extLst>
-              <a:ext uri="{FF2B5EF4-FFF2-40B4-BE49-F238E27FC236}">
-                <a16:creationId xmlns:a16="http://schemas.microsoft.com/office/drawing/2014/main" id="{E720729B-E5A6-CDE4-BC37-E5908BC93A13}"/>
-              </a:ext>
-            </a:extLst>
-          </p:cNvPr>
-          <p:cNvGrpSpPr/>
-          <p:nvPr/>
-        </p:nvGrpSpPr>
-        <p:grpSpPr>
-          <a:xfrm>
-            <a:off x="11964528" y="3636700"/>
-            <a:ext cx="940242" cy="963326"/>
-            <a:chOff x="10182575" y="3521781"/>
-            <a:chExt cx="1167194" cy="1181922"/>
-          </a:xfrm>
-          <a:effectLst>
-            <a:outerShdw blurRad="50800" dist="38100" dir="2700000" algn="tl" rotWithShape="0">
-              <a:prstClr val="black">
-                <a:alpha val="40000"/>
-              </a:prstClr>
-            </a:outerShdw>
-          </a:effectLst>
-        </p:grpSpPr>
-        <p:sp>
-          <p:nvSpPr>
-            <p:cNvPr id="1130" name="Rounded Rectangle 1129">
-              <a:extLst>
-                <a:ext uri="{FF2B5EF4-FFF2-40B4-BE49-F238E27FC236}">
-                  <a16:creationId xmlns:a16="http://schemas.microsoft.com/office/drawing/2014/main" id="{8159046B-6934-E22E-A753-D5F9848A04F3}"/>
-                </a:ext>
-              </a:extLst>
-            </p:cNvPr>
-            <p:cNvSpPr/>
-            <p:nvPr/>
-          </p:nvSpPr>
-          <p:spPr>
-            <a:xfrm>
-              <a:off x="10182575" y="3521781"/>
-              <a:ext cx="1167194" cy="1181922"/>
-            </a:xfrm>
-            <a:prstGeom prst="roundRect">
-              <a:avLst/>
-            </a:prstGeom>
-            <a:solidFill>
-              <a:schemeClr val="bg2">
-                <a:lumMod val="90000"/>
-              </a:schemeClr>
-            </a:solidFill>
-            <a:ln>
-              <a:noFill/>
-            </a:ln>
-          </p:spPr>
-          <p:style>
-            <a:lnRef idx="2">
-              <a:schemeClr val="accent1">
-                <a:shade val="50000"/>
-              </a:schemeClr>
-            </a:lnRef>
-            <a:fillRef idx="1">
-              <a:schemeClr val="accent1"/>
-            </a:fillRef>
-            <a:effectRef idx="0">
-              <a:schemeClr val="accent1"/>
-            </a:effectRef>
-            <a:fontRef idx="minor">
-              <a:schemeClr val="lt1"/>
-            </a:fontRef>
-          </p:style>
-          <p:txBody>
-            <a:bodyPr rtlCol="0" anchor="ctr"/>
-            <a:lstStyle/>
-            <a:p>
-              <a:pPr algn="ctr"/>
-              <a:endParaRPr lang="en-US" dirty="0"/>
-            </a:p>
-          </p:txBody>
-        </p:sp>
-        <p:pic>
-          <p:nvPicPr>
-            <p:cNvPr id="1117" name="Picture 6" descr="Neural Network Icons - Free SVG &amp; PNG Neural Network Images - Noun Project">
-              <a:extLst>
-                <a:ext uri="{FF2B5EF4-FFF2-40B4-BE49-F238E27FC236}">
-                  <a16:creationId xmlns:a16="http://schemas.microsoft.com/office/drawing/2014/main" id="{A1AF71AA-4F7B-FE20-576D-984125A90BA8}"/>
-                </a:ext>
-              </a:extLst>
-            </p:cNvPr>
-            <p:cNvPicPr>
-              <a:picLocks noChangeAspect="1" noChangeArrowheads="1"/>
-            </p:cNvPicPr>
-            <p:nvPr/>
-          </p:nvPicPr>
-          <p:blipFill>
-            <a:blip r:embed="rId17">
-              <a:extLst>
-                <a:ext uri="{28A0092B-C50C-407E-A947-70E740481C1C}">
-                  <a14:useLocalDpi xmlns:a14="http://schemas.microsoft.com/office/drawing/2010/main" val="0"/>
-                </a:ext>
-              </a:extLst>
-            </a:blip>
-            <a:srcRect/>
-            <a:stretch>
-              <a:fillRect/>
-            </a:stretch>
-          </p:blipFill>
-          <p:spPr bwMode="auto">
-            <a:xfrm>
-              <a:off x="10347108" y="3673945"/>
-              <a:ext cx="926042" cy="926042"/>
-            </a:xfrm>
-            <a:prstGeom prst="rect">
-              <a:avLst/>
-            </a:prstGeom>
-            <a:noFill/>
-            <a:ln>
-              <a:noFill/>
-            </a:ln>
-            <a:extLst>
-              <a:ext uri="{909E8E84-426E-40DD-AFC4-6F175D3DCCD1}">
-                <a14:hiddenFill xmlns:a14="http://schemas.microsoft.com/office/drawing/2010/main">
-                  <a:solidFill>
-                    <a:srgbClr val="FFFFFF"/>
-                  </a:solidFill>
-                </a14:hiddenFill>
-              </a:ext>
-            </a:extLst>
-          </p:spPr>
-        </p:pic>
-      </p:grpSp>
-      <p:grpSp>
-        <p:nvGrpSpPr>
-          <p:cNvPr id="1140" name="Group 1139">
-            <a:extLst>
-              <a:ext uri="{FF2B5EF4-FFF2-40B4-BE49-F238E27FC236}">
-                <a16:creationId xmlns:a16="http://schemas.microsoft.com/office/drawing/2014/main" id="{96060ACC-3D35-0C13-3DA2-B1736565117F}"/>
-              </a:ext>
-            </a:extLst>
-          </p:cNvPr>
-          <p:cNvGrpSpPr/>
-          <p:nvPr/>
-        </p:nvGrpSpPr>
-        <p:grpSpPr>
-          <a:xfrm>
-            <a:off x="10668356" y="4911683"/>
-            <a:ext cx="940242" cy="963326"/>
-            <a:chOff x="8553074" y="4800508"/>
-            <a:chExt cx="1167194" cy="1181922"/>
-          </a:xfrm>
-          <a:effectLst>
-            <a:outerShdw blurRad="50800" dist="38100" dir="2700000" algn="tl" rotWithShape="0">
-              <a:prstClr val="black">
-                <a:alpha val="40000"/>
-              </a:prstClr>
-            </a:outerShdw>
-          </a:effectLst>
-        </p:grpSpPr>
-        <p:sp>
-          <p:nvSpPr>
-            <p:cNvPr id="1132" name="Rounded Rectangle 1131">
-              <a:extLst>
-                <a:ext uri="{FF2B5EF4-FFF2-40B4-BE49-F238E27FC236}">
-                  <a16:creationId xmlns:a16="http://schemas.microsoft.com/office/drawing/2014/main" id="{8FFA210F-02BD-8687-4438-AE18A7892C52}"/>
-                </a:ext>
-              </a:extLst>
-            </p:cNvPr>
-            <p:cNvSpPr/>
-            <p:nvPr/>
-          </p:nvSpPr>
-          <p:spPr>
-            <a:xfrm>
-              <a:off x="8553074" y="4800508"/>
-              <a:ext cx="1167194" cy="1181922"/>
-            </a:xfrm>
-            <a:prstGeom prst="roundRect">
-              <a:avLst/>
-            </a:prstGeom>
-            <a:solidFill>
-              <a:schemeClr val="bg2">
-                <a:lumMod val="90000"/>
-              </a:schemeClr>
-            </a:solidFill>
-            <a:ln>
-              <a:noFill/>
-            </a:ln>
-          </p:spPr>
-          <p:style>
-            <a:lnRef idx="2">
-              <a:schemeClr val="accent1">
-                <a:shade val="50000"/>
-              </a:schemeClr>
-            </a:lnRef>
-            <a:fillRef idx="1">
-              <a:schemeClr val="accent1"/>
-            </a:fillRef>
-            <a:effectRef idx="0">
-              <a:schemeClr val="accent1"/>
-            </a:effectRef>
-            <a:fontRef idx="minor">
-              <a:schemeClr val="lt1"/>
-            </a:fontRef>
-          </p:style>
-          <p:txBody>
-            <a:bodyPr rtlCol="0" anchor="ctr"/>
-            <a:lstStyle/>
-            <a:p>
-              <a:pPr algn="ctr"/>
-              <a:endParaRPr lang="en-US" dirty="0"/>
-            </a:p>
-          </p:txBody>
-        </p:sp>
-        <p:pic>
-          <p:nvPicPr>
-            <p:cNvPr id="1119" name="Graphic 1118" descr="Normal Distribution outline">
-              <a:extLst>
-                <a:ext uri="{FF2B5EF4-FFF2-40B4-BE49-F238E27FC236}">
-                  <a16:creationId xmlns:a16="http://schemas.microsoft.com/office/drawing/2014/main" id="{48A2F7F9-36D4-47B2-5EAD-A2225A17E79F}"/>
-                </a:ext>
-              </a:extLst>
-            </p:cNvPr>
-            <p:cNvPicPr>
-              <a:picLocks noChangeAspect="1"/>
-            </p:cNvPicPr>
-            <p:nvPr/>
-          </p:nvPicPr>
-          <p:blipFill>
-            <a:blip r:embed="rId18">
-              <a:extLst>
-                <a:ext uri="{96DAC541-7B7A-43D3-8B79-37D633B846F1}">
-                  <asvg:svgBlip xmlns:asvg="http://schemas.microsoft.com/office/drawing/2016/SVG/main" r:embed="rId19"/>
-                </a:ext>
-              </a:extLst>
-            </a:blip>
-            <a:stretch>
-              <a:fillRect/>
-            </a:stretch>
-          </p:blipFill>
-          <p:spPr>
-            <a:xfrm>
-              <a:off x="8593903" y="4858288"/>
-              <a:ext cx="1066362" cy="1066362"/>
-            </a:xfrm>
-            <a:prstGeom prst="rect">
-              <a:avLst/>
-            </a:prstGeom>
-          </p:spPr>
-        </p:pic>
-      </p:grpSp>
-      <p:grpSp>
-        <p:nvGrpSpPr>
-          <p:cNvPr id="1139" name="Group 1138">
-            <a:extLst>
-              <a:ext uri="{FF2B5EF4-FFF2-40B4-BE49-F238E27FC236}">
-                <a16:creationId xmlns:a16="http://schemas.microsoft.com/office/drawing/2014/main" id="{5C53CA50-2C6F-DAA3-AE0F-CA4A838F9D32}"/>
-              </a:ext>
-            </a:extLst>
-          </p:cNvPr>
-          <p:cNvGrpSpPr/>
-          <p:nvPr/>
-        </p:nvGrpSpPr>
-        <p:grpSpPr>
-          <a:xfrm>
-            <a:off x="10658196" y="3669952"/>
-            <a:ext cx="940242" cy="963326"/>
-            <a:chOff x="8543487" y="3511470"/>
-            <a:chExt cx="1167194" cy="1181922"/>
-          </a:xfrm>
-          <a:effectLst>
-            <a:outerShdw blurRad="50800" dist="38100" dir="2700000" algn="tl" rotWithShape="0">
-              <a:prstClr val="black">
-                <a:alpha val="40000"/>
-              </a:prstClr>
-            </a:outerShdw>
-          </a:effectLst>
-        </p:grpSpPr>
-        <p:sp>
-          <p:nvSpPr>
-            <p:cNvPr id="1133" name="Rounded Rectangle 1132">
-              <a:extLst>
-                <a:ext uri="{FF2B5EF4-FFF2-40B4-BE49-F238E27FC236}">
-                  <a16:creationId xmlns:a16="http://schemas.microsoft.com/office/drawing/2014/main" id="{DA68FC2D-8B63-25CA-DA5B-D240E968E416}"/>
-                </a:ext>
-              </a:extLst>
-            </p:cNvPr>
-            <p:cNvSpPr/>
-            <p:nvPr/>
-          </p:nvSpPr>
-          <p:spPr>
-            <a:xfrm>
-              <a:off x="8543487" y="3511470"/>
-              <a:ext cx="1167194" cy="1181922"/>
-            </a:xfrm>
-            <a:prstGeom prst="roundRect">
-              <a:avLst/>
-            </a:prstGeom>
-            <a:solidFill>
-              <a:schemeClr val="bg2">
-                <a:lumMod val="90000"/>
-              </a:schemeClr>
-            </a:solidFill>
-            <a:ln>
-              <a:noFill/>
-            </a:ln>
-          </p:spPr>
-          <p:style>
-            <a:lnRef idx="2">
-              <a:schemeClr val="accent1">
-                <a:shade val="50000"/>
-              </a:schemeClr>
-            </a:lnRef>
-            <a:fillRef idx="1">
-              <a:schemeClr val="accent1"/>
-            </a:fillRef>
-            <a:effectRef idx="0">
-              <a:schemeClr val="accent1"/>
-            </a:effectRef>
-            <a:fontRef idx="minor">
-              <a:schemeClr val="lt1"/>
-            </a:fontRef>
-          </p:style>
-          <p:txBody>
-            <a:bodyPr rtlCol="0" anchor="ctr"/>
-            <a:lstStyle/>
-            <a:p>
-              <a:pPr algn="ctr"/>
-              <a:endParaRPr lang="en-US" dirty="0"/>
-            </a:p>
-          </p:txBody>
-        </p:sp>
-        <p:pic>
-          <p:nvPicPr>
-            <p:cNvPr id="1121" name="Graphic 1120" descr="Database outline">
-              <a:extLst>
-                <a:ext uri="{FF2B5EF4-FFF2-40B4-BE49-F238E27FC236}">
-                  <a16:creationId xmlns:a16="http://schemas.microsoft.com/office/drawing/2014/main" id="{E666F6C8-1E9B-7F0F-0370-20CBE58A778E}"/>
-                </a:ext>
-              </a:extLst>
-            </p:cNvPr>
-            <p:cNvPicPr>
-              <a:picLocks noChangeAspect="1"/>
-            </p:cNvPicPr>
-            <p:nvPr/>
-          </p:nvPicPr>
-          <p:blipFill>
-            <a:blip r:embed="rId20">
-              <a:extLst>
-                <a:ext uri="{96DAC541-7B7A-43D3-8B79-37D633B846F1}">
-                  <asvg:svgBlip xmlns:asvg="http://schemas.microsoft.com/office/drawing/2016/SVG/main" r:embed="rId21"/>
-                </a:ext>
-              </a:extLst>
-            </a:blip>
-            <a:stretch>
-              <a:fillRect/>
-            </a:stretch>
-          </p:blipFill>
-          <p:spPr>
-            <a:xfrm>
-              <a:off x="8750920" y="3716680"/>
-              <a:ext cx="771502" cy="771502"/>
-            </a:xfrm>
-            <a:prstGeom prst="rect">
-              <a:avLst/>
-            </a:prstGeom>
-          </p:spPr>
-        </p:pic>
-      </p:grpSp>
-      <p:sp>
-        <p:nvSpPr>
-          <p:cNvPr id="1131" name="Rounded Rectangle 1130">
-            <a:extLst>
-              <a:ext uri="{FF2B5EF4-FFF2-40B4-BE49-F238E27FC236}">
-                <a16:creationId xmlns:a16="http://schemas.microsoft.com/office/drawing/2014/main" id="{1387EF3D-6F2B-0300-8D3C-682A1A4C9D1F}"/>
-              </a:ext>
-            </a:extLst>
-          </p:cNvPr>
-          <p:cNvSpPr/>
-          <p:nvPr/>
-        </p:nvSpPr>
-        <p:spPr>
-          <a:xfrm>
-            <a:off x="11972841" y="4918130"/>
-            <a:ext cx="940242" cy="963326"/>
-          </a:xfrm>
-          <a:prstGeom prst="roundRect">
-            <a:avLst/>
-          </a:prstGeom>
-          <a:solidFill>
-            <a:schemeClr val="bg2">
-              <a:lumMod val="90000"/>
-            </a:schemeClr>
-          </a:solidFill>
-          <a:ln>
-            <a:noFill/>
-          </a:ln>
-          <a:effectLst>
-            <a:outerShdw blurRad="50800" dist="38100" dir="2700000" algn="tl" rotWithShape="0">
-              <a:prstClr val="black">
-                <a:alpha val="40000"/>
-              </a:prstClr>
-            </a:outerShdw>
-          </a:effectLst>
-        </p:spPr>
-        <p:style>
-          <a:lnRef idx="2">
-            <a:schemeClr val="accent1">
-              <a:shade val="50000"/>
-            </a:schemeClr>
-          </a:lnRef>
-          <a:fillRef idx="1">
-            <a:schemeClr val="accent1"/>
-          </a:fillRef>
-          <a:effectRef idx="0">
-            <a:schemeClr val="accent1"/>
-          </a:effectRef>
-          <a:fontRef idx="minor">
-            <a:schemeClr val="lt1"/>
-          </a:fontRef>
-        </p:style>
-        <p:txBody>
-          <a:bodyPr rtlCol="0" anchor="ctr"/>
-          <a:lstStyle/>
-          <a:p>
-            <a:pPr algn="ctr"/>
-            <a:endParaRPr lang="en-US" dirty="0"/>
-          </a:p>
-        </p:txBody>
-      </p:sp>
       <p:sp>
         <p:nvSpPr>
           <p:cNvPr id="31" name="Left Brace 30">
@@ -5450,7 +4964,7 @@
         </p:nvSpPr>
         <p:spPr>
           <a:xfrm>
-            <a:off x="10156936" y="3536476"/>
+            <a:off x="8959415" y="3487861"/>
             <a:ext cx="269326" cy="2456492"/>
           </a:xfrm>
           <a:prstGeom prst="leftBrace">
@@ -5503,7 +5017,7 @@
         </p:nvSpPr>
         <p:spPr>
           <a:xfrm>
-            <a:off x="13717478" y="1011180"/>
+            <a:off x="13637966" y="965460"/>
             <a:ext cx="533116" cy="400110"/>
           </a:xfrm>
           <a:prstGeom prst="rect">
@@ -5518,13 +5032,13 @@
           <a:lstStyle/>
           <a:p>
             <a:r>
-              <a:rPr lang="en-US" sz="2000" dirty="0">
+              <a:rPr lang="en-US" sz="2000">
                 <a:latin typeface="Calibri" panose="020F0502020204030204" pitchFamily="34" charset="0"/>
                 <a:cs typeface="Calibri" panose="020F0502020204030204" pitchFamily="34" charset="0"/>
               </a:rPr>
               <a:t>①</a:t>
             </a:r>
-            <a:endParaRPr lang="en-US" sz="2400" dirty="0">
+            <a:endParaRPr lang="en-US" sz="2400">
               <a:latin typeface="Calibri" panose="020F0502020204030204" pitchFamily="34" charset="0"/>
               <a:cs typeface="Calibri" panose="020F0502020204030204" pitchFamily="34" charset="0"/>
             </a:endParaRPr>
@@ -5545,7 +5059,7 @@
         </p:nvSpPr>
         <p:spPr>
           <a:xfrm>
-            <a:off x="7455085" y="318623"/>
+            <a:off x="7375573" y="272903"/>
             <a:ext cx="533116" cy="400110"/>
           </a:xfrm>
           <a:prstGeom prst="rect">
@@ -5560,13 +5074,13 @@
           <a:lstStyle/>
           <a:p>
             <a:r>
-              <a:rPr lang="en-US" sz="2000" dirty="0">
+              <a:rPr lang="en-US" sz="2000">
                 <a:latin typeface="Cambria" panose="02040503050406030204" pitchFamily="18" charset="0"/>
                 <a:cs typeface="Calibri" panose="020F0502020204030204" pitchFamily="34" charset="0"/>
               </a:rPr>
               <a:t>①</a:t>
             </a:r>
-            <a:endParaRPr lang="en-US" sz="2400" dirty="0">
+            <a:endParaRPr lang="en-US" sz="2400">
               <a:latin typeface="Cambria" panose="02040503050406030204" pitchFamily="18" charset="0"/>
               <a:cs typeface="Calibri" panose="020F0502020204030204" pitchFamily="34" charset="0"/>
             </a:endParaRPr>
@@ -5588,10 +5102,10 @@
           <p:nvPr/>
         </p:nvPicPr>
         <p:blipFill>
-          <a:blip r:embed="rId22">
+          <a:blip r:embed="rId17">
             <a:extLst>
               <a:ext uri="{96DAC541-7B7A-43D3-8B79-37D633B846F1}">
-                <asvg:svgBlip xmlns:asvg="http://schemas.microsoft.com/office/drawing/2016/SVG/main" r:embed="rId23"/>
+                <asvg:svgBlip xmlns:asvg="http://schemas.microsoft.com/office/drawing/2016/SVG/main" r:embed="rId18"/>
               </a:ext>
             </a:extLst>
           </a:blip>
@@ -5601,7 +5115,7 @@
         </p:blipFill>
         <p:spPr>
           <a:xfrm rot="5400000">
-            <a:off x="4876224" y="4957897"/>
+            <a:off x="4796712" y="4912177"/>
             <a:ext cx="887565" cy="887565"/>
           </a:xfrm>
           <a:prstGeom prst="rect">
@@ -5623,7 +5137,7 @@
         </p:nvSpPr>
         <p:spPr>
           <a:xfrm>
-            <a:off x="4883850" y="1713448"/>
+            <a:off x="4804338" y="1667728"/>
             <a:ext cx="1135349" cy="995578"/>
           </a:xfrm>
           <a:prstGeom prst="bracketPair">
@@ -5675,7 +5189,7 @@
         </p:nvSpPr>
         <p:spPr>
           <a:xfrm>
-            <a:off x="5818127" y="2928111"/>
+            <a:off x="5738615" y="2882391"/>
             <a:ext cx="469291" cy="400110"/>
           </a:xfrm>
           <a:prstGeom prst="rect">
@@ -5690,7 +5204,7 @@
           <a:lstStyle/>
           <a:p>
             <a:r>
-              <a:rPr lang="en-US" sz="2000" dirty="0">
+              <a:rPr lang="en-US" sz="2000">
                 <a:latin typeface="Calibri" panose="020F0502020204030204" pitchFamily="34" charset="0"/>
                 <a:cs typeface="Calibri" panose="020F0502020204030204" pitchFamily="34" charset="0"/>
               </a:rPr>
@@ -5715,7 +5229,7 @@
         </p:nvCxnSpPr>
         <p:spPr>
           <a:xfrm>
-            <a:off x="7370742" y="6210896"/>
+            <a:off x="7291230" y="6165176"/>
             <a:ext cx="0" cy="369332"/>
           </a:xfrm>
           <a:prstGeom prst="line">
@@ -5777,7 +5291,7 @@
         </p:blipFill>
         <p:spPr>
           <a:xfrm>
-            <a:off x="7246188" y="5985246"/>
+            <a:off x="7166676" y="5939526"/>
             <a:ext cx="476250" cy="476250"/>
           </a:xfrm>
           <a:prstGeom prst="rect">
@@ -5800,7 +5314,7 @@
         </p:nvSpPr>
         <p:spPr>
           <a:xfrm>
-            <a:off x="12930875" y="5965964"/>
+            <a:off x="13631033" y="5978179"/>
             <a:ext cx="466889" cy="400110"/>
           </a:xfrm>
           <a:prstGeom prst="rect">
@@ -5821,53 +5335,6 @@
           </a:p>
         </p:txBody>
       </p:sp>
-      <p:pic>
-        <p:nvPicPr>
-          <p:cNvPr id="1089" name="Picture 6" descr="Git - Logo Downloads">
-            <a:extLst>
-              <a:ext uri="{FF2B5EF4-FFF2-40B4-BE49-F238E27FC236}">
-                <a16:creationId xmlns:a16="http://schemas.microsoft.com/office/drawing/2014/main" id="{2A422103-EEC0-12B6-1911-A4890D178CFC}"/>
-              </a:ext>
-            </a:extLst>
-          </p:cNvPr>
-          <p:cNvPicPr>
-            <a:picLocks noChangeAspect="1" noChangeArrowheads="1"/>
-          </p:cNvPicPr>
-          <p:nvPr/>
-        </p:nvPicPr>
-        <p:blipFill>
-          <a:blip r:embed="rId24">
-            <a:extLst>
-              <a:ext uri="{28A0092B-C50C-407E-A947-70E740481C1C}">
-                <a14:useLocalDpi xmlns:a14="http://schemas.microsoft.com/office/drawing/2010/main" val="0"/>
-              </a:ext>
-            </a:extLst>
-          </a:blip>
-          <a:srcRect/>
-          <a:stretch>
-            <a:fillRect/>
-          </a:stretch>
-        </p:blipFill>
-        <p:spPr bwMode="auto">
-          <a:xfrm>
-            <a:off x="12124198" y="5092180"/>
-            <a:ext cx="637528" cy="637528"/>
-          </a:xfrm>
-          <a:prstGeom prst="rect">
-            <a:avLst/>
-          </a:prstGeom>
-          <a:noFill/>
-          <a:extLst>
-            <a:ext uri="{909E8E84-426E-40DD-AFC4-6F175D3DCCD1}">
-              <a14:hiddenFill xmlns:a14="http://schemas.microsoft.com/office/drawing/2010/main">
-                <a:solidFill>
-                  <a:srgbClr val="FFFFFF"/>
-                </a:solidFill>
-              </a14:hiddenFill>
-            </a:ext>
-          </a:extLst>
-        </p:spPr>
-      </p:pic>
       <p:sp>
         <p:nvSpPr>
           <p:cNvPr id="1094" name="TextBox 1093">
@@ -5882,7 +5349,7 @@
         </p:nvSpPr>
         <p:spPr>
           <a:xfrm>
-            <a:off x="5224091" y="4111464"/>
+            <a:off x="5144579" y="4065744"/>
             <a:ext cx="476250" cy="400110"/>
           </a:xfrm>
           <a:prstGeom prst="rect">
@@ -5897,7 +5364,7 @@
           <a:lstStyle/>
           <a:p>
             <a:r>
-              <a:rPr lang="en-US" sz="2000" dirty="0">
+              <a:rPr lang="en-US" sz="2000">
                 <a:latin typeface="Calibri" panose="020F0502020204030204" pitchFamily="34" charset="0"/>
                 <a:cs typeface="Calibri" panose="020F0502020204030204" pitchFamily="34" charset="0"/>
               </a:rPr>
@@ -5922,7 +5389,7 @@
         </p:nvCxnSpPr>
         <p:spPr>
           <a:xfrm>
-            <a:off x="2792894" y="4699254"/>
+            <a:off x="2713382" y="4653534"/>
             <a:ext cx="998048" cy="0"/>
           </a:xfrm>
           <a:prstGeom prst="straightConnector1">
@@ -5968,7 +5435,7 @@
         </p:nvGrpSpPr>
         <p:grpSpPr>
           <a:xfrm rot="5400000">
-            <a:off x="-846436" y="2842692"/>
+            <a:off x="-925948" y="2796972"/>
             <a:ext cx="3880368" cy="927739"/>
             <a:chOff x="918754" y="4555461"/>
             <a:chExt cx="3880368" cy="927739"/>
@@ -5989,7 +5456,7 @@
             <p:nvPr/>
           </p:nvPicPr>
           <p:blipFill rotWithShape="1">
-            <a:blip r:embed="rId25">
+            <a:blip r:embed="rId19">
               <a:extLst>
                 <a:ext uri="{28A0092B-C50C-407E-A947-70E740481C1C}">
                   <a14:useLocalDpi xmlns:a14="http://schemas.microsoft.com/office/drawing/2010/main" val="0"/>
@@ -6164,7 +5631,7 @@
             <a:lstStyle/>
             <a:p>
               <a:pPr algn="ctr"/>
-              <a:endParaRPr lang="en-US" dirty="0"/>
+              <a:endParaRPr lang="en-US"/>
             </a:p>
           </p:txBody>
         </p:sp>
@@ -6447,8 +5914,8 @@
         </p:nvSpPr>
         <p:spPr>
           <a:xfrm>
-            <a:off x="226826" y="1346173"/>
-            <a:ext cx="502408" cy="400110"/>
+            <a:off x="194928" y="1300453"/>
+            <a:ext cx="454794" cy="400110"/>
           </a:xfrm>
           <a:prstGeom prst="rect">
             <a:avLst/>
@@ -6482,7 +5949,7 @@
         </p:nvSpPr>
         <p:spPr>
           <a:xfrm>
-            <a:off x="7477961" y="6206505"/>
+            <a:off x="7398449" y="6160785"/>
             <a:ext cx="489749" cy="400110"/>
           </a:xfrm>
           <a:prstGeom prst="rect">
@@ -6497,12 +5964,12 @@
           <a:lstStyle/>
           <a:p>
             <a:r>
-              <a:rPr lang="en-US" sz="2000" dirty="0">
+              <a:rPr lang="en-US" sz="2000">
                 <a:cs typeface="Calibri" panose="020F0502020204030204" pitchFamily="34" charset="0"/>
               </a:rPr>
               <a:t>⑥</a:t>
             </a:r>
-            <a:endParaRPr lang="en-US" dirty="0">
+            <a:endParaRPr lang="en-US">
               <a:cs typeface="Calibri" panose="020F0502020204030204" pitchFamily="34" charset="0"/>
             </a:endParaRPr>
           </a:p>
@@ -6522,7 +5989,7 @@
         </p:nvGrpSpPr>
         <p:grpSpPr>
           <a:xfrm rot="16200000">
-            <a:off x="294689" y="2842696"/>
+            <a:off x="215177" y="2796976"/>
             <a:ext cx="3880368" cy="927739"/>
             <a:chOff x="918754" y="4555461"/>
             <a:chExt cx="3880368" cy="927739"/>
@@ -6543,7 +6010,7 @@
             <p:nvPr/>
           </p:nvPicPr>
           <p:blipFill rotWithShape="1">
-            <a:blip r:embed="rId25">
+            <a:blip r:embed="rId19">
               <a:extLst>
                 <a:ext uri="{28A0092B-C50C-407E-A947-70E740481C1C}">
                   <a14:useLocalDpi xmlns:a14="http://schemas.microsoft.com/office/drawing/2010/main" val="0"/>
@@ -6718,7 +6185,7 @@
             <a:lstStyle/>
             <a:p>
               <a:pPr algn="ctr"/>
-              <a:endParaRPr lang="en-US" dirty="0"/>
+              <a:endParaRPr lang="en-US"/>
             </a:p>
           </p:txBody>
         </p:sp>
@@ -6987,6 +6454,1120 @@
           </p:txBody>
         </p:sp>
       </p:grpSp>
+      <p:sp>
+        <p:nvSpPr>
+          <p:cNvPr id="6" name="TextBox 5">
+            <a:extLst>
+              <a:ext uri="{FF2B5EF4-FFF2-40B4-BE49-F238E27FC236}">
+                <a16:creationId xmlns:a16="http://schemas.microsoft.com/office/drawing/2014/main" id="{F1B69AE0-D5E2-D06C-321C-75075F56894A}"/>
+              </a:ext>
+            </a:extLst>
+          </p:cNvPr>
+          <p:cNvSpPr txBox="1"/>
+          <p:nvPr/>
+        </p:nvSpPr>
+        <p:spPr>
+          <a:xfrm>
+            <a:off x="9269638" y="3703781"/>
+            <a:ext cx="4979246" cy="2031325"/>
+          </a:xfrm>
+          <a:prstGeom prst="rect">
+            <a:avLst/>
+          </a:prstGeom>
+          <a:noFill/>
+        </p:spPr>
+        <p:txBody>
+          <a:bodyPr wrap="square">
+            <a:spAutoFit/>
+          </a:bodyPr>
+          <a:lstStyle/>
+          <a:p>
+            <a:pPr marL="342900" indent="-342900">
+              <a:buAutoNum type="arabicPeriod"/>
+            </a:pPr>
+            <a:r>
+              <a:rPr lang="en-US" dirty="0">
+                <a:solidFill>
+                  <a:srgbClr val="080808"/>
+                </a:solidFill>
+                <a:latin typeface="JetBrains Mono" panose="02000009000000000000" pitchFamily="49" charset="0"/>
+              </a:rPr>
+              <a:t>d = </a:t>
+            </a:r>
+            <a:r>
+              <a:rPr lang="en-US" dirty="0">
+                <a:solidFill>
+                  <a:srgbClr val="000080"/>
+                </a:solidFill>
+                <a:latin typeface="JetBrains Mono" panose="02000009000000000000" pitchFamily="49" charset="0"/>
+              </a:rPr>
+              <a:t>sum</a:t>
+            </a:r>
+            <a:r>
+              <a:rPr lang="en-US" dirty="0">
+                <a:solidFill>
+                  <a:srgbClr val="080808"/>
+                </a:solidFill>
+                <a:latin typeface="JetBrains Mono" panose="02000009000000000000" pitchFamily="49" charset="0"/>
+              </a:rPr>
+              <a:t>([</a:t>
+            </a:r>
+            <a:r>
+              <a:rPr lang="en-US" dirty="0">
+                <a:solidFill>
+                  <a:srgbClr val="000080"/>
+                </a:solidFill>
+                <a:latin typeface="JetBrains Mono" panose="02000009000000000000" pitchFamily="49" charset="0"/>
+              </a:rPr>
+              <a:t>foo</a:t>
+            </a:r>
+            <a:r>
+              <a:rPr lang="en-US" dirty="0">
+                <a:solidFill>
+                  <a:srgbClr val="080808"/>
+                </a:solidFill>
+                <a:latin typeface="JetBrains Mono" panose="02000009000000000000" pitchFamily="49" charset="0"/>
+              </a:rPr>
+              <a:t>(i)</a:t>
+            </a:r>
+            <a:r>
+              <a:rPr lang="en-US" dirty="0">
+                <a:solidFill>
+                  <a:srgbClr val="0033B3"/>
+                </a:solidFill>
+                <a:latin typeface="JetBrains Mono" panose="02000009000000000000" pitchFamily="49" charset="0"/>
+              </a:rPr>
+              <a:t> for </a:t>
+            </a:r>
+            <a:r>
+              <a:rPr lang="en-US" dirty="0">
+                <a:solidFill>
+                  <a:srgbClr val="080808"/>
+                </a:solidFill>
+                <a:latin typeface="JetBrains Mono" panose="02000009000000000000" pitchFamily="49" charset="0"/>
+              </a:rPr>
+              <a:t>i </a:t>
+            </a:r>
+            <a:r>
+              <a:rPr lang="en-US" dirty="0">
+                <a:solidFill>
+                  <a:srgbClr val="0033B3"/>
+                </a:solidFill>
+                <a:latin typeface="JetBrains Mono" panose="02000009000000000000" pitchFamily="49" charset="0"/>
+              </a:rPr>
+              <a:t>in </a:t>
+            </a:r>
+            <a:r>
+              <a:rPr lang="en-US" dirty="0">
+                <a:solidFill>
+                  <a:srgbClr val="080808"/>
+                </a:solidFill>
+                <a:latin typeface="JetBrains Mono" panose="02000009000000000000" pitchFamily="49" charset="0"/>
+              </a:rPr>
+              <a:t>vals])</a:t>
+            </a:r>
+          </a:p>
+          <a:p>
+            <a:pPr marL="342900" indent="-342900">
+              <a:buFontTx/>
+              <a:buAutoNum type="arabicPeriod"/>
+            </a:pPr>
+            <a:endParaRPr lang="en-US" dirty="0">
+              <a:solidFill>
+                <a:srgbClr val="080808"/>
+              </a:solidFill>
+              <a:latin typeface="JetBrains Mono" panose="02000009000000000000" pitchFamily="49" charset="0"/>
+            </a:endParaRPr>
+          </a:p>
+          <a:p>
+            <a:pPr marL="342900" indent="-342900">
+              <a:buFontTx/>
+              <a:buAutoNum type="arabicPeriod"/>
+            </a:pPr>
+            <a:r>
+              <a:rPr lang="en-US" dirty="0">
+                <a:solidFill>
+                  <a:srgbClr val="080808"/>
+                </a:solidFill>
+                <a:latin typeface="JetBrains Mono" panose="02000009000000000000" pitchFamily="49" charset="0"/>
+              </a:rPr>
+              <a:t>d = </a:t>
+            </a:r>
+            <a:r>
+              <a:rPr lang="en-US" dirty="0">
+                <a:solidFill>
+                  <a:srgbClr val="000080"/>
+                </a:solidFill>
+                <a:latin typeface="JetBrains Mono" panose="02000009000000000000" pitchFamily="49" charset="0"/>
+              </a:rPr>
+              <a:t>sum</a:t>
+            </a:r>
+            <a:r>
+              <a:rPr lang="en-US" dirty="0">
+                <a:solidFill>
+                  <a:srgbClr val="080808"/>
+                </a:solidFill>
+                <a:latin typeface="JetBrains Mono" panose="02000009000000000000" pitchFamily="49" charset="0"/>
+              </a:rPr>
+              <a:t>([</a:t>
+            </a:r>
+            <a:r>
+              <a:rPr lang="en-US" dirty="0">
+                <a:solidFill>
+                  <a:srgbClr val="000080"/>
+                </a:solidFill>
+                <a:latin typeface="JetBrains Mono" panose="02000009000000000000" pitchFamily="49" charset="0"/>
+              </a:rPr>
+              <a:t>   </a:t>
+            </a:r>
+            <a:r>
+              <a:rPr lang="en-US" dirty="0">
+                <a:solidFill>
+                  <a:srgbClr val="080808"/>
+                </a:solidFill>
+                <a:latin typeface="JetBrains Mono" panose="02000009000000000000" pitchFamily="49" charset="0"/>
+              </a:rPr>
+              <a:t>(i)</a:t>
+            </a:r>
+            <a:r>
+              <a:rPr lang="en-US" dirty="0">
+                <a:solidFill>
+                  <a:srgbClr val="0033B3"/>
+                </a:solidFill>
+                <a:latin typeface="JetBrains Mono" panose="02000009000000000000" pitchFamily="49" charset="0"/>
+              </a:rPr>
+              <a:t> for </a:t>
+            </a:r>
+            <a:r>
+              <a:rPr lang="en-US" dirty="0">
+                <a:solidFill>
+                  <a:srgbClr val="080808"/>
+                </a:solidFill>
+                <a:latin typeface="JetBrains Mono" panose="02000009000000000000" pitchFamily="49" charset="0"/>
+              </a:rPr>
+              <a:t>i </a:t>
+            </a:r>
+            <a:r>
+              <a:rPr lang="en-US" dirty="0">
+                <a:solidFill>
+                  <a:srgbClr val="0033B3"/>
+                </a:solidFill>
+                <a:latin typeface="JetBrains Mono" panose="02000009000000000000" pitchFamily="49" charset="0"/>
+              </a:rPr>
+              <a:t>in </a:t>
+            </a:r>
+            <a:r>
+              <a:rPr lang="en-US" dirty="0">
+                <a:solidFill>
+                  <a:srgbClr val="080808"/>
+                </a:solidFill>
+                <a:latin typeface="JetBrains Mono" panose="02000009000000000000" pitchFamily="49" charset="0"/>
+              </a:rPr>
+              <a:t>vals])</a:t>
+            </a:r>
+          </a:p>
+          <a:p>
+            <a:pPr marL="342900" indent="-342900">
+              <a:buFontTx/>
+              <a:buAutoNum type="arabicPeriod"/>
+            </a:pPr>
+            <a:endParaRPr lang="en-US" dirty="0">
+              <a:solidFill>
+                <a:srgbClr val="080808"/>
+              </a:solidFill>
+              <a:latin typeface="JetBrains Mono" panose="02000009000000000000" pitchFamily="49" charset="0"/>
+            </a:endParaRPr>
+          </a:p>
+          <a:p>
+            <a:pPr marL="342900" indent="-342900">
+              <a:buFontTx/>
+              <a:buAutoNum type="arabicPeriod"/>
+            </a:pPr>
+            <a:r>
+              <a:rPr lang="en-US" dirty="0">
+                <a:solidFill>
+                  <a:srgbClr val="080808"/>
+                </a:solidFill>
+                <a:latin typeface="JetBrains Mono" panose="02000009000000000000" pitchFamily="49" charset="0"/>
+              </a:rPr>
+              <a:t>d = </a:t>
+            </a:r>
+            <a:r>
+              <a:rPr lang="en-US" dirty="0">
+                <a:solidFill>
+                  <a:srgbClr val="000080"/>
+                </a:solidFill>
+                <a:latin typeface="JetBrains Mono" panose="02000009000000000000" pitchFamily="49" charset="0"/>
+              </a:rPr>
+              <a:t>sum</a:t>
+            </a:r>
+            <a:r>
+              <a:rPr lang="en-US" dirty="0">
+                <a:solidFill>
+                  <a:srgbClr val="080808"/>
+                </a:solidFill>
+                <a:latin typeface="JetBrains Mono" panose="02000009000000000000" pitchFamily="49" charset="0"/>
+              </a:rPr>
+              <a:t>([</a:t>
+            </a:r>
+            <a:r>
+              <a:rPr lang="en-US" dirty="0">
+                <a:solidFill>
+                  <a:srgbClr val="000080"/>
+                </a:solidFill>
+                <a:latin typeface="JetBrains Mono" panose="02000009000000000000" pitchFamily="49" charset="0"/>
+              </a:rPr>
+              <a:t>foo</a:t>
+            </a:r>
+            <a:r>
+              <a:rPr lang="en-US" dirty="0">
+                <a:solidFill>
+                  <a:srgbClr val="080808"/>
+                </a:solidFill>
+                <a:latin typeface="JetBrains Mono" panose="02000009000000000000" pitchFamily="49" charset="0"/>
+              </a:rPr>
+              <a:t>.i </a:t>
+            </a:r>
+            <a:r>
+              <a:rPr lang="en-US" dirty="0">
+                <a:solidFill>
+                  <a:srgbClr val="0033B3"/>
+                </a:solidFill>
+                <a:latin typeface="JetBrains Mono" panose="02000009000000000000" pitchFamily="49" charset="0"/>
+              </a:rPr>
+              <a:t> for </a:t>
+            </a:r>
+            <a:r>
+              <a:rPr lang="en-US" dirty="0">
+                <a:solidFill>
+                  <a:srgbClr val="080808"/>
+                </a:solidFill>
+                <a:latin typeface="JetBrains Mono" panose="02000009000000000000" pitchFamily="49" charset="0"/>
+              </a:rPr>
+              <a:t>i </a:t>
+            </a:r>
+            <a:r>
+              <a:rPr lang="en-US" dirty="0">
+                <a:solidFill>
+                  <a:srgbClr val="0033B3"/>
+                </a:solidFill>
+                <a:latin typeface="JetBrains Mono" panose="02000009000000000000" pitchFamily="49" charset="0"/>
+              </a:rPr>
+              <a:t>in </a:t>
+            </a:r>
+            <a:r>
+              <a:rPr lang="en-US" dirty="0">
+                <a:solidFill>
+                  <a:srgbClr val="080808"/>
+                </a:solidFill>
+                <a:latin typeface="JetBrains Mono" panose="02000009000000000000" pitchFamily="49" charset="0"/>
+              </a:rPr>
+              <a:t>vals])</a:t>
+            </a:r>
+          </a:p>
+          <a:p>
+            <a:pPr marL="342900" indent="-342900">
+              <a:buFontTx/>
+              <a:buAutoNum type="arabicPeriod"/>
+            </a:pPr>
+            <a:endParaRPr lang="en-US" dirty="0">
+              <a:solidFill>
+                <a:srgbClr val="080808"/>
+              </a:solidFill>
+              <a:latin typeface="JetBrains Mono" panose="02000009000000000000" pitchFamily="49" charset="0"/>
+            </a:endParaRPr>
+          </a:p>
+          <a:p>
+            <a:pPr marL="342900" indent="-342900">
+              <a:buFontTx/>
+              <a:buAutoNum type="arabicPeriod"/>
+            </a:pPr>
+            <a:r>
+              <a:rPr lang="en-US" dirty="0">
+                <a:solidFill>
+                  <a:srgbClr val="080808"/>
+                </a:solidFill>
+                <a:latin typeface="JetBrains Mono" panose="02000009000000000000" pitchFamily="49" charset="0"/>
+              </a:rPr>
+              <a:t>d = </a:t>
+            </a:r>
+            <a:r>
+              <a:rPr lang="en-US" dirty="0">
+                <a:solidFill>
+                  <a:srgbClr val="000080"/>
+                </a:solidFill>
+                <a:latin typeface="JetBrains Mono" panose="02000009000000000000" pitchFamily="49" charset="0"/>
+              </a:rPr>
+              <a:t>sum</a:t>
+            </a:r>
+            <a:r>
+              <a:rPr lang="en-US" dirty="0">
+                <a:solidFill>
+                  <a:srgbClr val="080808"/>
+                </a:solidFill>
+                <a:latin typeface="JetBrains Mono" panose="02000009000000000000" pitchFamily="49" charset="0"/>
+              </a:rPr>
+              <a:t>([</a:t>
+            </a:r>
+            <a:r>
+              <a:rPr lang="en-US" dirty="0">
+                <a:solidFill>
+                  <a:srgbClr val="000080"/>
+                </a:solidFill>
+                <a:latin typeface="JetBrains Mono" panose="02000009000000000000" pitchFamily="49" charset="0"/>
+              </a:rPr>
+              <a:t>foo</a:t>
+            </a:r>
+            <a:r>
+              <a:rPr lang="en-US" dirty="0">
+                <a:solidFill>
+                  <a:srgbClr val="080808"/>
+                </a:solidFill>
+                <a:latin typeface="JetBrains Mono" panose="02000009000000000000" pitchFamily="49" charset="0"/>
+              </a:rPr>
+              <a:t>(-i)</a:t>
+            </a:r>
+            <a:r>
+              <a:rPr lang="en-US" dirty="0">
+                <a:solidFill>
+                  <a:srgbClr val="0033B3"/>
+                </a:solidFill>
+                <a:latin typeface="JetBrains Mono" panose="02000009000000000000" pitchFamily="49" charset="0"/>
+              </a:rPr>
+              <a:t> for </a:t>
+            </a:r>
+            <a:r>
+              <a:rPr lang="en-US" dirty="0">
+                <a:solidFill>
+                  <a:srgbClr val="080808"/>
+                </a:solidFill>
+                <a:latin typeface="JetBrains Mono" panose="02000009000000000000" pitchFamily="49" charset="0"/>
+              </a:rPr>
+              <a:t>i </a:t>
+            </a:r>
+            <a:r>
+              <a:rPr lang="en-US" dirty="0">
+                <a:solidFill>
+                  <a:srgbClr val="0033B3"/>
+                </a:solidFill>
+                <a:latin typeface="JetBrains Mono" panose="02000009000000000000" pitchFamily="49" charset="0"/>
+              </a:rPr>
+              <a:t>in </a:t>
+            </a:r>
+            <a:r>
+              <a:rPr lang="en-US" dirty="0">
+                <a:solidFill>
+                  <a:srgbClr val="080808"/>
+                </a:solidFill>
+                <a:latin typeface="JetBrains Mono" panose="02000009000000000000" pitchFamily="49" charset="0"/>
+              </a:rPr>
+              <a:t>vals])</a:t>
+            </a:r>
+          </a:p>
+        </p:txBody>
+      </p:sp>
+      <p:sp>
+        <p:nvSpPr>
+          <p:cNvPr id="9" name="Rectangle 8">
+            <a:extLst>
+              <a:ext uri="{FF2B5EF4-FFF2-40B4-BE49-F238E27FC236}">
+                <a16:creationId xmlns:a16="http://schemas.microsoft.com/office/drawing/2014/main" id="{A9482E12-A033-FAE7-FD5C-54FB252BAA2C}"/>
+              </a:ext>
+            </a:extLst>
+          </p:cNvPr>
+          <p:cNvSpPr/>
+          <p:nvPr/>
+        </p:nvSpPr>
+        <p:spPr>
+          <a:xfrm>
+            <a:off x="10921863" y="4280738"/>
+            <a:ext cx="434975" cy="290877"/>
+          </a:xfrm>
+          <a:prstGeom prst="rect">
+            <a:avLst/>
+          </a:prstGeom>
+          <a:solidFill>
+            <a:srgbClr val="FF0000">
+              <a:alpha val="40000"/>
+            </a:srgbClr>
+          </a:solidFill>
+          <a:ln>
+            <a:noFill/>
+          </a:ln>
+        </p:spPr>
+        <p:style>
+          <a:lnRef idx="2">
+            <a:schemeClr val="accent1">
+              <a:shade val="15000"/>
+            </a:schemeClr>
+          </a:lnRef>
+          <a:fillRef idx="1">
+            <a:schemeClr val="accent1"/>
+          </a:fillRef>
+          <a:effectRef idx="0">
+            <a:schemeClr val="accent1"/>
+          </a:effectRef>
+          <a:fontRef idx="minor">
+            <a:schemeClr val="lt1"/>
+          </a:fontRef>
+        </p:style>
+        <p:txBody>
+          <a:bodyPr rtlCol="0" anchor="ctr"/>
+          <a:lstStyle/>
+          <a:p>
+            <a:pPr algn="ctr"/>
+            <a:endParaRPr lang="en-US"/>
+          </a:p>
+        </p:txBody>
+      </p:sp>
+      <p:sp>
+        <p:nvSpPr>
+          <p:cNvPr id="10" name="Rectangle 9">
+            <a:extLst>
+              <a:ext uri="{FF2B5EF4-FFF2-40B4-BE49-F238E27FC236}">
+                <a16:creationId xmlns:a16="http://schemas.microsoft.com/office/drawing/2014/main" id="{DC4066B9-8AC7-1412-F40E-25B97405007A}"/>
+              </a:ext>
+            </a:extLst>
+          </p:cNvPr>
+          <p:cNvSpPr/>
+          <p:nvPr/>
+        </p:nvSpPr>
+        <p:spPr>
+          <a:xfrm>
+            <a:off x="11619305" y="4828560"/>
+            <a:ext cx="143933" cy="296342"/>
+          </a:xfrm>
+          <a:prstGeom prst="rect">
+            <a:avLst/>
+          </a:prstGeom>
+          <a:solidFill>
+            <a:srgbClr val="FF0000">
+              <a:alpha val="40000"/>
+            </a:srgbClr>
+          </a:solidFill>
+          <a:ln>
+            <a:noFill/>
+          </a:ln>
+        </p:spPr>
+        <p:style>
+          <a:lnRef idx="2">
+            <a:schemeClr val="accent1">
+              <a:shade val="15000"/>
+            </a:schemeClr>
+          </a:lnRef>
+          <a:fillRef idx="1">
+            <a:schemeClr val="accent1"/>
+          </a:fillRef>
+          <a:effectRef idx="0">
+            <a:schemeClr val="accent1"/>
+          </a:effectRef>
+          <a:fontRef idx="minor">
+            <a:schemeClr val="lt1"/>
+          </a:fontRef>
+        </p:style>
+        <p:txBody>
+          <a:bodyPr rtlCol="0" anchor="ctr"/>
+          <a:lstStyle/>
+          <a:p>
+            <a:pPr algn="ctr"/>
+            <a:endParaRPr lang="en-US"/>
+          </a:p>
+        </p:txBody>
+      </p:sp>
+      <p:sp>
+        <p:nvSpPr>
+          <p:cNvPr id="11" name="Rectangle 10">
+            <a:extLst>
+              <a:ext uri="{FF2B5EF4-FFF2-40B4-BE49-F238E27FC236}">
+                <a16:creationId xmlns:a16="http://schemas.microsoft.com/office/drawing/2014/main" id="{359CD1EE-8C15-4FD5-9074-E4F273023A09}"/>
+              </a:ext>
+            </a:extLst>
+          </p:cNvPr>
+          <p:cNvSpPr/>
+          <p:nvPr/>
+        </p:nvSpPr>
+        <p:spPr>
+          <a:xfrm>
+            <a:off x="11467692" y="5365457"/>
+            <a:ext cx="143933" cy="296341"/>
+          </a:xfrm>
+          <a:prstGeom prst="rect">
+            <a:avLst/>
+          </a:prstGeom>
+          <a:solidFill>
+            <a:srgbClr val="00FF00">
+              <a:alpha val="29804"/>
+            </a:srgbClr>
+          </a:solidFill>
+          <a:ln>
+            <a:noFill/>
+          </a:ln>
+        </p:spPr>
+        <p:style>
+          <a:lnRef idx="2">
+            <a:schemeClr val="accent1">
+              <a:shade val="15000"/>
+            </a:schemeClr>
+          </a:lnRef>
+          <a:fillRef idx="1">
+            <a:schemeClr val="accent1"/>
+          </a:fillRef>
+          <a:effectRef idx="0">
+            <a:schemeClr val="accent1"/>
+          </a:effectRef>
+          <a:fontRef idx="minor">
+            <a:schemeClr val="lt1"/>
+          </a:fontRef>
+        </p:style>
+        <p:txBody>
+          <a:bodyPr rtlCol="0" anchor="ctr"/>
+          <a:lstStyle/>
+          <a:p>
+            <a:pPr algn="ctr"/>
+            <a:endParaRPr lang="en-US"/>
+          </a:p>
+        </p:txBody>
+      </p:sp>
+      <p:sp>
+        <p:nvSpPr>
+          <p:cNvPr id="12" name="Rectangle 11">
+            <a:extLst>
+              <a:ext uri="{FF2B5EF4-FFF2-40B4-BE49-F238E27FC236}">
+                <a16:creationId xmlns:a16="http://schemas.microsoft.com/office/drawing/2014/main" id="{01D4CCF5-507F-CBFA-4A5C-C9D1A5A697A6}"/>
+              </a:ext>
+            </a:extLst>
+          </p:cNvPr>
+          <p:cNvSpPr/>
+          <p:nvPr/>
+        </p:nvSpPr>
+        <p:spPr>
+          <a:xfrm>
+            <a:off x="11749630" y="5367975"/>
+            <a:ext cx="143933" cy="296342"/>
+          </a:xfrm>
+          <a:prstGeom prst="rect">
+            <a:avLst/>
+          </a:prstGeom>
+          <a:solidFill>
+            <a:srgbClr val="FF9300">
+              <a:alpha val="29804"/>
+            </a:srgbClr>
+          </a:solidFill>
+          <a:ln>
+            <a:noFill/>
+          </a:ln>
+        </p:spPr>
+        <p:style>
+          <a:lnRef idx="2">
+            <a:schemeClr val="accent1">
+              <a:shade val="15000"/>
+            </a:schemeClr>
+          </a:lnRef>
+          <a:fillRef idx="1">
+            <a:schemeClr val="accent1"/>
+          </a:fillRef>
+          <a:effectRef idx="0">
+            <a:schemeClr val="accent1"/>
+          </a:effectRef>
+          <a:fontRef idx="minor">
+            <a:schemeClr val="lt1"/>
+          </a:fontRef>
+        </p:style>
+        <p:txBody>
+          <a:bodyPr rtlCol="0" anchor="ctr"/>
+          <a:lstStyle/>
+          <a:p>
+            <a:pPr algn="ctr"/>
+            <a:endParaRPr lang="en-US"/>
+          </a:p>
+        </p:txBody>
+      </p:sp>
+      <p:sp>
+        <p:nvSpPr>
+          <p:cNvPr id="13" name="Rectangle 12">
+            <a:extLst>
+              <a:ext uri="{FF2B5EF4-FFF2-40B4-BE49-F238E27FC236}">
+                <a16:creationId xmlns:a16="http://schemas.microsoft.com/office/drawing/2014/main" id="{3C7AAE14-3502-4384-6B6D-B64A14EAED88}"/>
+              </a:ext>
+            </a:extLst>
+          </p:cNvPr>
+          <p:cNvSpPr/>
+          <p:nvPr/>
+        </p:nvSpPr>
+        <p:spPr>
+          <a:xfrm>
+            <a:off x="11619305" y="4280738"/>
+            <a:ext cx="143933" cy="296342"/>
+          </a:xfrm>
+          <a:prstGeom prst="rect">
+            <a:avLst/>
+          </a:prstGeom>
+          <a:solidFill>
+            <a:srgbClr val="FF9300">
+              <a:alpha val="29804"/>
+            </a:srgbClr>
+          </a:solidFill>
+          <a:ln>
+            <a:noFill/>
+          </a:ln>
+        </p:spPr>
+        <p:style>
+          <a:lnRef idx="2">
+            <a:schemeClr val="accent1">
+              <a:shade val="15000"/>
+            </a:schemeClr>
+          </a:lnRef>
+          <a:fillRef idx="1">
+            <a:schemeClr val="accent1"/>
+          </a:fillRef>
+          <a:effectRef idx="0">
+            <a:schemeClr val="accent1"/>
+          </a:effectRef>
+          <a:fontRef idx="minor">
+            <a:schemeClr val="lt1"/>
+          </a:fontRef>
+        </p:style>
+        <p:txBody>
+          <a:bodyPr rtlCol="0" anchor="ctr"/>
+          <a:lstStyle/>
+          <a:p>
+            <a:pPr algn="ctr"/>
+            <a:endParaRPr lang="en-US"/>
+          </a:p>
+        </p:txBody>
+      </p:sp>
+      <p:sp>
+        <p:nvSpPr>
+          <p:cNvPr id="14" name="Rectangle 13">
+            <a:extLst>
+              <a:ext uri="{FF2B5EF4-FFF2-40B4-BE49-F238E27FC236}">
+                <a16:creationId xmlns:a16="http://schemas.microsoft.com/office/drawing/2014/main" id="{BBF71FC8-9752-A60B-DE0C-59D9764B85F8}"/>
+              </a:ext>
+            </a:extLst>
+          </p:cNvPr>
+          <p:cNvSpPr/>
+          <p:nvPr/>
+        </p:nvSpPr>
+        <p:spPr>
+          <a:xfrm>
+            <a:off x="11619304" y="3732916"/>
+            <a:ext cx="143933" cy="296342"/>
+          </a:xfrm>
+          <a:prstGeom prst="rect">
+            <a:avLst/>
+          </a:prstGeom>
+          <a:solidFill>
+            <a:srgbClr val="FF9300">
+              <a:alpha val="29804"/>
+            </a:srgbClr>
+          </a:solidFill>
+          <a:ln>
+            <a:noFill/>
+          </a:ln>
+        </p:spPr>
+        <p:style>
+          <a:lnRef idx="2">
+            <a:schemeClr val="accent1">
+              <a:shade val="15000"/>
+            </a:schemeClr>
+          </a:lnRef>
+          <a:fillRef idx="1">
+            <a:schemeClr val="accent1"/>
+          </a:fillRef>
+          <a:effectRef idx="0">
+            <a:schemeClr val="accent1"/>
+          </a:effectRef>
+          <a:fontRef idx="minor">
+            <a:schemeClr val="lt1"/>
+          </a:fontRef>
+        </p:style>
+        <p:txBody>
+          <a:bodyPr rtlCol="0" anchor="ctr"/>
+          <a:lstStyle/>
+          <a:p>
+            <a:pPr algn="ctr"/>
+            <a:endParaRPr lang="en-US"/>
+          </a:p>
+        </p:txBody>
+      </p:sp>
+      <p:sp>
+        <p:nvSpPr>
+          <p:cNvPr id="15" name="Rectangle 14">
+            <a:extLst>
+              <a:ext uri="{FF2B5EF4-FFF2-40B4-BE49-F238E27FC236}">
+                <a16:creationId xmlns:a16="http://schemas.microsoft.com/office/drawing/2014/main" id="{5FDD4CCC-DA02-96BB-7278-0942C28C4552}"/>
+              </a:ext>
+            </a:extLst>
+          </p:cNvPr>
+          <p:cNvSpPr/>
+          <p:nvPr/>
+        </p:nvSpPr>
+        <p:spPr>
+          <a:xfrm>
+            <a:off x="13659468" y="3732916"/>
+            <a:ext cx="143933" cy="296342"/>
+          </a:xfrm>
+          <a:prstGeom prst="rect">
+            <a:avLst/>
+          </a:prstGeom>
+          <a:solidFill>
+            <a:srgbClr val="FF9300">
+              <a:alpha val="29804"/>
+            </a:srgbClr>
+          </a:solidFill>
+          <a:ln>
+            <a:noFill/>
+          </a:ln>
+        </p:spPr>
+        <p:style>
+          <a:lnRef idx="2">
+            <a:schemeClr val="accent1">
+              <a:shade val="15000"/>
+            </a:schemeClr>
+          </a:lnRef>
+          <a:fillRef idx="1">
+            <a:schemeClr val="accent1"/>
+          </a:fillRef>
+          <a:effectRef idx="0">
+            <a:schemeClr val="accent1"/>
+          </a:effectRef>
+          <a:fontRef idx="minor">
+            <a:schemeClr val="lt1"/>
+          </a:fontRef>
+        </p:style>
+        <p:txBody>
+          <a:bodyPr rtlCol="0" anchor="ctr"/>
+          <a:lstStyle/>
+          <a:p>
+            <a:pPr algn="ctr"/>
+            <a:endParaRPr lang="en-US"/>
+          </a:p>
+        </p:txBody>
+      </p:sp>
+      <p:sp>
+        <p:nvSpPr>
+          <p:cNvPr id="16" name="Rectangle 15">
+            <a:extLst>
+              <a:ext uri="{FF2B5EF4-FFF2-40B4-BE49-F238E27FC236}">
+                <a16:creationId xmlns:a16="http://schemas.microsoft.com/office/drawing/2014/main" id="{06B61E8E-B00A-D531-38AE-8EAA27A2B273}"/>
+              </a:ext>
+            </a:extLst>
+          </p:cNvPr>
+          <p:cNvSpPr/>
+          <p:nvPr/>
+        </p:nvSpPr>
+        <p:spPr>
+          <a:xfrm>
+            <a:off x="13659467" y="4275273"/>
+            <a:ext cx="143933" cy="296342"/>
+          </a:xfrm>
+          <a:prstGeom prst="rect">
+            <a:avLst/>
+          </a:prstGeom>
+          <a:solidFill>
+            <a:srgbClr val="FF9300">
+              <a:alpha val="29804"/>
+            </a:srgbClr>
+          </a:solidFill>
+          <a:ln>
+            <a:noFill/>
+          </a:ln>
+        </p:spPr>
+        <p:style>
+          <a:lnRef idx="2">
+            <a:schemeClr val="accent1">
+              <a:shade val="15000"/>
+            </a:schemeClr>
+          </a:lnRef>
+          <a:fillRef idx="1">
+            <a:schemeClr val="accent1"/>
+          </a:fillRef>
+          <a:effectRef idx="0">
+            <a:schemeClr val="accent1"/>
+          </a:effectRef>
+          <a:fontRef idx="minor">
+            <a:schemeClr val="lt1"/>
+          </a:fontRef>
+        </p:style>
+        <p:txBody>
+          <a:bodyPr rtlCol="0" anchor="ctr"/>
+          <a:lstStyle/>
+          <a:p>
+            <a:pPr algn="ctr"/>
+            <a:endParaRPr lang="en-US"/>
+          </a:p>
+        </p:txBody>
+      </p:sp>
+      <p:sp>
+        <p:nvSpPr>
+          <p:cNvPr id="18" name="Rectangle 17">
+            <a:extLst>
+              <a:ext uri="{FF2B5EF4-FFF2-40B4-BE49-F238E27FC236}">
+                <a16:creationId xmlns:a16="http://schemas.microsoft.com/office/drawing/2014/main" id="{3189B973-DD86-2CC0-2AA1-A56C14554466}"/>
+              </a:ext>
+            </a:extLst>
+          </p:cNvPr>
+          <p:cNvSpPr/>
+          <p:nvPr/>
+        </p:nvSpPr>
+        <p:spPr>
+          <a:xfrm>
+            <a:off x="13659466" y="4828560"/>
+            <a:ext cx="143933" cy="296342"/>
+          </a:xfrm>
+          <a:prstGeom prst="rect">
+            <a:avLst/>
+          </a:prstGeom>
+          <a:solidFill>
+            <a:srgbClr val="FF9300">
+              <a:alpha val="29804"/>
+            </a:srgbClr>
+          </a:solidFill>
+          <a:ln>
+            <a:noFill/>
+          </a:ln>
+        </p:spPr>
+        <p:style>
+          <a:lnRef idx="2">
+            <a:schemeClr val="accent1">
+              <a:shade val="15000"/>
+            </a:schemeClr>
+          </a:lnRef>
+          <a:fillRef idx="1">
+            <a:schemeClr val="accent1"/>
+          </a:fillRef>
+          <a:effectRef idx="0">
+            <a:schemeClr val="accent1"/>
+          </a:effectRef>
+          <a:fontRef idx="minor">
+            <a:schemeClr val="lt1"/>
+          </a:fontRef>
+        </p:style>
+        <p:txBody>
+          <a:bodyPr rtlCol="0" anchor="ctr"/>
+          <a:lstStyle/>
+          <a:p>
+            <a:pPr algn="ctr"/>
+            <a:endParaRPr lang="en-US"/>
+          </a:p>
+        </p:txBody>
+      </p:sp>
+      <p:sp>
+        <p:nvSpPr>
+          <p:cNvPr id="19" name="Rectangle 18">
+            <a:extLst>
+              <a:ext uri="{FF2B5EF4-FFF2-40B4-BE49-F238E27FC236}">
+                <a16:creationId xmlns:a16="http://schemas.microsoft.com/office/drawing/2014/main" id="{0C4D6446-FBD2-F6DD-55A1-A8C6F7641115}"/>
+              </a:ext>
+            </a:extLst>
+          </p:cNvPr>
+          <p:cNvSpPr/>
+          <p:nvPr/>
+        </p:nvSpPr>
+        <p:spPr>
+          <a:xfrm>
+            <a:off x="13792512" y="5367975"/>
+            <a:ext cx="143933" cy="296342"/>
+          </a:xfrm>
+          <a:prstGeom prst="rect">
+            <a:avLst/>
+          </a:prstGeom>
+          <a:solidFill>
+            <a:srgbClr val="FF9300">
+              <a:alpha val="29804"/>
+            </a:srgbClr>
+          </a:solidFill>
+          <a:ln>
+            <a:noFill/>
+          </a:ln>
+        </p:spPr>
+        <p:style>
+          <a:lnRef idx="2">
+            <a:schemeClr val="accent1">
+              <a:shade val="15000"/>
+            </a:schemeClr>
+          </a:lnRef>
+          <a:fillRef idx="1">
+            <a:schemeClr val="accent1"/>
+          </a:fillRef>
+          <a:effectRef idx="0">
+            <a:schemeClr val="accent1"/>
+          </a:effectRef>
+          <a:fontRef idx="minor">
+            <a:schemeClr val="lt1"/>
+          </a:fontRef>
+        </p:style>
+        <p:txBody>
+          <a:bodyPr rtlCol="0" anchor="ctr"/>
+          <a:lstStyle/>
+          <a:p>
+            <a:pPr algn="ctr"/>
+            <a:endParaRPr lang="en-US"/>
+          </a:p>
+        </p:txBody>
+      </p:sp>
+      <p:sp>
+        <p:nvSpPr>
+          <p:cNvPr id="21" name="Rectangle 20">
+            <a:extLst>
+              <a:ext uri="{FF2B5EF4-FFF2-40B4-BE49-F238E27FC236}">
+                <a16:creationId xmlns:a16="http://schemas.microsoft.com/office/drawing/2014/main" id="{01127CD2-207F-4436-A2ED-6E91F4ADE71E}"/>
+              </a:ext>
+            </a:extLst>
+          </p:cNvPr>
+          <p:cNvSpPr/>
+          <p:nvPr/>
+        </p:nvSpPr>
+        <p:spPr>
+          <a:xfrm>
+            <a:off x="6978823" y="6201671"/>
+            <a:ext cx="143933" cy="296342"/>
+          </a:xfrm>
+          <a:prstGeom prst="rect">
+            <a:avLst/>
+          </a:prstGeom>
+          <a:solidFill>
+            <a:srgbClr val="FF9300">
+              <a:alpha val="29804"/>
+            </a:srgbClr>
+          </a:solidFill>
+          <a:ln>
+            <a:noFill/>
+          </a:ln>
+        </p:spPr>
+        <p:style>
+          <a:lnRef idx="2">
+            <a:schemeClr val="accent1">
+              <a:shade val="15000"/>
+            </a:schemeClr>
+          </a:lnRef>
+          <a:fillRef idx="1">
+            <a:schemeClr val="accent1"/>
+          </a:fillRef>
+          <a:effectRef idx="0">
+            <a:schemeClr val="accent1"/>
+          </a:effectRef>
+          <a:fontRef idx="minor">
+            <a:schemeClr val="lt1"/>
+          </a:fontRef>
+        </p:style>
+        <p:txBody>
+          <a:bodyPr rtlCol="0" anchor="ctr"/>
+          <a:lstStyle/>
+          <a:p>
+            <a:pPr algn="ctr"/>
+            <a:endParaRPr lang="en-US"/>
+          </a:p>
+        </p:txBody>
+      </p:sp>
+      <p:sp>
+        <p:nvSpPr>
+          <p:cNvPr id="22" name="Rectangle 21">
+            <a:extLst>
+              <a:ext uri="{FF2B5EF4-FFF2-40B4-BE49-F238E27FC236}">
+                <a16:creationId xmlns:a16="http://schemas.microsoft.com/office/drawing/2014/main" id="{4E9C30E7-5F96-D602-E72F-014C8BB1252E}"/>
+              </a:ext>
+            </a:extLst>
+          </p:cNvPr>
+          <p:cNvSpPr/>
+          <p:nvPr/>
+        </p:nvSpPr>
+        <p:spPr>
+          <a:xfrm>
+            <a:off x="4923870" y="6197085"/>
+            <a:ext cx="143933" cy="296342"/>
+          </a:xfrm>
+          <a:prstGeom prst="rect">
+            <a:avLst/>
+          </a:prstGeom>
+          <a:solidFill>
+            <a:srgbClr val="FF9300">
+              <a:alpha val="29804"/>
+            </a:srgbClr>
+          </a:solidFill>
+          <a:ln>
+            <a:noFill/>
+          </a:ln>
+        </p:spPr>
+        <p:style>
+          <a:lnRef idx="2">
+            <a:schemeClr val="accent1">
+              <a:shade val="15000"/>
+            </a:schemeClr>
+          </a:lnRef>
+          <a:fillRef idx="1">
+            <a:schemeClr val="accent1"/>
+          </a:fillRef>
+          <a:effectRef idx="0">
+            <a:schemeClr val="accent1"/>
+          </a:effectRef>
+          <a:fontRef idx="minor">
+            <a:schemeClr val="lt1"/>
+          </a:fontRef>
+        </p:style>
+        <p:txBody>
+          <a:bodyPr rtlCol="0" anchor="ctr"/>
+          <a:lstStyle/>
+          <a:p>
+            <a:pPr algn="ctr"/>
+            <a:endParaRPr lang="en-US"/>
+          </a:p>
+        </p:txBody>
+      </p:sp>
+      <p:sp>
+        <p:nvSpPr>
+          <p:cNvPr id="23" name="Rectangle 22">
+            <a:extLst>
+              <a:ext uri="{FF2B5EF4-FFF2-40B4-BE49-F238E27FC236}">
+                <a16:creationId xmlns:a16="http://schemas.microsoft.com/office/drawing/2014/main" id="{2EA48CF7-BDBA-11AA-26C5-AE7D3AE6175D}"/>
+              </a:ext>
+            </a:extLst>
+          </p:cNvPr>
+          <p:cNvSpPr/>
+          <p:nvPr/>
+        </p:nvSpPr>
+        <p:spPr>
+          <a:xfrm>
+            <a:off x="11340790" y="4827024"/>
+            <a:ext cx="143933" cy="296342"/>
+          </a:xfrm>
+          <a:prstGeom prst="rect">
+            <a:avLst/>
+          </a:prstGeom>
+          <a:solidFill>
+            <a:srgbClr val="FF9300">
+              <a:alpha val="29804"/>
+            </a:srgbClr>
+          </a:solidFill>
+          <a:ln>
+            <a:noFill/>
+          </a:ln>
+        </p:spPr>
+        <p:style>
+          <a:lnRef idx="2">
+            <a:schemeClr val="accent1">
+              <a:shade val="15000"/>
+            </a:schemeClr>
+          </a:lnRef>
+          <a:fillRef idx="1">
+            <a:schemeClr val="accent1"/>
+          </a:fillRef>
+          <a:effectRef idx="0">
+            <a:schemeClr val="accent1"/>
+          </a:effectRef>
+          <a:fontRef idx="minor">
+            <a:schemeClr val="lt1"/>
+          </a:fontRef>
+        </p:style>
+        <p:txBody>
+          <a:bodyPr rtlCol="0" anchor="ctr"/>
+          <a:lstStyle/>
+          <a:p>
+            <a:pPr algn="ctr"/>
+            <a:endParaRPr lang="en-US"/>
+          </a:p>
+        </p:txBody>
+      </p:sp>
     </p:spTree>
     <p:extLst>
       <p:ext uri="{BB962C8B-B14F-4D97-AF65-F5344CB8AC3E}">

--- a/latex/popl2024/architecture_overview.pptx
+++ b/latex/popl2024/architecture_overview.pptx
@@ -197,7 +197,7 @@
           <a:p>
             <a:fld id="{4BCF36D4-1A3D-FF49-BD9D-8E92502A3136}" type="datetimeFigureOut">
               <a:rPr lang="en-US" smtClean="0"/>
-              <a:t>7/10/23</a:t>
+              <a:t>7/12/23</a:t>
             </a:fld>
             <a:endParaRPr lang="en-US"/>
           </a:p>
@@ -684,7 +684,7 @@
           <a:p>
             <a:fld id="{4B75BEB6-BBAC-A946-9A0D-CADA25585596}" type="datetimeFigureOut">
               <a:rPr lang="en-US" smtClean="0"/>
-              <a:t>7/10/23</a:t>
+              <a:t>7/12/23</a:t>
             </a:fld>
             <a:endParaRPr lang="en-US"/>
           </a:p>
@@ -854,7 +854,7 @@
           <a:p>
             <a:fld id="{4B75BEB6-BBAC-A946-9A0D-CADA25585596}" type="datetimeFigureOut">
               <a:rPr lang="en-US" smtClean="0"/>
-              <a:t>7/10/23</a:t>
+              <a:t>7/12/23</a:t>
             </a:fld>
             <a:endParaRPr lang="en-US"/>
           </a:p>
@@ -1034,7 +1034,7 @@
           <a:p>
             <a:fld id="{4B75BEB6-BBAC-A946-9A0D-CADA25585596}" type="datetimeFigureOut">
               <a:rPr lang="en-US" smtClean="0"/>
-              <a:t>7/10/23</a:t>
+              <a:t>7/12/23</a:t>
             </a:fld>
             <a:endParaRPr lang="en-US"/>
           </a:p>
@@ -1204,7 +1204,7 @@
           <a:p>
             <a:fld id="{4B75BEB6-BBAC-A946-9A0D-CADA25585596}" type="datetimeFigureOut">
               <a:rPr lang="en-US" smtClean="0"/>
-              <a:t>7/10/23</a:t>
+              <a:t>7/12/23</a:t>
             </a:fld>
             <a:endParaRPr lang="en-US"/>
           </a:p>
@@ -1450,7 +1450,7 @@
           <a:p>
             <a:fld id="{4B75BEB6-BBAC-A946-9A0D-CADA25585596}" type="datetimeFigureOut">
               <a:rPr lang="en-US" smtClean="0"/>
-              <a:t>7/10/23</a:t>
+              <a:t>7/12/23</a:t>
             </a:fld>
             <a:endParaRPr lang="en-US"/>
           </a:p>
@@ -1682,7 +1682,7 @@
           <a:p>
             <a:fld id="{4B75BEB6-BBAC-A946-9A0D-CADA25585596}" type="datetimeFigureOut">
               <a:rPr lang="en-US" smtClean="0"/>
-              <a:t>7/10/23</a:t>
+              <a:t>7/12/23</a:t>
             </a:fld>
             <a:endParaRPr lang="en-US"/>
           </a:p>
@@ -2049,7 +2049,7 @@
           <a:p>
             <a:fld id="{4B75BEB6-BBAC-A946-9A0D-CADA25585596}" type="datetimeFigureOut">
               <a:rPr lang="en-US" smtClean="0"/>
-              <a:t>7/10/23</a:t>
+              <a:t>7/12/23</a:t>
             </a:fld>
             <a:endParaRPr lang="en-US"/>
           </a:p>
@@ -2167,7 +2167,7 @@
           <a:p>
             <a:fld id="{4B75BEB6-BBAC-A946-9A0D-CADA25585596}" type="datetimeFigureOut">
               <a:rPr lang="en-US" smtClean="0"/>
-              <a:t>7/10/23</a:t>
+              <a:t>7/12/23</a:t>
             </a:fld>
             <a:endParaRPr lang="en-US"/>
           </a:p>
@@ -2262,7 +2262,7 @@
           <a:p>
             <a:fld id="{4B75BEB6-BBAC-A946-9A0D-CADA25585596}" type="datetimeFigureOut">
               <a:rPr lang="en-US" smtClean="0"/>
-              <a:t>7/10/23</a:t>
+              <a:t>7/12/23</a:t>
             </a:fld>
             <a:endParaRPr lang="en-US"/>
           </a:p>
@@ -2539,7 +2539,7 @@
           <a:p>
             <a:fld id="{4B75BEB6-BBAC-A946-9A0D-CADA25585596}" type="datetimeFigureOut">
               <a:rPr lang="en-US" smtClean="0"/>
-              <a:t>7/10/23</a:t>
+              <a:t>7/12/23</a:t>
             </a:fld>
             <a:endParaRPr lang="en-US"/>
           </a:p>
@@ -2795,7 +2795,7 @@
           <a:p>
             <a:fld id="{4B75BEB6-BBAC-A946-9A0D-CADA25585596}" type="datetimeFigureOut">
               <a:rPr lang="en-US" smtClean="0"/>
-              <a:t>7/10/23</a:t>
+              <a:t>7/12/23</a:t>
             </a:fld>
             <a:endParaRPr lang="en-US"/>
           </a:p>
@@ -3008,7 +3008,7 @@
           <a:p>
             <a:fld id="{4B75BEB6-BBAC-A946-9A0D-CADA25585596}" type="datetimeFigureOut">
               <a:rPr lang="en-US" smtClean="0"/>
-              <a:t>7/10/23</a:t>
+              <a:t>7/12/23</a:t>
             </a:fld>
             <a:endParaRPr lang="en-US"/>
           </a:p>
@@ -4754,7 +4754,7 @@
                 </a:solidFill>
                 <a:latin typeface="JetBrains Mono" panose="02000009000000000000" pitchFamily="49" charset="0"/>
               </a:rPr>
-              <a:t> ID | ID ( S ) | S , S | - S</a:t>
+              <a:t> ID | ID ( S ) | S , S | + S</a:t>
             </a:r>
           </a:p>
           <a:p>
@@ -6825,7 +6825,7 @@
                 </a:solidFill>
                 <a:latin typeface="JetBrains Mono" panose="02000009000000000000" pitchFamily="49" charset="0"/>
               </a:rPr>
-              <a:t>(-i)</a:t>
+              <a:t>(+i)</a:t>
             </a:r>
             <a:r>
               <a:rPr lang="en-US" dirty="0">
